--- a/Docs/MiniAnalyzersPresentation.pptx
+++ b/Docs/MiniAnalyzersPresentation.pptx
@@ -4,25 +4,33 @@
   <p:sldMasterIdLst>
     <p:sldMasterId id="2147483648" r:id="rId4"/>
   </p:sldMasterIdLst>
+  <p:notesMasterIdLst>
+    <p:notesMasterId r:id="rId28"/>
+  </p:notesMasterIdLst>
   <p:sldIdLst>
-    <p:sldId id="257" r:id="rId5"/>
-    <p:sldId id="256" r:id="rId6"/>
+    <p:sldId id="256" r:id="rId5"/>
+    <p:sldId id="274" r:id="rId6"/>
     <p:sldId id="260" r:id="rId7"/>
     <p:sldId id="261" r:id="rId8"/>
     <p:sldId id="258" r:id="rId9"/>
-    <p:sldId id="259" r:id="rId10"/>
-    <p:sldId id="262" r:id="rId11"/>
-    <p:sldId id="263" r:id="rId12"/>
-    <p:sldId id="264" r:id="rId13"/>
-    <p:sldId id="265" r:id="rId14"/>
-    <p:sldId id="266" r:id="rId15"/>
-    <p:sldId id="267" r:id="rId16"/>
-    <p:sldId id="268" r:id="rId17"/>
-    <p:sldId id="269" r:id="rId18"/>
-    <p:sldId id="270" r:id="rId19"/>
-    <p:sldId id="271" r:id="rId20"/>
+    <p:sldId id="275" r:id="rId10"/>
+    <p:sldId id="259" r:id="rId11"/>
+    <p:sldId id="262" r:id="rId12"/>
+    <p:sldId id="263" r:id="rId13"/>
+    <p:sldId id="264" r:id="rId14"/>
+    <p:sldId id="265" r:id="rId15"/>
+    <p:sldId id="266" r:id="rId16"/>
+    <p:sldId id="267" r:id="rId17"/>
+    <p:sldId id="268" r:id="rId18"/>
+    <p:sldId id="269" r:id="rId19"/>
+    <p:sldId id="270" r:id="rId20"/>
     <p:sldId id="273" r:id="rId21"/>
-    <p:sldId id="272" r:id="rId22"/>
+    <p:sldId id="271" r:id="rId22"/>
+    <p:sldId id="272" r:id="rId23"/>
+    <p:sldId id="276" r:id="rId24"/>
+    <p:sldId id="277" r:id="rId25"/>
+    <p:sldId id="279" r:id="rId26"/>
+    <p:sldId id="278" r:id="rId27"/>
   </p:sldIdLst>
   <p:sldSz cx="12192000" cy="6858000"/>
   <p:notesSz cx="6858000" cy="9144000"/>
@@ -121,6 +129,11 @@
       </a:defRPr>
     </a:lvl9pPr>
   </p:defaultTextStyle>
+  <p:extLst>
+    <p:ext uri="{EFAFB233-063F-42B5-8137-9DF3F51BA10A}">
+      <p15:sldGuideLst xmlns:p15="http://schemas.microsoft.com/office/powerpoint/2012/main"/>
+    </p:ext>
+  </p:extLst>
 </p:presentation>
 </file>
 
@@ -130,6 +143,439 @@
     <p1510:client id="{F1F0FCC5-1115-4C1A-B9B3-5BB56476F6E2}" v="61" dt="2025-08-29T18:10:25.074"/>
   </p1510:revLst>
 </p1510:revInfo>
+</file>
+
+<file path=ppt/notesMasters/notesMaster1.xml><?xml version="1.0" encoding="utf-8"?>
+<p:notesMaster xmlns:a="http://schemas.openxmlformats.org/drawingml/2006/main" xmlns:r="http://schemas.openxmlformats.org/officeDocument/2006/relationships" xmlns:p="http://schemas.openxmlformats.org/presentationml/2006/main">
+  <p:cSld>
+    <p:bg>
+      <p:bgRef idx="1001">
+        <a:schemeClr val="bg1"/>
+      </p:bgRef>
+    </p:bg>
+    <p:spTree>
+      <p:nvGrpSpPr>
+        <p:cNvPr id="1" name=""/>
+        <p:cNvGrpSpPr/>
+        <p:nvPr/>
+      </p:nvGrpSpPr>
+      <p:grpSpPr>
+        <a:xfrm>
+          <a:off x="0" y="0"/>
+          <a:ext cx="0" cy="0"/>
+          <a:chOff x="0" y="0"/>
+          <a:chExt cx="0" cy="0"/>
+        </a:xfrm>
+      </p:grpSpPr>
+      <p:sp>
+        <p:nvSpPr>
+          <p:cNvPr id="2" name="Header Placeholder 1"/>
+          <p:cNvSpPr>
+            <a:spLocks noGrp="1"/>
+          </p:cNvSpPr>
+          <p:nvPr>
+            <p:ph type="hdr" sz="quarter"/>
+          </p:nvPr>
+        </p:nvSpPr>
+        <p:spPr>
+          <a:xfrm>
+            <a:off x="0" y="0"/>
+            <a:ext cx="2971800" cy="458788"/>
+          </a:xfrm>
+          <a:prstGeom prst="rect">
+            <a:avLst/>
+          </a:prstGeom>
+        </p:spPr>
+        <p:txBody>
+          <a:bodyPr vert="horz" lIns="91440" tIns="45720" rIns="91440" bIns="45720" rtlCol="0"/>
+          <a:lstStyle>
+            <a:lvl1pPr algn="l">
+              <a:defRPr sz="1200"/>
+            </a:lvl1pPr>
+          </a:lstStyle>
+          <a:p>
+            <a:endParaRPr lang="en-US"/>
+          </a:p>
+        </p:txBody>
+      </p:sp>
+      <p:sp>
+        <p:nvSpPr>
+          <p:cNvPr id="3" name="Date Placeholder 2"/>
+          <p:cNvSpPr>
+            <a:spLocks noGrp="1"/>
+          </p:cNvSpPr>
+          <p:nvPr>
+            <p:ph type="dt" idx="1"/>
+          </p:nvPr>
+        </p:nvSpPr>
+        <p:spPr>
+          <a:xfrm>
+            <a:off x="3884613" y="0"/>
+            <a:ext cx="2971800" cy="458788"/>
+          </a:xfrm>
+          <a:prstGeom prst="rect">
+            <a:avLst/>
+          </a:prstGeom>
+        </p:spPr>
+        <p:txBody>
+          <a:bodyPr vert="horz" lIns="91440" tIns="45720" rIns="91440" bIns="45720" rtlCol="0"/>
+          <a:lstStyle>
+            <a:lvl1pPr algn="r">
+              <a:defRPr sz="1200"/>
+            </a:lvl1pPr>
+          </a:lstStyle>
+          <a:p>
+            <a:fld id="{BB5EDBAC-BC1C-42E4-8393-1D2ABF5F0D5F}" type="datetimeFigureOut">
+              <a:rPr lang="en-US" smtClean="0"/>
+              <a:t>2025-09-05</a:t>
+            </a:fld>
+            <a:endParaRPr lang="en-US"/>
+          </a:p>
+        </p:txBody>
+      </p:sp>
+      <p:sp>
+        <p:nvSpPr>
+          <p:cNvPr id="4" name="Slide Image Placeholder 3"/>
+          <p:cNvSpPr>
+            <a:spLocks noGrp="1" noRot="1" noChangeAspect="1"/>
+          </p:cNvSpPr>
+          <p:nvPr>
+            <p:ph type="sldImg" idx="2"/>
+          </p:nvPr>
+        </p:nvSpPr>
+        <p:spPr>
+          <a:xfrm>
+            <a:off x="685800" y="1143000"/>
+            <a:ext cx="5486400" cy="3086100"/>
+          </a:xfrm>
+          <a:prstGeom prst="rect">
+            <a:avLst/>
+          </a:prstGeom>
+          <a:noFill/>
+          <a:ln w="12700">
+            <a:solidFill>
+              <a:prstClr val="black"/>
+            </a:solidFill>
+          </a:ln>
+        </p:spPr>
+        <p:txBody>
+          <a:bodyPr vert="horz" lIns="91440" tIns="45720" rIns="91440" bIns="45720" rtlCol="0" anchor="ctr"/>
+          <a:lstStyle/>
+          <a:p>
+            <a:endParaRPr lang="en-US"/>
+          </a:p>
+        </p:txBody>
+      </p:sp>
+      <p:sp>
+        <p:nvSpPr>
+          <p:cNvPr id="5" name="Notes Placeholder 4"/>
+          <p:cNvSpPr>
+            <a:spLocks noGrp="1"/>
+          </p:cNvSpPr>
+          <p:nvPr>
+            <p:ph type="body" sz="quarter" idx="3"/>
+          </p:nvPr>
+        </p:nvSpPr>
+        <p:spPr>
+          <a:xfrm>
+            <a:off x="685800" y="4400550"/>
+            <a:ext cx="5486400" cy="3600450"/>
+          </a:xfrm>
+          <a:prstGeom prst="rect">
+            <a:avLst/>
+          </a:prstGeom>
+        </p:spPr>
+        <p:txBody>
+          <a:bodyPr vert="horz" lIns="91440" tIns="45720" rIns="91440" bIns="45720" rtlCol="0"/>
+          <a:lstStyle/>
+          <a:p>
+            <a:pPr lvl="0"/>
+            <a:r>
+              <a:rPr lang="en-US"/>
+              <a:t>Click to edit Master text styles</a:t>
+            </a:r>
+          </a:p>
+          <a:p>
+            <a:pPr lvl="1"/>
+            <a:r>
+              <a:rPr lang="en-US"/>
+              <a:t>Second level</a:t>
+            </a:r>
+          </a:p>
+          <a:p>
+            <a:pPr lvl="2"/>
+            <a:r>
+              <a:rPr lang="en-US"/>
+              <a:t>Third level</a:t>
+            </a:r>
+          </a:p>
+          <a:p>
+            <a:pPr lvl="3"/>
+            <a:r>
+              <a:rPr lang="en-US"/>
+              <a:t>Fourth level</a:t>
+            </a:r>
+          </a:p>
+          <a:p>
+            <a:pPr lvl="4"/>
+            <a:r>
+              <a:rPr lang="en-US"/>
+              <a:t>Fifth level</a:t>
+            </a:r>
+          </a:p>
+        </p:txBody>
+      </p:sp>
+      <p:sp>
+        <p:nvSpPr>
+          <p:cNvPr id="6" name="Footer Placeholder 5"/>
+          <p:cNvSpPr>
+            <a:spLocks noGrp="1"/>
+          </p:cNvSpPr>
+          <p:nvPr>
+            <p:ph type="ftr" sz="quarter" idx="4"/>
+          </p:nvPr>
+        </p:nvSpPr>
+        <p:spPr>
+          <a:xfrm>
+            <a:off x="0" y="8685213"/>
+            <a:ext cx="2971800" cy="458787"/>
+          </a:xfrm>
+          <a:prstGeom prst="rect">
+            <a:avLst/>
+          </a:prstGeom>
+        </p:spPr>
+        <p:txBody>
+          <a:bodyPr vert="horz" lIns="91440" tIns="45720" rIns="91440" bIns="45720" rtlCol="0" anchor="b"/>
+          <a:lstStyle>
+            <a:lvl1pPr algn="l">
+              <a:defRPr sz="1200"/>
+            </a:lvl1pPr>
+          </a:lstStyle>
+          <a:p>
+            <a:endParaRPr lang="en-US"/>
+          </a:p>
+        </p:txBody>
+      </p:sp>
+      <p:sp>
+        <p:nvSpPr>
+          <p:cNvPr id="7" name="Slide Number Placeholder 6"/>
+          <p:cNvSpPr>
+            <a:spLocks noGrp="1"/>
+          </p:cNvSpPr>
+          <p:nvPr>
+            <p:ph type="sldNum" sz="quarter" idx="5"/>
+          </p:nvPr>
+        </p:nvSpPr>
+        <p:spPr>
+          <a:xfrm>
+            <a:off x="3884613" y="8685213"/>
+            <a:ext cx="2971800" cy="458787"/>
+          </a:xfrm>
+          <a:prstGeom prst="rect">
+            <a:avLst/>
+          </a:prstGeom>
+        </p:spPr>
+        <p:txBody>
+          <a:bodyPr vert="horz" lIns="91440" tIns="45720" rIns="91440" bIns="45720" rtlCol="0" anchor="b"/>
+          <a:lstStyle>
+            <a:lvl1pPr algn="r">
+              <a:defRPr sz="1200"/>
+            </a:lvl1pPr>
+          </a:lstStyle>
+          <a:p>
+            <a:fld id="{DC3E46D3-6332-4C64-863A-34F0AF2656D2}" type="slidenum">
+              <a:rPr lang="en-US" smtClean="0"/>
+              <a:t>‹#›</a:t>
+            </a:fld>
+            <a:endParaRPr lang="en-US"/>
+          </a:p>
+        </p:txBody>
+      </p:sp>
+    </p:spTree>
+    <p:extLst>
+      <p:ext uri="{BB962C8B-B14F-4D97-AF65-F5344CB8AC3E}">
+        <p14:creationId xmlns:p14="http://schemas.microsoft.com/office/powerpoint/2010/main" val="380295013"/>
+      </p:ext>
+    </p:extLst>
+  </p:cSld>
+  <p:clrMap bg1="lt1" tx1="dk1" bg2="lt2" tx2="dk2" accent1="accent1" accent2="accent2" accent3="accent3" accent4="accent4" accent5="accent5" accent6="accent6" hlink="hlink" folHlink="folHlink"/>
+  <p:notesStyle>
+    <a:lvl1pPr marL="0" algn="l" defTabSz="914400" rtl="0" eaLnBrk="1" latinLnBrk="0" hangingPunct="1">
+      <a:defRPr sz="1200" kern="1200">
+        <a:solidFill>
+          <a:schemeClr val="tx1"/>
+        </a:solidFill>
+        <a:latin typeface="+mn-lt"/>
+        <a:ea typeface="+mn-ea"/>
+        <a:cs typeface="+mn-cs"/>
+      </a:defRPr>
+    </a:lvl1pPr>
+    <a:lvl2pPr marL="457200" algn="l" defTabSz="914400" rtl="0" eaLnBrk="1" latinLnBrk="0" hangingPunct="1">
+      <a:defRPr sz="1200" kern="1200">
+        <a:solidFill>
+          <a:schemeClr val="tx1"/>
+        </a:solidFill>
+        <a:latin typeface="+mn-lt"/>
+        <a:ea typeface="+mn-ea"/>
+        <a:cs typeface="+mn-cs"/>
+      </a:defRPr>
+    </a:lvl2pPr>
+    <a:lvl3pPr marL="914400" algn="l" defTabSz="914400" rtl="0" eaLnBrk="1" latinLnBrk="0" hangingPunct="1">
+      <a:defRPr sz="1200" kern="1200">
+        <a:solidFill>
+          <a:schemeClr val="tx1"/>
+        </a:solidFill>
+        <a:latin typeface="+mn-lt"/>
+        <a:ea typeface="+mn-ea"/>
+        <a:cs typeface="+mn-cs"/>
+      </a:defRPr>
+    </a:lvl3pPr>
+    <a:lvl4pPr marL="1371600" algn="l" defTabSz="914400" rtl="0" eaLnBrk="1" latinLnBrk="0" hangingPunct="1">
+      <a:defRPr sz="1200" kern="1200">
+        <a:solidFill>
+          <a:schemeClr val="tx1"/>
+        </a:solidFill>
+        <a:latin typeface="+mn-lt"/>
+        <a:ea typeface="+mn-ea"/>
+        <a:cs typeface="+mn-cs"/>
+      </a:defRPr>
+    </a:lvl4pPr>
+    <a:lvl5pPr marL="1828800" algn="l" defTabSz="914400" rtl="0" eaLnBrk="1" latinLnBrk="0" hangingPunct="1">
+      <a:defRPr sz="1200" kern="1200">
+        <a:solidFill>
+          <a:schemeClr val="tx1"/>
+        </a:solidFill>
+        <a:latin typeface="+mn-lt"/>
+        <a:ea typeface="+mn-ea"/>
+        <a:cs typeface="+mn-cs"/>
+      </a:defRPr>
+    </a:lvl5pPr>
+    <a:lvl6pPr marL="2286000" algn="l" defTabSz="914400" rtl="0" eaLnBrk="1" latinLnBrk="0" hangingPunct="1">
+      <a:defRPr sz="1200" kern="1200">
+        <a:solidFill>
+          <a:schemeClr val="tx1"/>
+        </a:solidFill>
+        <a:latin typeface="+mn-lt"/>
+        <a:ea typeface="+mn-ea"/>
+        <a:cs typeface="+mn-cs"/>
+      </a:defRPr>
+    </a:lvl6pPr>
+    <a:lvl7pPr marL="2743200" algn="l" defTabSz="914400" rtl="0" eaLnBrk="1" latinLnBrk="0" hangingPunct="1">
+      <a:defRPr sz="1200" kern="1200">
+        <a:solidFill>
+          <a:schemeClr val="tx1"/>
+        </a:solidFill>
+        <a:latin typeface="+mn-lt"/>
+        <a:ea typeface="+mn-ea"/>
+        <a:cs typeface="+mn-cs"/>
+      </a:defRPr>
+    </a:lvl7pPr>
+    <a:lvl8pPr marL="3200400" algn="l" defTabSz="914400" rtl="0" eaLnBrk="1" latinLnBrk="0" hangingPunct="1">
+      <a:defRPr sz="1200" kern="1200">
+        <a:solidFill>
+          <a:schemeClr val="tx1"/>
+        </a:solidFill>
+        <a:latin typeface="+mn-lt"/>
+        <a:ea typeface="+mn-ea"/>
+        <a:cs typeface="+mn-cs"/>
+      </a:defRPr>
+    </a:lvl8pPr>
+    <a:lvl9pPr marL="3657600" algn="l" defTabSz="914400" rtl="0" eaLnBrk="1" latinLnBrk="0" hangingPunct="1">
+      <a:defRPr sz="1200" kern="1200">
+        <a:solidFill>
+          <a:schemeClr val="tx1"/>
+        </a:solidFill>
+        <a:latin typeface="+mn-lt"/>
+        <a:ea typeface="+mn-ea"/>
+        <a:cs typeface="+mn-cs"/>
+      </a:defRPr>
+    </a:lvl9pPr>
+  </p:notesStyle>
+</p:notesMaster>
+</file>
+
+<file path=ppt/notesSlides/notesSlide1.xml><?xml version="1.0" encoding="utf-8"?>
+<p:notes xmlns:a="http://schemas.openxmlformats.org/drawingml/2006/main" xmlns:r="http://schemas.openxmlformats.org/officeDocument/2006/relationships" xmlns:p="http://schemas.openxmlformats.org/presentationml/2006/main">
+  <p:cSld>
+    <p:spTree>
+      <p:nvGrpSpPr>
+        <p:cNvPr id="1" name=""/>
+        <p:cNvGrpSpPr/>
+        <p:nvPr/>
+      </p:nvGrpSpPr>
+      <p:grpSpPr>
+        <a:xfrm>
+          <a:off x="0" y="0"/>
+          <a:ext cx="0" cy="0"/>
+          <a:chOff x="0" y="0"/>
+          <a:chExt cx="0" cy="0"/>
+        </a:xfrm>
+      </p:grpSpPr>
+      <p:sp>
+        <p:nvSpPr>
+          <p:cNvPr id="2" name="Slide Image Placeholder 1"/>
+          <p:cNvSpPr>
+            <a:spLocks noGrp="1" noRot="1" noChangeAspect="1"/>
+          </p:cNvSpPr>
+          <p:nvPr>
+            <p:ph type="sldImg"/>
+          </p:nvPr>
+        </p:nvSpPr>
+        <p:spPr/>
+      </p:sp>
+      <p:sp>
+        <p:nvSpPr>
+          <p:cNvPr id="3" name="Notes Placeholder 2"/>
+          <p:cNvSpPr>
+            <a:spLocks noGrp="1"/>
+          </p:cNvSpPr>
+          <p:nvPr>
+            <p:ph type="body" idx="1"/>
+          </p:nvPr>
+        </p:nvSpPr>
+        <p:spPr/>
+        <p:txBody>
+          <a:bodyPr/>
+          <a:lstStyle/>
+          <a:p>
+            <a:endParaRPr lang="en-US" dirty="0"/>
+          </a:p>
+        </p:txBody>
+      </p:sp>
+      <p:sp>
+        <p:nvSpPr>
+          <p:cNvPr id="4" name="Slide Number Placeholder 3"/>
+          <p:cNvSpPr>
+            <a:spLocks noGrp="1"/>
+          </p:cNvSpPr>
+          <p:nvPr>
+            <p:ph type="sldNum" sz="quarter" idx="5"/>
+          </p:nvPr>
+        </p:nvSpPr>
+        <p:spPr/>
+        <p:txBody>
+          <a:bodyPr/>
+          <a:lstStyle/>
+          <a:p>
+            <a:fld id="{DC3E46D3-6332-4C64-863A-34F0AF2656D2}" type="slidenum">
+              <a:rPr lang="en-US" smtClean="0"/>
+              <a:t>6</a:t>
+            </a:fld>
+            <a:endParaRPr lang="en-US"/>
+          </a:p>
+        </p:txBody>
+      </p:sp>
+    </p:spTree>
+    <p:extLst>
+      <p:ext uri="{BB962C8B-B14F-4D97-AF65-F5344CB8AC3E}">
+        <p14:creationId xmlns:p14="http://schemas.microsoft.com/office/powerpoint/2010/main" val="528131172"/>
+      </p:ext>
+    </p:extLst>
+  </p:cSld>
+  <p:clrMapOvr>
+    <a:masterClrMapping/>
+  </p:clrMapOvr>
+</p:notes>
 </file>
 
 <file path=ppt/slideLayouts/slideLayout1.xml><?xml version="1.0" encoding="utf-8"?>
@@ -279,7 +725,7 @@
           <a:p>
             <a:fld id="{4CA1D125-08FD-4375-85A6-86E4A430F751}" type="datetimeFigureOut">
               <a:rPr lang="en-US" smtClean="0"/>
-              <a:t>2025-08-29</a:t>
+              <a:t>2025-09-05</a:t>
             </a:fld>
             <a:endParaRPr lang="en-US"/>
           </a:p>
@@ -477,7 +923,7 @@
           <a:p>
             <a:fld id="{4CA1D125-08FD-4375-85A6-86E4A430F751}" type="datetimeFigureOut">
               <a:rPr lang="en-US" smtClean="0"/>
-              <a:t>2025-08-29</a:t>
+              <a:t>2025-09-05</a:t>
             </a:fld>
             <a:endParaRPr lang="en-US"/>
           </a:p>
@@ -685,7 +1131,7 @@
           <a:p>
             <a:fld id="{4CA1D125-08FD-4375-85A6-86E4A430F751}" type="datetimeFigureOut">
               <a:rPr lang="en-US" smtClean="0"/>
-              <a:t>2025-08-29</a:t>
+              <a:t>2025-09-05</a:t>
             </a:fld>
             <a:endParaRPr lang="en-US"/>
           </a:p>
@@ -883,7 +1329,7 @@
           <a:p>
             <a:fld id="{4CA1D125-08FD-4375-85A6-86E4A430F751}" type="datetimeFigureOut">
               <a:rPr lang="en-US" smtClean="0"/>
-              <a:t>2025-08-29</a:t>
+              <a:t>2025-09-05</a:t>
             </a:fld>
             <a:endParaRPr lang="en-US"/>
           </a:p>
@@ -1158,7 +1604,7 @@
           <a:p>
             <a:fld id="{4CA1D125-08FD-4375-85A6-86E4A430F751}" type="datetimeFigureOut">
               <a:rPr lang="en-US" smtClean="0"/>
-              <a:t>2025-08-29</a:t>
+              <a:t>2025-09-05</a:t>
             </a:fld>
             <a:endParaRPr lang="en-US"/>
           </a:p>
@@ -1423,7 +1869,7 @@
           <a:p>
             <a:fld id="{4CA1D125-08FD-4375-85A6-86E4A430F751}" type="datetimeFigureOut">
               <a:rPr lang="en-US" smtClean="0"/>
-              <a:t>2025-08-29</a:t>
+              <a:t>2025-09-05</a:t>
             </a:fld>
             <a:endParaRPr lang="en-US"/>
           </a:p>
@@ -1835,7 +2281,7 @@
           <a:p>
             <a:fld id="{4CA1D125-08FD-4375-85A6-86E4A430F751}" type="datetimeFigureOut">
               <a:rPr lang="en-US" smtClean="0"/>
-              <a:t>2025-08-29</a:t>
+              <a:t>2025-09-05</a:t>
             </a:fld>
             <a:endParaRPr lang="en-US"/>
           </a:p>
@@ -1976,7 +2422,7 @@
           <a:p>
             <a:fld id="{4CA1D125-08FD-4375-85A6-86E4A430F751}" type="datetimeFigureOut">
               <a:rPr lang="en-US" smtClean="0"/>
-              <a:t>2025-08-29</a:t>
+              <a:t>2025-09-05</a:t>
             </a:fld>
             <a:endParaRPr lang="en-US"/>
           </a:p>
@@ -2089,7 +2535,7 @@
           <a:p>
             <a:fld id="{4CA1D125-08FD-4375-85A6-86E4A430F751}" type="datetimeFigureOut">
               <a:rPr lang="en-US" smtClean="0"/>
-              <a:t>2025-08-29</a:t>
+              <a:t>2025-09-05</a:t>
             </a:fld>
             <a:endParaRPr lang="en-US"/>
           </a:p>
@@ -2400,7 +2846,7 @@
           <a:p>
             <a:fld id="{4CA1D125-08FD-4375-85A6-86E4A430F751}" type="datetimeFigureOut">
               <a:rPr lang="en-US" smtClean="0"/>
-              <a:t>2025-08-29</a:t>
+              <a:t>2025-09-05</a:t>
             </a:fld>
             <a:endParaRPr lang="en-US"/>
           </a:p>
@@ -2688,7 +3134,7 @@
           <a:p>
             <a:fld id="{4CA1D125-08FD-4375-85A6-86E4A430F751}" type="datetimeFigureOut">
               <a:rPr lang="en-US" smtClean="0"/>
-              <a:t>2025-08-29</a:t>
+              <a:t>2025-09-05</a:t>
             </a:fld>
             <a:endParaRPr lang="en-US"/>
           </a:p>
@@ -2929,7 +3375,7 @@
           <a:p>
             <a:fld id="{4CA1D125-08FD-4375-85A6-86E4A430F751}" type="datetimeFigureOut">
               <a:rPr lang="en-US" smtClean="0"/>
-              <a:t>2025-08-29</a:t>
+              <a:t>2025-09-05</a:t>
             </a:fld>
             <a:endParaRPr lang="en-US"/>
           </a:p>
@@ -3351,15 +3797,15 @@
           <p:cNvPr id="2" name="Title 1">
             <a:extLst>
               <a:ext uri="{FF2B5EF4-FFF2-40B4-BE49-F238E27FC236}">
-                <a16:creationId xmlns:a16="http://schemas.microsoft.com/office/drawing/2014/main" id="{4A152139-CA72-4A54-EA1F-BA95C86AA0E5}"/>
-              </a:ext>
-            </a:extLst>
-          </p:cNvPr>
-          <p:cNvSpPr>
-            <a:spLocks noGrp="1"/>
-          </p:cNvSpPr>
-          <p:nvPr>
-            <p:ph type="title"/>
+                <a16:creationId xmlns:a16="http://schemas.microsoft.com/office/drawing/2014/main" id="{AB6AB359-0333-93F1-B0B0-454CFC16B525}"/>
+              </a:ext>
+            </a:extLst>
+          </p:cNvPr>
+          <p:cNvSpPr>
+            <a:spLocks noGrp="1"/>
+          </p:cNvSpPr>
+          <p:nvPr>
+            <p:ph type="ctrTitle"/>
           </p:nvPr>
         </p:nvSpPr>
         <p:spPr/>
@@ -3367,24 +3813,28 @@
           <a:bodyPr/>
           <a:lstStyle/>
           <a:p>
-            <a:endParaRPr lang="en-US"/>
-          </a:p>
-        </p:txBody>
-      </p:sp>
-      <p:sp>
-        <p:nvSpPr>
-          <p:cNvPr id="3" name="Content Placeholder 2">
-            <a:extLst>
-              <a:ext uri="{FF2B5EF4-FFF2-40B4-BE49-F238E27FC236}">
-                <a16:creationId xmlns:a16="http://schemas.microsoft.com/office/drawing/2014/main" id="{570E4708-C930-41BD-2705-920D433661F1}"/>
-              </a:ext>
-            </a:extLst>
-          </p:cNvPr>
-          <p:cNvSpPr>
-            <a:spLocks noGrp="1"/>
-          </p:cNvSpPr>
-          <p:nvPr>
-            <p:ph idx="1"/>
+            <a:r>
+              <a:rPr lang="en-US" dirty="0" err="1"/>
+              <a:t>MiniAnalyzers</a:t>
+            </a:r>
+            <a:endParaRPr lang="en-US" dirty="0"/>
+          </a:p>
+        </p:txBody>
+      </p:sp>
+      <p:sp>
+        <p:nvSpPr>
+          <p:cNvPr id="3" name="Subtitle 2">
+            <a:extLst>
+              <a:ext uri="{FF2B5EF4-FFF2-40B4-BE49-F238E27FC236}">
+                <a16:creationId xmlns:a16="http://schemas.microsoft.com/office/drawing/2014/main" id="{0B27D2D0-AC10-7C04-ACEB-1AD04C3F538E}"/>
+              </a:ext>
+            </a:extLst>
+          </p:cNvPr>
+          <p:cNvSpPr>
+            <a:spLocks noGrp="1"/>
+          </p:cNvSpPr>
+          <p:nvPr>
+            <p:ph type="subTitle" idx="1"/>
           </p:nvPr>
         </p:nvSpPr>
         <p:spPr/>
@@ -3392,14 +3842,42 @@
           <a:bodyPr/>
           <a:lstStyle/>
           <a:p>
-            <a:endParaRPr lang="en-US"/>
+            <a:r>
+              <a:rPr lang="en-US" dirty="0"/>
+              <a:t>Peter </a:t>
+            </a:r>
+            <a:r>
+              <a:rPr lang="en-US" dirty="0" err="1"/>
+              <a:t>Vidli</a:t>
+            </a:r>
+            <a:r>
+              <a:rPr lang="sk-SK" dirty="0"/>
+              <a:t>č</a:t>
+            </a:r>
+            <a:r>
+              <a:rPr lang="en-US" dirty="0"/>
+              <a:t>ka</a:t>
+            </a:r>
+            <a:endParaRPr lang="sk-SK" dirty="0"/>
+          </a:p>
+          <a:p>
+            <a:endParaRPr lang="sk-SK" dirty="0"/>
+          </a:p>
+          <a:p>
+            <a:r>
+              <a:rPr lang="en-US" sz="2000" i="1" dirty="0"/>
+              <a:t>Small but practical set of Roslyn analyzers with a simple WPF UI</a:t>
+            </a:r>
+          </a:p>
+          <a:p>
+            <a:endParaRPr lang="en-US" dirty="0"/>
           </a:p>
         </p:txBody>
       </p:sp>
     </p:spTree>
     <p:extLst>
       <p:ext uri="{BB962C8B-B14F-4D97-AF65-F5344CB8AC3E}">
-        <p14:creationId xmlns:p14="http://schemas.microsoft.com/office/powerpoint/2010/main" val="3636256155"/>
+        <p14:creationId xmlns:p14="http://schemas.microsoft.com/office/powerpoint/2010/main" val="3887658091"/>
       </p:ext>
     </p:extLst>
   </p:cSld>
@@ -3428,79 +3906,101 @@
       </p:grpSpPr>
       <p:sp>
         <p:nvSpPr>
-          <p:cNvPr id="2" name="Title 1">
-            <a:extLst>
-              <a:ext uri="{FF2B5EF4-FFF2-40B4-BE49-F238E27FC236}">
-                <a16:creationId xmlns:a16="http://schemas.microsoft.com/office/drawing/2014/main" id="{F457C809-6637-41C4-B04D-53CA2AE5CC1A}"/>
-              </a:ext>
-            </a:extLst>
-          </p:cNvPr>
-          <p:cNvSpPr>
-            <a:spLocks noGrp="1"/>
-          </p:cNvSpPr>
-          <p:nvPr>
-            <p:ph type="title"/>
-          </p:nvPr>
-        </p:nvSpPr>
-        <p:spPr/>
-        <p:txBody>
-          <a:bodyPr/>
+          <p:cNvPr id="3" name="Content Placeholder 2">
+            <a:extLst>
+              <a:ext uri="{FF2B5EF4-FFF2-40B4-BE49-F238E27FC236}">
+                <a16:creationId xmlns:a16="http://schemas.microsoft.com/office/drawing/2014/main" id="{360D7208-BC39-768C-6B0B-125C6C27E5C4}"/>
+              </a:ext>
+            </a:extLst>
+          </p:cNvPr>
+          <p:cNvSpPr>
+            <a:spLocks noGrp="1"/>
+          </p:cNvSpPr>
+          <p:nvPr>
+            <p:ph idx="1"/>
+          </p:nvPr>
+        </p:nvSpPr>
+        <p:spPr>
+          <a:xfrm>
+            <a:off x="838200" y="758952"/>
+            <a:ext cx="10515600" cy="5418011"/>
+          </a:xfrm>
+        </p:spPr>
+        <p:txBody>
+          <a:bodyPr>
+            <a:normAutofit/>
+          </a:bodyPr>
           <a:lstStyle/>
           <a:p>
-            <a:r>
-              <a:rPr lang="en-US" dirty="0"/>
-              <a:t>Decision flow</a:t>
-            </a:r>
-          </a:p>
-        </p:txBody>
-      </p:sp>
-      <p:sp>
-        <p:nvSpPr>
-          <p:cNvPr id="3" name="Content Placeholder 2">
-            <a:extLst>
-              <a:ext uri="{FF2B5EF4-FFF2-40B4-BE49-F238E27FC236}">
-                <a16:creationId xmlns:a16="http://schemas.microsoft.com/office/drawing/2014/main" id="{95F8FA6E-475B-E916-DFDC-E760CBF3A5EC}"/>
-              </a:ext>
-            </a:extLst>
-          </p:cNvPr>
-          <p:cNvSpPr>
-            <a:spLocks noGrp="1"/>
-          </p:cNvSpPr>
-          <p:nvPr>
-            <p:ph idx="1"/>
-          </p:nvPr>
-        </p:nvSpPr>
-        <p:spPr/>
-        <p:txBody>
-          <a:bodyPr/>
-          <a:lstStyle/>
-          <a:p>
+            <a:endParaRPr lang="en-US" dirty="0"/>
+          </a:p>
+          <a:p>
+            <a:r>
+              <a:rPr lang="en-US" dirty="0"/>
+              <a:t>Rules applied:</a:t>
+            </a:r>
+          </a:p>
+          <a:p>
+            <a:pPr lvl="1"/>
+            <a:r>
+              <a:rPr lang="en-US" dirty="0"/>
+              <a:t>Minimum length rule with an allow list for common short names like id, </a:t>
+            </a:r>
             <a:r>
               <a:rPr lang="en-US" dirty="0" err="1"/>
-              <a:t>WeakVarOptions</a:t>
-            </a:r>
-            <a:r>
-              <a:rPr lang="en-US" dirty="0"/>
-              <a:t>:</a:t>
+              <a:t>ct</a:t>
+            </a:r>
+            <a:r>
+              <a:rPr lang="en-US" dirty="0"/>
+              <a:t>, ok.</a:t>
             </a:r>
           </a:p>
           <a:p>
             <a:pPr lvl="1"/>
             <a:r>
               <a:rPr lang="en-US" dirty="0"/>
-              <a:t>Schema reads analyzer config values from </a:t>
+              <a:t>Token rule for common weak names such as </a:t>
             </a:r>
             <a:r>
               <a:rPr lang="en-US" dirty="0" err="1"/>
-              <a:t>AnalyzerConfigOptionsProvider</a:t>
-            </a:r>
-            <a:r>
-              <a:rPr lang="en-US" dirty="0"/>
-              <a:t> and binds them to a typed </a:t>
+              <a:t>tmp</a:t>
+            </a:r>
+            <a:r>
+              <a:rPr lang="en-US" dirty="0"/>
+              <a:t>, data, foo.</a:t>
+            </a:r>
+          </a:p>
+          <a:p>
+            <a:pPr lvl="1"/>
+            <a:r>
+              <a:rPr lang="en-US" dirty="0"/>
+              <a:t>Discard _ is ignored.</a:t>
+            </a:r>
+          </a:p>
+          <a:p>
+            <a:pPr lvl="1"/>
+            <a:r>
+              <a:rPr lang="en-US" dirty="0"/>
+              <a:t>Classic for counters </a:t>
             </a:r>
             <a:r>
               <a:rPr lang="en-US" dirty="0" err="1"/>
-              <a:t>WeakVarOptions</a:t>
+              <a:t>i</a:t>
+            </a:r>
+            <a:r>
+              <a:rPr lang="en-US" dirty="0"/>
+              <a:t>, j, k allowed only when declared in the for initializer.</a:t>
+            </a:r>
+          </a:p>
+          <a:p>
+            <a:pPr lvl="1"/>
+            <a:r>
+              <a:rPr lang="en-US" dirty="0"/>
+              <a:t>Special case for parameters named e when the type derives from </a:t>
+            </a:r>
+            <a:r>
+              <a:rPr lang="en-US" dirty="0" err="1"/>
+              <a:t>EventArgs</a:t>
             </a:r>
             <a:r>
               <a:rPr lang="en-US" dirty="0"/>
@@ -3508,38 +4008,45 @@
             </a:r>
           </a:p>
           <a:p>
+            <a:r>
+              <a:rPr lang="en-US" dirty="0"/>
+              <a:t>Type aware suggestions</a:t>
+            </a:r>
+          </a:p>
+          <a:p>
             <a:pPr lvl="1"/>
             <a:r>
+              <a:rPr lang="en-US" dirty="0"/>
+              <a:t>If the type is bool, suggest a name starting with is, has, or can.</a:t>
+            </a:r>
+          </a:p>
+          <a:p>
+            <a:pPr lvl="1"/>
+            <a:r>
+              <a:rPr lang="en-US" dirty="0"/>
+              <a:t>If the type is a collection or implements </a:t>
+            </a:r>
+            <a:r>
               <a:rPr lang="en-US" dirty="0" err="1"/>
-              <a:t>AnalyzerOptionExtensions</a:t>
-            </a:r>
-            <a:r>
-              <a:rPr lang="en-US" dirty="0"/>
-              <a:t> uses a per compilation cache (with </a:t>
-            </a:r>
-            <a:r>
-              <a:rPr lang="en-US" dirty="0" err="1"/>
-              <a:t>ConditionalWeakTable</a:t>
-            </a:r>
-            <a:r>
-              <a:rPr lang="en-US" dirty="0"/>
-              <a:t>) so each compilation builds the options accessor once. The callbacks then call </a:t>
-            </a:r>
-            <a:r>
-              <a:rPr lang="en-US" dirty="0" err="1"/>
-              <a:t>context.GetWeakVarOptions</a:t>
-            </a:r>
-            <a:r>
-              <a:rPr lang="en-US" dirty="0"/>
-              <a:t>() to read the right options for the current tree or symbol.</a:t>
-            </a:r>
+              <a:t>IEnumerable</a:t>
+            </a:r>
+            <a:r>
+              <a:rPr lang="en-US" dirty="0"/>
+              <a:t>&lt;T&gt;, suggest a plural form.</a:t>
+            </a:r>
+          </a:p>
+          <a:p>
+            <a:pPr marL="457200" lvl="1" indent="0">
+              <a:buNone/>
+            </a:pPr>
+            <a:endParaRPr lang="en-US" dirty="0"/>
           </a:p>
         </p:txBody>
       </p:sp>
     </p:spTree>
     <p:extLst>
       <p:ext uri="{BB962C8B-B14F-4D97-AF65-F5344CB8AC3E}">
-        <p14:creationId xmlns:p14="http://schemas.microsoft.com/office/powerpoint/2010/main" val="3611643049"/>
+        <p14:creationId xmlns:p14="http://schemas.microsoft.com/office/powerpoint/2010/main" val="3378335537"/>
       </p:ext>
     </p:extLst>
   </p:cSld>
@@ -3571,7 +4078,7 @@
           <p:cNvPr id="2" name="Title 1">
             <a:extLst>
               <a:ext uri="{FF2B5EF4-FFF2-40B4-BE49-F238E27FC236}">
-                <a16:creationId xmlns:a16="http://schemas.microsoft.com/office/drawing/2014/main" id="{31AD7BE6-3B57-53D0-658C-3236EF0A8985}"/>
+                <a16:creationId xmlns:a16="http://schemas.microsoft.com/office/drawing/2014/main" id="{F457C809-6637-41C4-B04D-53CA2AE5CC1A}"/>
               </a:ext>
             </a:extLst>
           </p:cNvPr>
@@ -3589,7 +4096,7 @@
           <a:p>
             <a:r>
               <a:rPr lang="en-US" dirty="0"/>
-              <a:t>MNA0002 Empty catch</a:t>
+              <a:t>Decision flow</a:t>
             </a:r>
           </a:p>
         </p:txBody>
@@ -3599,7 +4106,7 @@
           <p:cNvPr id="3" name="Content Placeholder 2">
             <a:extLst>
               <a:ext uri="{FF2B5EF4-FFF2-40B4-BE49-F238E27FC236}">
-                <a16:creationId xmlns:a16="http://schemas.microsoft.com/office/drawing/2014/main" id="{F5D871FF-05B0-6F40-3E78-ABAD6DAC925F}"/>
+                <a16:creationId xmlns:a16="http://schemas.microsoft.com/office/drawing/2014/main" id="{95F8FA6E-475B-E916-DFDC-E760CBF3A5EC}"/>
               </a:ext>
             </a:extLst>
           </p:cNvPr>
@@ -3610,84 +4117,160 @@
             <p:ph idx="1"/>
           </p:nvPr>
         </p:nvSpPr>
-        <p:spPr/>
+        <p:spPr>
+          <a:xfrm>
+            <a:off x="838200" y="1499616"/>
+            <a:ext cx="10515600" cy="4677347"/>
+          </a:xfrm>
+        </p:spPr>
         <p:txBody>
           <a:bodyPr>
-            <a:normAutofit lnSpcReduction="10000"/>
+            <a:normAutofit fontScale="92500" lnSpcReduction="10000"/>
           </a:bodyPr>
           <a:lstStyle/>
           <a:p>
-            <a:r>
-              <a:rPr lang="en-US" dirty="0"/>
-              <a:t>Problem</a:t>
-            </a:r>
-          </a:p>
-          <a:p>
             <a:pPr lvl="1"/>
             <a:r>
               <a:rPr lang="en-US" dirty="0"/>
-              <a:t>Empty catch blocks swallow exceptions silently, hiding bugs and making debugging very hard.</a:t>
-            </a:r>
-          </a:p>
-          <a:p>
-            <a:r>
-              <a:rPr lang="en-US" dirty="0"/>
-              <a:t>Implementation</a:t>
+              <a:t>Step 1: Collect candidates:</a:t>
+            </a:r>
+          </a:p>
+          <a:p>
+            <a:pPr lvl="2"/>
+            <a:r>
+              <a:rPr lang="en-US" dirty="0"/>
+              <a:t>From locals, fields (non-const), parameters, and foreach variables.</a:t>
             </a:r>
           </a:p>
           <a:p>
             <a:pPr lvl="1"/>
             <a:r>
               <a:rPr lang="en-US" dirty="0"/>
-              <a:t>Registers on catch clauses</a:t>
+              <a:t>Step 2: Apply skips</a:t>
+            </a:r>
+          </a:p>
+          <a:p>
+            <a:pPr lvl="2"/>
+            <a:r>
+              <a:rPr lang="en-US" dirty="0"/>
+              <a:t>Ignore _ discard.</a:t>
+            </a:r>
+          </a:p>
+          <a:p>
+            <a:pPr lvl="2"/>
+            <a:r>
+              <a:rPr lang="en-US" dirty="0"/>
+              <a:t>Ignore </a:t>
+            </a:r>
+            <a:r>
+              <a:rPr lang="en-US" dirty="0" err="1"/>
+              <a:t>i</a:t>
+            </a:r>
+            <a:r>
+              <a:rPr lang="en-US" dirty="0"/>
+              <a:t>, j, k if in a for-loop initializer.</a:t>
+            </a:r>
+          </a:p>
+          <a:p>
+            <a:pPr lvl="2"/>
+            <a:r>
+              <a:rPr lang="en-US" dirty="0"/>
+              <a:t>Ignore e if parameter type derives from </a:t>
+            </a:r>
+            <a:r>
+              <a:rPr lang="en-US" dirty="0" err="1"/>
+              <a:t>EventArgs</a:t>
+            </a:r>
+            <a:r>
+              <a:rPr lang="en-US" dirty="0"/>
+              <a:t>.</a:t>
             </a:r>
           </a:p>
           <a:p>
             <a:pPr lvl="1"/>
             <a:r>
               <a:rPr lang="en-US" dirty="0"/>
-              <a:t>Uses options to decide:</a:t>
+              <a:t>Step 3: Apply rules</a:t>
             </a:r>
           </a:p>
           <a:p>
             <a:pPr lvl="2"/>
             <a:r>
               <a:rPr lang="en-US" dirty="0"/>
-              <a:t>whether to treat catch { ; } as empty</a:t>
+              <a:t>Length rule: flag if shorter than </a:t>
+            </a:r>
+            <a:r>
+              <a:rPr lang="en-US" dirty="0" err="1"/>
+              <a:t>min_length</a:t>
+            </a:r>
+            <a:r>
+              <a:rPr lang="en-US" dirty="0"/>
+              <a:t> (unless in allow-list like id, </a:t>
+            </a:r>
+            <a:r>
+              <a:rPr lang="en-US" dirty="0" err="1"/>
+              <a:t>ct</a:t>
+            </a:r>
+            <a:r>
+              <a:rPr lang="en-US" dirty="0"/>
+              <a:t>, ok).</a:t>
             </a:r>
           </a:p>
           <a:p>
             <a:pPr lvl="2"/>
             <a:r>
               <a:rPr lang="en-US" dirty="0"/>
-              <a:t>whether to ignore </a:t>
+              <a:t>Token rule: flag if in known weak set (</a:t>
             </a:r>
             <a:r>
               <a:rPr lang="en-US" dirty="0" err="1"/>
-              <a:t>OperationCanceledException</a:t>
-            </a:r>
-            <a:r>
-              <a:rPr lang="en-US" dirty="0"/>
-              <a:t> (often intentionally swallowed in async code)</a:t>
+              <a:t>tmp</a:t>
+            </a:r>
+            <a:r>
+              <a:rPr lang="en-US" dirty="0"/>
+              <a:t>, data, obj, …).</a:t>
+            </a:r>
+          </a:p>
+          <a:p>
+            <a:pPr lvl="1"/>
+            <a:r>
+              <a:rPr lang="en-US" dirty="0"/>
+              <a:t>Step 4: Enrich with type-aware hints</a:t>
             </a:r>
           </a:p>
           <a:p>
             <a:pPr lvl="2"/>
             <a:r>
               <a:rPr lang="en-US" dirty="0"/>
-              <a:t>whether to ignore specific exception types configured in .</a:t>
-            </a:r>
-            <a:r>
-              <a:rPr lang="en-US" dirty="0" err="1"/>
-              <a:t>editorconfig</a:t>
-            </a:r>
-            <a:endParaRPr lang="en-US" dirty="0"/>
+              <a:t>If type is bool → suggest prefix is/has/can.</a:t>
+            </a:r>
+          </a:p>
+          <a:p>
+            <a:pPr lvl="2"/>
+            <a:r>
+              <a:rPr lang="en-US" dirty="0"/>
+              <a:t>If type is a collection → suggest plural.</a:t>
+            </a:r>
           </a:p>
           <a:p>
             <a:pPr lvl="1"/>
             <a:r>
               <a:rPr lang="en-US" dirty="0"/>
-              <a:t>Reports when the body is effectively empty and not exempt by the above rules.</a:t>
+              <a:t>Step 5 – Report diagnostic</a:t>
+            </a:r>
+          </a:p>
+          <a:p>
+            <a:pPr lvl="2"/>
+            <a:r>
+              <a:rPr lang="en-US" dirty="0"/>
+              <a:t>Diagnostic points to the identifier location.</a:t>
+            </a:r>
+          </a:p>
+          <a:p>
+            <a:pPr lvl="2"/>
+            <a:r>
+              <a:rPr lang="en-US" dirty="0"/>
+              <a:t>Suggestion included in properties for UI display.</a:t>
             </a:r>
           </a:p>
         </p:txBody>
@@ -3695,7 +4278,7 @@
     </p:spTree>
     <p:extLst>
       <p:ext uri="{BB962C8B-B14F-4D97-AF65-F5344CB8AC3E}">
-        <p14:creationId xmlns:p14="http://schemas.microsoft.com/office/powerpoint/2010/main" val="2433940055"/>
+        <p14:creationId xmlns:p14="http://schemas.microsoft.com/office/powerpoint/2010/main" val="3611643049"/>
       </p:ext>
     </p:extLst>
   </p:cSld>
@@ -3727,7 +4310,7 @@
           <p:cNvPr id="2" name="Title 1">
             <a:extLst>
               <a:ext uri="{FF2B5EF4-FFF2-40B4-BE49-F238E27FC236}">
-                <a16:creationId xmlns:a16="http://schemas.microsoft.com/office/drawing/2014/main" id="{792C60EA-8724-25DB-73BC-C79FBA857F4F}"/>
+                <a16:creationId xmlns:a16="http://schemas.microsoft.com/office/drawing/2014/main" id="{31AD7BE6-3B57-53D0-658C-3236EF0A8985}"/>
               </a:ext>
             </a:extLst>
           </p:cNvPr>
@@ -3745,13 +4328,8 @@
           <a:p>
             <a:r>
               <a:rPr lang="en-US" dirty="0"/>
-              <a:t>MNA0003 </a:t>
-            </a:r>
-            <a:r>
-              <a:rPr lang="en-US" dirty="0" err="1"/>
-              <a:t>Console.WriteLine</a:t>
-            </a:r>
-            <a:endParaRPr lang="en-US" dirty="0"/>
+              <a:t>MNA0002 Empty catch</a:t>
+            </a:r>
           </a:p>
         </p:txBody>
       </p:sp>
@@ -3760,7 +4338,7 @@
           <p:cNvPr id="3" name="Content Placeholder 2">
             <a:extLst>
               <a:ext uri="{FF2B5EF4-FFF2-40B4-BE49-F238E27FC236}">
-                <a16:creationId xmlns:a16="http://schemas.microsoft.com/office/drawing/2014/main" id="{4EC57E3F-C354-F080-F0F9-A28450E00B9D}"/>
+                <a16:creationId xmlns:a16="http://schemas.microsoft.com/office/drawing/2014/main" id="{F5D871FF-05B0-6F40-3E78-ABAD6DAC925F}"/>
               </a:ext>
             </a:extLst>
           </p:cNvPr>
@@ -3787,86 +4365,68 @@
             <a:pPr lvl="1"/>
             <a:r>
               <a:rPr lang="en-US" dirty="0"/>
-              <a:t>Direct </a:t>
+              <a:t>Empty catch blocks swallow exceptions silently, hiding bugs and making debugging very hard.</a:t>
+            </a:r>
+          </a:p>
+          <a:p>
+            <a:r>
+              <a:rPr lang="en-US" dirty="0"/>
+              <a:t>Implementation</a:t>
+            </a:r>
+          </a:p>
+          <a:p>
+            <a:pPr lvl="1"/>
+            <a:r>
+              <a:rPr lang="en-US" dirty="0"/>
+              <a:t>Registers on catch clauses</a:t>
+            </a:r>
+          </a:p>
+          <a:p>
+            <a:pPr lvl="1"/>
+            <a:r>
+              <a:rPr lang="en-US" dirty="0"/>
+              <a:t>Uses options to decide:</a:t>
+            </a:r>
+          </a:p>
+          <a:p>
+            <a:pPr lvl="2"/>
+            <a:r>
+              <a:rPr lang="en-US" dirty="0"/>
+              <a:t>whether to treat catch { ; } as empty</a:t>
+            </a:r>
+          </a:p>
+          <a:p>
+            <a:pPr lvl="2"/>
+            <a:r>
+              <a:rPr lang="en-US" dirty="0"/>
+              <a:t>whether to ignore </a:t>
             </a:r>
             <a:r>
               <a:rPr lang="en-US" dirty="0" err="1"/>
-              <a:t>Console.Write</a:t>
-            </a:r>
-            <a:r>
-              <a:rPr lang="en-US" dirty="0"/>
-              <a:t>/WriteLine is discouraged in production code; logging frameworks should be used. In our variant, we also enforce a configurable prefix to console output.</a:t>
-            </a:r>
-          </a:p>
-          <a:p>
-            <a:r>
-              <a:rPr lang="en-US" dirty="0"/>
-              <a:t>Implementation</a:t>
-            </a:r>
+              <a:t>OperationCanceledException</a:t>
+            </a:r>
+            <a:r>
+              <a:rPr lang="en-US" dirty="0"/>
+              <a:t> (often intentionally swallowed in async code)</a:t>
+            </a:r>
+          </a:p>
+          <a:p>
+            <a:pPr lvl="2"/>
+            <a:r>
+              <a:rPr lang="en-US" dirty="0"/>
+              <a:t>whether to ignore specific exception types configured in .</a:t>
+            </a:r>
+            <a:r>
+              <a:rPr lang="en-US" dirty="0" err="1"/>
+              <a:t>editorconfig</a:t>
+            </a:r>
+            <a:endParaRPr lang="en-US" dirty="0"/>
           </a:p>
           <a:p>
             <a:pPr lvl="1"/>
             <a:r>
               <a:rPr lang="en-US" dirty="0"/>
-              <a:t>Registers on all invocation operations.</a:t>
-            </a:r>
-          </a:p>
-          <a:p>
-            <a:pPr lvl="1"/>
-            <a:r>
-              <a:rPr lang="en-US" dirty="0"/>
-              <a:t>Resolves </a:t>
-            </a:r>
-            <a:r>
-              <a:rPr lang="en-US" dirty="0" err="1"/>
-              <a:t>System.Console</a:t>
-            </a:r>
-            <a:r>
-              <a:rPr lang="en-US" dirty="0"/>
-              <a:t> and checks Write/WriteLine.</a:t>
-            </a:r>
-          </a:p>
-          <a:p>
-            <a:pPr lvl="1"/>
-            <a:r>
-              <a:rPr lang="en-US" dirty="0"/>
-              <a:t>Applies options:</a:t>
-            </a:r>
-          </a:p>
-          <a:p>
-            <a:pPr lvl="2"/>
-            <a:r>
-              <a:rPr lang="en-US" dirty="0"/>
-              <a:t>required prefix (with case-sensitivity toggle) </a:t>
-            </a:r>
-          </a:p>
-          <a:p>
-            <a:pPr lvl="2"/>
-            <a:r>
-              <a:rPr lang="en-US" dirty="0"/>
-              <a:t>allow console calls in test code (detected via attributes like [</a:t>
-            </a:r>
-            <a:r>
-              <a:rPr lang="en-US" dirty="0" err="1"/>
-              <a:t>TestMethod</a:t>
-            </a:r>
-            <a:r>
-              <a:rPr lang="en-US" dirty="0"/>
-              <a:t>])</a:t>
-            </a:r>
-          </a:p>
-          <a:p>
-            <a:pPr lvl="1"/>
-            <a:r>
-              <a:rPr lang="en-US" dirty="0"/>
-              <a:t>Reports at the call site (or at the message argument if present).</a:t>
-            </a:r>
-          </a:p>
-          <a:p>
-            <a:pPr lvl="1"/>
-            <a:r>
-              <a:rPr lang="en-US" dirty="0"/>
-              <a:t>Diagnostic carries a Suggestion property with the expected prefix.</a:t>
+              <a:t>Reports when the body is effectively empty and not exempt by the above rules.</a:t>
             </a:r>
           </a:p>
         </p:txBody>
@@ -3874,7 +4434,7 @@
     </p:spTree>
     <p:extLst>
       <p:ext uri="{BB962C8B-B14F-4D97-AF65-F5344CB8AC3E}">
-        <p14:creationId xmlns:p14="http://schemas.microsoft.com/office/powerpoint/2010/main" val="920154294"/>
+        <p14:creationId xmlns:p14="http://schemas.microsoft.com/office/powerpoint/2010/main" val="2433940055"/>
       </p:ext>
     </p:extLst>
   </p:cSld>
@@ -3906,7 +4466,7 @@
           <p:cNvPr id="2" name="Title 1">
             <a:extLst>
               <a:ext uri="{FF2B5EF4-FFF2-40B4-BE49-F238E27FC236}">
-                <a16:creationId xmlns:a16="http://schemas.microsoft.com/office/drawing/2014/main" id="{18C4650D-F095-BEF6-AAFB-01340A647E5E}"/>
+                <a16:creationId xmlns:a16="http://schemas.microsoft.com/office/drawing/2014/main" id="{792C60EA-8724-25DB-73BC-C79FBA857F4F}"/>
               </a:ext>
             </a:extLst>
           </p:cNvPr>
@@ -3924,11 +4484,11 @@
           <a:p>
             <a:r>
               <a:rPr lang="en-US" dirty="0"/>
-              <a:t>Analyzer configuration with .</a:t>
+              <a:t>MNA0003 </a:t>
             </a:r>
             <a:r>
               <a:rPr lang="en-US" dirty="0" err="1"/>
-              <a:t>editorconfig</a:t>
+              <a:t>Console.WriteLine</a:t>
             </a:r>
             <a:endParaRPr lang="en-US" dirty="0"/>
           </a:p>
@@ -3939,7 +4499,7 @@
           <p:cNvPr id="3" name="Content Placeholder 2">
             <a:extLst>
               <a:ext uri="{FF2B5EF4-FFF2-40B4-BE49-F238E27FC236}">
-                <a16:creationId xmlns:a16="http://schemas.microsoft.com/office/drawing/2014/main" id="{D8E9ACD6-8011-6E4B-7C38-B0FFD0E2E681}"/>
+                <a16:creationId xmlns:a16="http://schemas.microsoft.com/office/drawing/2014/main" id="{4EC57E3F-C354-F080-F0F9-A28450E00B9D}"/>
               </a:ext>
             </a:extLst>
           </p:cNvPr>
@@ -3950,30 +4510,102 @@
             <p:ph idx="1"/>
           </p:nvPr>
         </p:nvSpPr>
-        <p:spPr>
-          <a:xfrm>
-            <a:off x="838200" y="1624457"/>
-            <a:ext cx="10515600" cy="4351338"/>
-          </a:xfrm>
-        </p:spPr>
-        <p:txBody>
-          <a:bodyPr/>
+        <p:spPr/>
+        <p:txBody>
+          <a:bodyPr>
+            <a:normAutofit lnSpcReduction="10000"/>
+          </a:bodyPr>
           <a:lstStyle/>
           <a:p>
-            <a:pPr marL="0" indent="0">
-              <a:buNone/>
-            </a:pPr>
-            <a:r>
-              <a:rPr lang="en-US" i="1" dirty="0"/>
-              <a:t>Not every team has the same naming rules or logging conventions. Roslyn analyzers support configuration through .</a:t>
-            </a:r>
-            <a:r>
-              <a:rPr lang="en-US" i="1" dirty="0" err="1"/>
-              <a:t>editorconfig</a:t>
-            </a:r>
-            <a:r>
-              <a:rPr lang="en-US" i="1" dirty="0"/>
-              <a:t>, and we expose custom keys so projects can tune our analyzers without touching code.</a:t>
+            <a:r>
+              <a:rPr lang="en-US" dirty="0"/>
+              <a:t>Problem</a:t>
+            </a:r>
+          </a:p>
+          <a:p>
+            <a:pPr lvl="1"/>
+            <a:r>
+              <a:rPr lang="en-US" dirty="0"/>
+              <a:t>Direct </a:t>
+            </a:r>
+            <a:r>
+              <a:rPr lang="en-US" dirty="0" err="1"/>
+              <a:t>Console.Write</a:t>
+            </a:r>
+            <a:r>
+              <a:rPr lang="en-US" dirty="0"/>
+              <a:t>/WriteLine is discouraged in production code; logging frameworks should be used. In our variant, we also enforce a configurable prefix to console output.</a:t>
+            </a:r>
+          </a:p>
+          <a:p>
+            <a:r>
+              <a:rPr lang="en-US" dirty="0"/>
+              <a:t>Implementation</a:t>
+            </a:r>
+          </a:p>
+          <a:p>
+            <a:pPr lvl="1"/>
+            <a:r>
+              <a:rPr lang="en-US" dirty="0"/>
+              <a:t>Registers on all invocation operations.</a:t>
+            </a:r>
+          </a:p>
+          <a:p>
+            <a:pPr lvl="1"/>
+            <a:r>
+              <a:rPr lang="en-US" dirty="0"/>
+              <a:t>Resolves </a:t>
+            </a:r>
+            <a:r>
+              <a:rPr lang="en-US" dirty="0" err="1"/>
+              <a:t>System.Console</a:t>
+            </a:r>
+            <a:r>
+              <a:rPr lang="en-US" dirty="0"/>
+              <a:t> and checks Write/WriteLine.</a:t>
+            </a:r>
+          </a:p>
+          <a:p>
+            <a:pPr lvl="1"/>
+            <a:r>
+              <a:rPr lang="en-US" dirty="0"/>
+              <a:t>Applies options:</a:t>
+            </a:r>
+          </a:p>
+          <a:p>
+            <a:pPr lvl="2"/>
+            <a:r>
+              <a:rPr lang="en-US" dirty="0"/>
+              <a:t>required prefix (with case-sensitivity toggle) </a:t>
+            </a:r>
+          </a:p>
+          <a:p>
+            <a:pPr lvl="2"/>
+            <a:r>
+              <a:rPr lang="en-US" dirty="0"/>
+              <a:t>allow console calls in test code (detected via attributes like [</a:t>
+            </a:r>
+            <a:r>
+              <a:rPr lang="en-US" dirty="0" err="1"/>
+              <a:t>TestMethod</a:t>
+            </a:r>
+            <a:r>
+              <a:rPr lang="en-US" dirty="0"/>
+              <a:t>])</a:t>
+            </a:r>
+          </a:p>
+          <a:p>
+            <a:pPr lvl="1"/>
+            <a:r>
+              <a:rPr lang="en-US" dirty="0"/>
+              <a:t>Reports at the call site (or at the message argument if present).</a:t>
+            </a:r>
+          </a:p>
+          <a:p>
+            <a:pPr lvl="1"/>
+            <a:r>
+              <a:rPr lang="en-US" dirty="0"/>
+              <a:t>Diagnostic carries a Suggestion property with the expected prefix.</a:t>
             </a:r>
           </a:p>
         </p:txBody>
@@ -3981,7 +4613,7 @@
     </p:spTree>
     <p:extLst>
       <p:ext uri="{BB962C8B-B14F-4D97-AF65-F5344CB8AC3E}">
-        <p14:creationId xmlns:p14="http://schemas.microsoft.com/office/powerpoint/2010/main" val="1334129752"/>
+        <p14:creationId xmlns:p14="http://schemas.microsoft.com/office/powerpoint/2010/main" val="920154294"/>
       </p:ext>
     </p:extLst>
   </p:cSld>
@@ -4013,7 +4645,7 @@
           <p:cNvPr id="2" name="Title 1">
             <a:extLst>
               <a:ext uri="{FF2B5EF4-FFF2-40B4-BE49-F238E27FC236}">
-                <a16:creationId xmlns:a16="http://schemas.microsoft.com/office/drawing/2014/main" id="{6AD1AAC9-9259-578A-B4F4-8C343E6CC346}"/>
+                <a16:creationId xmlns:a16="http://schemas.microsoft.com/office/drawing/2014/main" id="{18C4650D-F095-BEF6-AAFB-01340A647E5E}"/>
               </a:ext>
             </a:extLst>
           </p:cNvPr>
@@ -4031,8 +4663,13 @@
           <a:p>
             <a:r>
               <a:rPr lang="en-US" dirty="0"/>
-              <a:t>How it works</a:t>
-            </a:r>
+              <a:t>Analyzer configuration with .</a:t>
+            </a:r>
+            <a:r>
+              <a:rPr lang="en-US" dirty="0" err="1"/>
+              <a:t>editorconfig</a:t>
+            </a:r>
+            <a:endParaRPr lang="en-US" dirty="0"/>
           </a:p>
         </p:txBody>
       </p:sp>
@@ -4041,7 +4678,7 @@
           <p:cNvPr id="3" name="Content Placeholder 2">
             <a:extLst>
               <a:ext uri="{FF2B5EF4-FFF2-40B4-BE49-F238E27FC236}">
-                <a16:creationId xmlns:a16="http://schemas.microsoft.com/office/drawing/2014/main" id="{825D6ECA-C284-83E3-0324-100B711B36E3}"/>
+                <a16:creationId xmlns:a16="http://schemas.microsoft.com/office/drawing/2014/main" id="{D8E9ACD6-8011-6E4B-7C38-B0FFD0E2E681}"/>
               </a:ext>
             </a:extLst>
           </p:cNvPr>
@@ -4052,130 +4689,30 @@
             <p:ph idx="1"/>
           </p:nvPr>
         </p:nvSpPr>
-        <p:spPr/>
+        <p:spPr>
+          <a:xfrm>
+            <a:off x="838200" y="1624457"/>
+            <a:ext cx="10515600" cy="4351338"/>
+          </a:xfrm>
+        </p:spPr>
         <p:txBody>
           <a:bodyPr/>
           <a:lstStyle/>
           <a:p>
-            <a:r>
-              <a:rPr lang="en-US" dirty="0"/>
-              <a:t>Schema classes</a:t>
-            </a:r>
-          </a:p>
-          <a:p>
-            <a:pPr lvl="1"/>
-            <a:r>
-              <a:rPr lang="en-US" dirty="0"/>
-              <a:t>Each analyzer with options has a schema (</a:t>
-            </a:r>
-            <a:r>
-              <a:rPr lang="en-US" dirty="0" err="1"/>
-              <a:t>WeakVarOptionsSchema</a:t>
-            </a:r>
-            <a:r>
-              <a:rPr lang="en-US" dirty="0"/>
-              <a:t>, </a:t>
-            </a:r>
-            <a:r>
-              <a:rPr lang="en-US" dirty="0" err="1"/>
-              <a:t>ConsoleWriteOptionsSchema</a:t>
-            </a:r>
-            <a:r>
-              <a:rPr lang="en-US" dirty="0"/>
-              <a:t>, …).</a:t>
-            </a:r>
-          </a:p>
-          <a:p>
-            <a:pPr lvl="1"/>
-            <a:r>
-              <a:rPr lang="en-US" dirty="0"/>
-              <a:t>The schema defines default values.</a:t>
-            </a:r>
-          </a:p>
-          <a:p>
-            <a:pPr lvl="1"/>
-            <a:r>
-              <a:rPr lang="en-US" dirty="0"/>
-              <a:t>The schema knows how to bind .</a:t>
-            </a:r>
-            <a:r>
-              <a:rPr lang="en-US" dirty="0" err="1"/>
+            <a:pPr marL="0" indent="0">
+              <a:buNone/>
+            </a:pPr>
+            <a:r>
+              <a:rPr lang="en-US" i="1" dirty="0"/>
+              <a:t>Not every team has the same naming rules or logging conventions. Roslyn analyzers support configuration through .</a:t>
+            </a:r>
+            <a:r>
+              <a:rPr lang="en-US" i="1" dirty="0" err="1"/>
               <a:t>editorconfig</a:t>
             </a:r>
             <a:r>
-              <a:rPr lang="en-US" dirty="0"/>
-              <a:t> keys into a typed options record.</a:t>
-            </a:r>
-          </a:p>
-          <a:p>
-            <a:r>
-              <a:rPr lang="en-US" dirty="0"/>
-              <a:t>Option readers</a:t>
-            </a:r>
-          </a:p>
-          <a:p>
-            <a:pPr lvl="1"/>
-            <a:r>
-              <a:rPr lang="en-US" dirty="0" err="1"/>
-              <a:t>OptionReaders.cs</a:t>
-            </a:r>
-            <a:r>
-              <a:rPr lang="en-US" dirty="0"/>
-              <a:t> contains helpers like </a:t>
-            </a:r>
-            <a:r>
-              <a:rPr lang="en-US" dirty="0" err="1"/>
-              <a:t>ReadBool</a:t>
-            </a:r>
-            <a:r>
-              <a:rPr lang="en-US" dirty="0"/>
-              <a:t>, </a:t>
-            </a:r>
-            <a:r>
-              <a:rPr lang="en-US" dirty="0" err="1"/>
-              <a:t>ReadInt</a:t>
-            </a:r>
-            <a:r>
-              <a:rPr lang="en-US" dirty="0"/>
-              <a:t>, </a:t>
-            </a:r>
-            <a:r>
-              <a:rPr lang="en-US" dirty="0" err="1"/>
-              <a:t>ReadSet</a:t>
-            </a:r>
-            <a:r>
-              <a:rPr lang="en-US" dirty="0"/>
-              <a:t>.</a:t>
-            </a:r>
-          </a:p>
-          <a:p>
-            <a:pPr lvl="1"/>
-            <a:r>
-              <a:rPr lang="en-US" dirty="0"/>
-              <a:t>They parse values from </a:t>
-            </a:r>
-            <a:r>
-              <a:rPr lang="en-US" dirty="0" err="1"/>
-              <a:t>AnalyzerConfigOptions</a:t>
-            </a:r>
-            <a:r>
-              <a:rPr lang="en-US" dirty="0"/>
-              <a:t>.</a:t>
-            </a:r>
-          </a:p>
-          <a:p>
-            <a:pPr lvl="1"/>
-            <a:r>
-              <a:rPr lang="en-US" dirty="0"/>
-              <a:t>Tolerant to casing and missing </a:t>
-            </a:r>
-            <a:r>
-              <a:rPr lang="en-US" dirty="0" err="1"/>
-              <a:t>keys.Always</a:t>
-            </a:r>
-            <a:r>
-              <a:rPr lang="en-US" dirty="0"/>
-              <a:t> fall back to defaults.</a:t>
+              <a:rPr lang="en-US" i="1" dirty="0"/>
+              <a:t>, and I expose custom keys so projects can tune the analyzers without touching code.</a:t>
             </a:r>
           </a:p>
         </p:txBody>
@@ -4183,7 +4720,7 @@
     </p:spTree>
     <p:extLst>
       <p:ext uri="{BB962C8B-B14F-4D97-AF65-F5344CB8AC3E}">
-        <p14:creationId xmlns:p14="http://schemas.microsoft.com/office/powerpoint/2010/main" val="3452831506"/>
+        <p14:creationId xmlns:p14="http://schemas.microsoft.com/office/powerpoint/2010/main" val="1334129752"/>
       </p:ext>
     </p:extLst>
   </p:cSld>
@@ -4212,94 +4749,63 @@
       </p:grpSpPr>
       <p:sp>
         <p:nvSpPr>
-          <p:cNvPr id="3" name="Content Placeholder 2">
-            <a:extLst>
-              <a:ext uri="{FF2B5EF4-FFF2-40B4-BE49-F238E27FC236}">
-                <a16:creationId xmlns:a16="http://schemas.microsoft.com/office/drawing/2014/main" id="{BD33CC39-07E1-A2C5-E748-90C25D820CF2}"/>
-              </a:ext>
-            </a:extLst>
-          </p:cNvPr>
-          <p:cNvSpPr>
-            <a:spLocks noGrp="1"/>
-          </p:cNvSpPr>
-          <p:nvPr>
-            <p:ph idx="1"/>
-          </p:nvPr>
-        </p:nvSpPr>
-        <p:spPr>
-          <a:xfrm>
-            <a:off x="838200" y="502920"/>
-            <a:ext cx="10515600" cy="5674043"/>
-          </a:xfrm>
-        </p:spPr>
+          <p:cNvPr id="2" name="Title 1">
+            <a:extLst>
+              <a:ext uri="{FF2B5EF4-FFF2-40B4-BE49-F238E27FC236}">
+                <a16:creationId xmlns:a16="http://schemas.microsoft.com/office/drawing/2014/main" id="{6AD1AAC9-9259-578A-B4F4-8C343E6CC346}"/>
+              </a:ext>
+            </a:extLst>
+          </p:cNvPr>
+          <p:cNvSpPr>
+            <a:spLocks noGrp="1"/>
+          </p:cNvSpPr>
+          <p:nvPr>
+            <p:ph type="title"/>
+          </p:nvPr>
+        </p:nvSpPr>
+        <p:spPr/>
         <p:txBody>
           <a:bodyPr/>
           <a:lstStyle/>
           <a:p>
             <a:r>
               <a:rPr lang="en-US" dirty="0"/>
-              <a:t>Accessor and cache</a:t>
+              <a:t>How it works</a:t>
+            </a:r>
+          </a:p>
+        </p:txBody>
+      </p:sp>
+      <p:sp>
+        <p:nvSpPr>
+          <p:cNvPr id="3" name="Content Placeholder 2">
+            <a:extLst>
+              <a:ext uri="{FF2B5EF4-FFF2-40B4-BE49-F238E27FC236}">
+                <a16:creationId xmlns:a16="http://schemas.microsoft.com/office/drawing/2014/main" id="{825D6ECA-C284-83E3-0324-100B711B36E3}"/>
+              </a:ext>
+            </a:extLst>
+          </p:cNvPr>
+          <p:cNvSpPr>
+            <a:spLocks noGrp="1"/>
+          </p:cNvSpPr>
+          <p:nvPr>
+            <p:ph idx="1"/>
+          </p:nvPr>
+        </p:nvSpPr>
+        <p:spPr/>
+        <p:txBody>
+          <a:bodyPr/>
+          <a:lstStyle/>
+          <a:p>
+            <a:r>
+              <a:rPr lang="en-US" dirty="0"/>
+              <a:t>Schema classes</a:t>
             </a:r>
           </a:p>
           <a:p>
             <a:pPr lvl="1"/>
             <a:r>
-              <a:rPr lang="en-US" dirty="0" err="1"/>
-              <a:t>OptionsAccessor</a:t>
-            </a:r>
-            <a:r>
-              <a:rPr lang="en-US" dirty="0"/>
-              <a:t>&lt;</a:t>
-            </a:r>
-            <a:r>
-              <a:rPr lang="en-US" dirty="0" err="1"/>
-              <a:t>TOptions</a:t>
-            </a:r>
-            <a:r>
-              <a:rPr lang="en-US" dirty="0"/>
-              <a:t>&gt; maps from a </a:t>
-            </a:r>
-            <a:r>
-              <a:rPr lang="en-US" dirty="0" err="1"/>
-              <a:t>SyntaxTree</a:t>
-            </a:r>
-            <a:r>
-              <a:rPr lang="en-US" dirty="0"/>
-              <a:t> or Symbol to the right options.</a:t>
-            </a:r>
-          </a:p>
-          <a:p>
-            <a:pPr lvl="1"/>
-            <a:r>
-              <a:rPr lang="en-US" dirty="0"/>
-              <a:t>Bound once per compilation and cached using </a:t>
-            </a:r>
-            <a:r>
-              <a:rPr lang="en-US" dirty="0" err="1"/>
-              <a:t>ConditionalWeakTable.Analyzers</a:t>
-            </a:r>
-            <a:r>
-              <a:rPr lang="en-US" dirty="0"/>
-              <a:t> call context.</a:t>
-            </a:r>
-          </a:p>
-          <a:p>
-            <a:pPr lvl="1"/>
-            <a:r>
-              <a:rPr lang="en-US" dirty="0" err="1"/>
-              <a:t>GetOptions</a:t>
-            </a:r>
-            <a:r>
-              <a:rPr lang="en-US" dirty="0"/>
-              <a:t>&lt;</a:t>
-            </a:r>
-            <a:r>
-              <a:rPr lang="en-US" dirty="0" err="1"/>
-              <a:t>WeakVarOptions</a:t>
-            </a:r>
-            <a:r>
-              <a:rPr lang="en-US" dirty="0"/>
-              <a:t>, </a:t>
+              <a:rPr lang="en-US" dirty="0"/>
+              <a:t>Each analyzer with options has a schema (</a:t>
             </a:r>
             <a:r>
               <a:rPr lang="en-US" dirty="0" err="1"/>
@@ -4307,39 +4813,58 @@
             </a:r>
             <a:r>
               <a:rPr lang="en-US" dirty="0"/>
-              <a:t>&gt;() to get the right snapshot for their context.</a:t>
-            </a:r>
-          </a:p>
-          <a:p>
-            <a:r>
-              <a:rPr lang="en-US" dirty="0"/>
-              <a:t>Analyzer code</a:t>
+              <a:t>, </a:t>
+            </a:r>
+            <a:r>
+              <a:rPr lang="en-US" dirty="0" err="1"/>
+              <a:t>ConsoleWriteOptionsSchema</a:t>
+            </a:r>
+            <a:r>
+              <a:rPr lang="en-US" dirty="0"/>
+              <a:t>, …).</a:t>
             </a:r>
           </a:p>
           <a:p>
             <a:pPr lvl="1"/>
             <a:r>
               <a:rPr lang="en-US" dirty="0"/>
-              <a:t>Inside a callback (symbol, syntax, or operation analysis):</a:t>
+              <a:t>The schema defines default values.</a:t>
             </a:r>
           </a:p>
           <a:p>
             <a:pPr lvl="1"/>
             <a:r>
               <a:rPr lang="en-US" dirty="0"/>
-              <a:t>Analyzer reads var opts = </a:t>
+              <a:t>The schema knows how to bind .</a:t>
             </a:r>
             <a:r>
               <a:rPr lang="en-US" dirty="0" err="1"/>
-              <a:t>context.GetOptions</a:t>
-            </a:r>
-            <a:r>
-              <a:rPr lang="en-US" dirty="0"/>
-              <a:t>&lt;</a:t>
-            </a:r>
+              <a:t>editorconfig</a:t>
+            </a:r>
+            <a:r>
+              <a:rPr lang="en-US" dirty="0"/>
+              <a:t> keys into a typed options record.</a:t>
+            </a:r>
+          </a:p>
+          <a:p>
+            <a:r>
+              <a:rPr lang="en-US" dirty="0"/>
+              <a:t>Option readers</a:t>
+            </a:r>
+          </a:p>
+          <a:p>
+            <a:pPr lvl="1"/>
             <a:r>
               <a:rPr lang="en-US" dirty="0" err="1"/>
-              <a:t>WeakVarOptions</a:t>
+              <a:t>OptionReaders.cs</a:t>
+            </a:r>
+            <a:r>
+              <a:rPr lang="en-US" dirty="0"/>
+              <a:t> contains helpers like </a:t>
+            </a:r>
+            <a:r>
+              <a:rPr lang="en-US" dirty="0" err="1"/>
+              <a:t>ReadBool</a:t>
             </a:r>
             <a:r>
               <a:rPr lang="en-US" dirty="0"/>
@@ -4347,41 +4872,49 @@
             </a:r>
             <a:r>
               <a:rPr lang="en-US" dirty="0" err="1"/>
-              <a:t>WeakVarOptionsSchema</a:t>
-            </a:r>
-            <a:r>
-              <a:rPr lang="en-US" dirty="0"/>
-              <a:t>&gt;();</a:t>
+              <a:t>ReadInt</a:t>
+            </a:r>
+            <a:r>
+              <a:rPr lang="en-US" dirty="0"/>
+              <a:t>, </a:t>
+            </a:r>
+            <a:r>
+              <a:rPr lang="en-US" dirty="0" err="1"/>
+              <a:t>ReadSet</a:t>
+            </a:r>
+            <a:r>
+              <a:rPr lang="en-US" dirty="0"/>
+              <a:t>.</a:t>
             </a:r>
           </a:p>
           <a:p>
             <a:pPr lvl="1"/>
             <a:r>
               <a:rPr lang="en-US" dirty="0"/>
-              <a:t>Options drive decisions (e.g. </a:t>
+              <a:t>They parse values from </a:t>
             </a:r>
             <a:r>
               <a:rPr lang="en-US" dirty="0" err="1"/>
-              <a:t>opts.MinLength</a:t>
-            </a:r>
-            <a:r>
-              <a:rPr lang="en-US" dirty="0"/>
-              <a:t>, </a:t>
+              <a:t>AnalyzerConfigOptions</a:t>
+            </a:r>
+            <a:r>
+              <a:rPr lang="en-US" dirty="0"/>
+              <a:t>.</a:t>
+            </a:r>
+          </a:p>
+          <a:p>
+            <a:pPr lvl="1"/>
+            <a:r>
+              <a:rPr lang="en-US" dirty="0"/>
+              <a:t>Tolerant to casing and missing </a:t>
             </a:r>
             <a:r>
               <a:rPr lang="en-US" dirty="0" err="1"/>
-              <a:t>opts.AllowedNames</a:t>
-            </a:r>
-            <a:r>
-              <a:rPr lang="en-US" dirty="0"/>
-              <a:t>).</a:t>
-            </a:r>
-          </a:p>
-          <a:p>
-            <a:pPr lvl="1"/>
-            <a:r>
-              <a:rPr lang="en-US" dirty="0"/>
-              <a:t>Diagnostics respect those project-specific settings.</a:t>
+              <a:t>keys.Always</a:t>
+            </a:r>
+            <a:r>
+              <a:rPr lang="en-US" dirty="0"/>
+              <a:t> fall back to defaults.</a:t>
             </a:r>
           </a:p>
         </p:txBody>
@@ -4389,7 +4922,7 @@
     </p:spTree>
     <p:extLst>
       <p:ext uri="{BB962C8B-B14F-4D97-AF65-F5344CB8AC3E}">
-        <p14:creationId xmlns:p14="http://schemas.microsoft.com/office/powerpoint/2010/main" val="3755591721"/>
+        <p14:creationId xmlns:p14="http://schemas.microsoft.com/office/powerpoint/2010/main" val="3452831506"/>
       </p:ext>
     </p:extLst>
   </p:cSld>
@@ -4418,140 +4951,169 @@
       </p:grpSpPr>
       <p:sp>
         <p:nvSpPr>
-          <p:cNvPr id="2" name="Title 1">
-            <a:extLst>
-              <a:ext uri="{FF2B5EF4-FFF2-40B4-BE49-F238E27FC236}">
-                <a16:creationId xmlns:a16="http://schemas.microsoft.com/office/drawing/2014/main" id="{E8C3A51D-0191-78F6-BC19-7E91EE3F339F}"/>
-              </a:ext>
-            </a:extLst>
-          </p:cNvPr>
-          <p:cNvSpPr>
-            <a:spLocks noGrp="1"/>
-          </p:cNvSpPr>
-          <p:nvPr>
-            <p:ph type="title"/>
-          </p:nvPr>
-        </p:nvSpPr>
-        <p:spPr/>
+          <p:cNvPr id="3" name="Content Placeholder 2">
+            <a:extLst>
+              <a:ext uri="{FF2B5EF4-FFF2-40B4-BE49-F238E27FC236}">
+                <a16:creationId xmlns:a16="http://schemas.microsoft.com/office/drawing/2014/main" id="{BD33CC39-07E1-A2C5-E748-90C25D820CF2}"/>
+              </a:ext>
+            </a:extLst>
+          </p:cNvPr>
+          <p:cNvSpPr>
+            <a:spLocks noGrp="1"/>
+          </p:cNvSpPr>
+          <p:nvPr>
+            <p:ph idx="1"/>
+          </p:nvPr>
+        </p:nvSpPr>
+        <p:spPr>
+          <a:xfrm>
+            <a:off x="838200" y="502920"/>
+            <a:ext cx="10515600" cy="5674043"/>
+          </a:xfrm>
+        </p:spPr>
         <p:txBody>
           <a:bodyPr/>
           <a:lstStyle/>
           <a:p>
             <a:r>
+              <a:rPr lang="en-US" dirty="0"/>
+              <a:t>Accessor and cache</a:t>
+            </a:r>
+          </a:p>
+          <a:p>
+            <a:pPr lvl="1"/>
+            <a:r>
               <a:rPr lang="en-US" dirty="0" err="1"/>
-              <a:t>AnalysisRunner</a:t>
-            </a:r>
-            <a:endParaRPr lang="en-US" dirty="0"/>
-          </a:p>
-        </p:txBody>
-      </p:sp>
-      <p:sp>
-        <p:nvSpPr>
-          <p:cNvPr id="3" name="Content Placeholder 2">
-            <a:extLst>
-              <a:ext uri="{FF2B5EF4-FFF2-40B4-BE49-F238E27FC236}">
-                <a16:creationId xmlns:a16="http://schemas.microsoft.com/office/drawing/2014/main" id="{EED5283E-6A29-2510-5E32-25A8422FA432}"/>
-              </a:ext>
-            </a:extLst>
-          </p:cNvPr>
-          <p:cNvSpPr>
-            <a:spLocks noGrp="1"/>
-          </p:cNvSpPr>
-          <p:nvPr>
-            <p:ph idx="1"/>
-          </p:nvPr>
-        </p:nvSpPr>
-        <p:spPr>
-          <a:xfrm>
-            <a:off x="838200" y="1825624"/>
-            <a:ext cx="10515600" cy="4556887"/>
-          </a:xfrm>
-        </p:spPr>
-        <p:txBody>
-          <a:bodyPr>
-            <a:normAutofit lnSpcReduction="10000"/>
-          </a:bodyPr>
-          <a:lstStyle/>
-          <a:p>
-            <a:r>
-              <a:rPr lang="en-US" dirty="0"/>
-              <a:t>Orchestrates Roslyn compilation and analyzer execution.</a:t>
-            </a:r>
-          </a:p>
-          <a:p>
-            <a:r>
-              <a:rPr lang="en-US" dirty="0"/>
-              <a:t>Provides async APIs</a:t>
+              <a:t>OptionsAccessor</a:t>
+            </a:r>
+            <a:r>
+              <a:rPr lang="en-US" dirty="0"/>
+              <a:t>&lt;</a:t>
+            </a:r>
+            <a:r>
+              <a:rPr lang="en-US" dirty="0" err="1"/>
+              <a:t>TOptions</a:t>
+            </a:r>
+            <a:r>
+              <a:rPr lang="en-US" dirty="0"/>
+              <a:t>&gt; maps from a </a:t>
+            </a:r>
+            <a:r>
+              <a:rPr lang="en-US" dirty="0" err="1"/>
+              <a:t>SyntaxTree</a:t>
+            </a:r>
+            <a:r>
+              <a:rPr lang="en-US" dirty="0"/>
+              <a:t> or Symbol to the right options.</a:t>
             </a:r>
           </a:p>
           <a:p>
             <a:pPr lvl="1"/>
             <a:r>
+              <a:rPr lang="en-US" dirty="0"/>
+              <a:t>Bound once per compilation and cached using </a:t>
+            </a:r>
+            <a:r>
               <a:rPr lang="en-US" dirty="0" err="1"/>
-              <a:t>AnalyzeSolutionAsync</a:t>
-            </a:r>
-            <a:r>
-              <a:rPr lang="en-US" dirty="0"/>
-              <a:t>: Opens the solution, loops through projects, runs analyzers.</a:t>
+              <a:t>ConditionalWeakTable.Analyzers</a:t>
+            </a:r>
+            <a:r>
+              <a:rPr lang="en-US" dirty="0"/>
+              <a:t> call context.</a:t>
             </a:r>
           </a:p>
           <a:p>
             <a:pPr lvl="1"/>
             <a:r>
               <a:rPr lang="en-US" dirty="0" err="1"/>
-              <a:t>AnalyzeProjectAsync</a:t>
-            </a:r>
-            <a:r>
-              <a:rPr lang="en-US" dirty="0"/>
-              <a:t>: Same, but for one project file.</a:t>
-            </a:r>
-          </a:p>
-          <a:p>
-            <a:r>
-              <a:rPr lang="en-US" dirty="0"/>
-              <a:t>Collects raw Diagnostic objects from Roslyn.</a:t>
-            </a:r>
-          </a:p>
-          <a:p>
-            <a:r>
-              <a:rPr lang="en-US" dirty="0"/>
-              <a:t>Converts them into our custom </a:t>
+              <a:t>GetOptions</a:t>
+            </a:r>
+            <a:r>
+              <a:rPr lang="en-US" dirty="0"/>
+              <a:t>&lt;</a:t>
             </a:r>
             <a:r>
               <a:rPr lang="en-US" dirty="0" err="1"/>
-              <a:t>DiagnosticInfo</a:t>
-            </a:r>
-            <a:r>
-              <a:rPr lang="en-US" dirty="0"/>
-              <a:t> </a:t>
+              <a:t>WeakVarOptions</a:t>
+            </a:r>
+            <a:r>
+              <a:rPr lang="en-US" dirty="0"/>
+              <a:t>, </a:t>
+            </a:r>
+            <a:r>
+              <a:rPr lang="en-US" dirty="0" err="1"/>
+              <a:t>WeakVarOptionsSchema</a:t>
+            </a:r>
+            <a:r>
+              <a:rPr lang="en-US" dirty="0"/>
+              <a:t>&gt;() to get the right snapshot for their context.</a:t>
+            </a:r>
+          </a:p>
+          <a:p>
+            <a:r>
+              <a:rPr lang="en-US" dirty="0"/>
+              <a:t>Analyzer code</a:t>
             </a:r>
           </a:p>
           <a:p>
             <a:pPr lvl="1"/>
             <a:r>
               <a:rPr lang="en-US" dirty="0"/>
-              <a:t>Analyzer ID, severity, message.</a:t>
+              <a:t>Inside a callback (symbol, syntax, or operation analysis):</a:t>
             </a:r>
           </a:p>
           <a:p>
             <a:pPr lvl="1"/>
             <a:r>
               <a:rPr lang="en-US" dirty="0"/>
-              <a:t>Project/file info.</a:t>
+              <a:t>Analyzer reads var opts = </a:t>
+            </a:r>
+            <a:r>
+              <a:rPr lang="en-US" dirty="0" err="1"/>
+              <a:t>context.GetOptions</a:t>
+            </a:r>
+            <a:r>
+              <a:rPr lang="en-US" dirty="0"/>
+              <a:t>&lt;</a:t>
+            </a:r>
+            <a:r>
+              <a:rPr lang="en-US" dirty="0" err="1"/>
+              <a:t>WeakVarOptions</a:t>
+            </a:r>
+            <a:r>
+              <a:rPr lang="en-US" dirty="0"/>
+              <a:t>, </a:t>
+            </a:r>
+            <a:r>
+              <a:rPr lang="en-US" dirty="0" err="1"/>
+              <a:t>WeakVarOptionsSchema</a:t>
+            </a:r>
+            <a:r>
+              <a:rPr lang="en-US" dirty="0"/>
+              <a:t>&gt;();</a:t>
             </a:r>
           </a:p>
           <a:p>
             <a:pPr lvl="1"/>
             <a:r>
               <a:rPr lang="en-US" dirty="0"/>
-              <a:t>Snippet with highlighted span.</a:t>
-            </a:r>
-          </a:p>
-          <a:p>
-            <a:pPr lvl="1"/>
-            <a:r>
-              <a:rPr lang="en-US" dirty="0"/>
-              <a:t>Optional suggestion from diagnostic properties.</a:t>
+              <a:t>Options drive decisions (e.g. </a:t>
+            </a:r>
+            <a:r>
+              <a:rPr lang="en-US" dirty="0" err="1"/>
+              <a:t>opts.MinLength</a:t>
+            </a:r>
+            <a:r>
+              <a:rPr lang="en-US" dirty="0"/>
+              <a:t>, </a:t>
+            </a:r>
+            <a:r>
+              <a:rPr lang="en-US" dirty="0" err="1"/>
+              <a:t>opts.AllowedNames</a:t>
+            </a:r>
+            <a:r>
+              <a:rPr lang="en-US" dirty="0"/>
+              <a:t>).</a:t>
             </a:r>
           </a:p>
         </p:txBody>
@@ -4559,7 +5121,7 @@
     </p:spTree>
     <p:extLst>
       <p:ext uri="{BB962C8B-B14F-4D97-AF65-F5344CB8AC3E}">
-        <p14:creationId xmlns:p14="http://schemas.microsoft.com/office/powerpoint/2010/main" val="2986037727"/>
+        <p14:creationId xmlns:p14="http://schemas.microsoft.com/office/powerpoint/2010/main" val="3755591721"/>
       </p:ext>
     </p:extLst>
   </p:cSld>
@@ -4607,7 +5169,11 @@
           <a:bodyPr/>
           <a:lstStyle/>
           <a:p>
-            <a:endParaRPr lang="en-US"/>
+            <a:r>
+              <a:rPr lang="en-US" dirty="0" err="1"/>
+              <a:t>AnalyzerOptionExtensions</a:t>
+            </a:r>
+            <a:endParaRPr lang="en-US" dirty="0"/>
           </a:p>
         </p:txBody>
       </p:sp>
@@ -4627,12 +5193,153 @@
             <p:ph idx="1"/>
           </p:nvPr>
         </p:nvSpPr>
-        <p:spPr/>
-        <p:txBody>
-          <a:bodyPr/>
+        <p:spPr>
+          <a:xfrm>
+            <a:off x="838200" y="1481328"/>
+            <a:ext cx="10515600" cy="4695635"/>
+          </a:xfrm>
+        </p:spPr>
+        <p:txBody>
+          <a:bodyPr>
+            <a:normAutofit fontScale="92500" lnSpcReduction="10000"/>
+          </a:bodyPr>
           <a:lstStyle/>
           <a:p>
-            <a:endParaRPr lang="en-US"/>
+            <a:r>
+              <a:rPr lang="en-US" dirty="0"/>
+              <a:t>Convenience methods analyzers call to fetch .</a:t>
+            </a:r>
+            <a:r>
+              <a:rPr lang="en-US" dirty="0" err="1"/>
+              <a:t>editorconfig</a:t>
+            </a:r>
+            <a:r>
+              <a:rPr lang="en-US" dirty="0"/>
+              <a:t> options. (</a:t>
+            </a:r>
+            <a:r>
+              <a:rPr lang="en-US" dirty="0" err="1"/>
+              <a:t>context.GetWeakVarOptions</a:t>
+            </a:r>
+            <a:r>
+              <a:rPr lang="en-US" dirty="0"/>
+              <a:t>())</a:t>
+            </a:r>
+          </a:p>
+          <a:p>
+            <a:r>
+              <a:rPr lang="en-US" dirty="0"/>
+              <a:t>Hide complex generic calls behind a one-liner</a:t>
+            </a:r>
+          </a:p>
+          <a:p>
+            <a:r>
+              <a:rPr lang="en-US" dirty="0"/>
+              <a:t>Make analyzer code simpler and more readable</a:t>
+            </a:r>
+          </a:p>
+          <a:p>
+            <a:r>
+              <a:rPr lang="en-US" dirty="0"/>
+              <a:t>How they work</a:t>
+            </a:r>
+          </a:p>
+          <a:p>
+            <a:pPr lvl="1"/>
+            <a:r>
+              <a:rPr lang="en-US" dirty="0"/>
+              <a:t>Analyzer calls </a:t>
+            </a:r>
+            <a:r>
+              <a:rPr lang="en-US" dirty="0" err="1"/>
+              <a:t>context.GetXOptions</a:t>
+            </a:r>
+            <a:r>
+              <a:rPr lang="en-US" dirty="0"/>
+              <a:t>().</a:t>
+            </a:r>
+          </a:p>
+          <a:p>
+            <a:pPr lvl="1"/>
+            <a:r>
+              <a:rPr lang="en-US" dirty="0"/>
+              <a:t>Extension looks up an </a:t>
+            </a:r>
+            <a:r>
+              <a:rPr lang="en-US" dirty="0" err="1"/>
+              <a:t>OptionsAccessor</a:t>
+            </a:r>
+            <a:r>
+              <a:rPr lang="en-US" dirty="0"/>
+              <a:t>&lt;</a:t>
+            </a:r>
+            <a:r>
+              <a:rPr lang="en-US" dirty="0" err="1"/>
+              <a:t>TOptions</a:t>
+            </a:r>
+            <a:r>
+              <a:rPr lang="en-US" dirty="0"/>
+              <a:t>&gt; from </a:t>
+            </a:r>
+            <a:r>
+              <a:rPr lang="en-US" dirty="0" err="1"/>
+              <a:t>OptionAccessorCache</a:t>
+            </a:r>
+            <a:r>
+              <a:rPr lang="en-US" dirty="0"/>
+              <a:t>.</a:t>
+            </a:r>
+          </a:p>
+          <a:p>
+            <a:pPr lvl="1"/>
+            <a:r>
+              <a:rPr lang="en-US" dirty="0"/>
+              <a:t>Accessor:</a:t>
+            </a:r>
+          </a:p>
+          <a:p>
+            <a:pPr lvl="2"/>
+            <a:r>
+              <a:rPr lang="en-US" dirty="0"/>
+              <a:t>Reads .</a:t>
+            </a:r>
+            <a:r>
+              <a:rPr lang="en-US" dirty="0" err="1"/>
+              <a:t>editorconfig</a:t>
+            </a:r>
+            <a:r>
+              <a:rPr lang="en-US" dirty="0"/>
+              <a:t> for the syntax tree or symbol.</a:t>
+            </a:r>
+          </a:p>
+          <a:p>
+            <a:pPr lvl="2"/>
+            <a:r>
+              <a:rPr lang="en-US" dirty="0"/>
+              <a:t>Binds values via the schema.</a:t>
+            </a:r>
+          </a:p>
+          <a:p>
+            <a:pPr lvl="2"/>
+            <a:r>
+              <a:rPr lang="en-US" dirty="0"/>
+              <a:t>Returns cached typed options.</a:t>
+            </a:r>
+          </a:p>
+          <a:p>
+            <a:pPr lvl="1"/>
+            <a:r>
+              <a:rPr lang="en-US" dirty="0"/>
+              <a:t>Analyzer gets a ready to use </a:t>
+            </a:r>
+            <a:r>
+              <a:rPr lang="en-US" dirty="0" err="1"/>
+              <a:t>TOptions</a:t>
+            </a:r>
+            <a:r>
+              <a:rPr lang="en-US" dirty="0"/>
+              <a:t> record.</a:t>
+            </a:r>
           </a:p>
         </p:txBody>
       </p:sp>
@@ -4671,7 +5378,7 @@
           <p:cNvPr id="2" name="Title 1">
             <a:extLst>
               <a:ext uri="{FF2B5EF4-FFF2-40B4-BE49-F238E27FC236}">
-                <a16:creationId xmlns:a16="http://schemas.microsoft.com/office/drawing/2014/main" id="{BBA2E269-39DE-802F-D318-82207DF1F596}"/>
+                <a16:creationId xmlns:a16="http://schemas.microsoft.com/office/drawing/2014/main" id="{E8C3A51D-0191-78F6-BC19-7E91EE3F339F}"/>
               </a:ext>
             </a:extLst>
           </p:cNvPr>
@@ -4687,7 +5394,180 @@
           <a:bodyPr/>
           <a:lstStyle/>
           <a:p>
-            <a:endParaRPr lang="en-US"/>
+            <a:r>
+              <a:rPr lang="en-US" dirty="0" err="1"/>
+              <a:t>AnalysisRunner</a:t>
+            </a:r>
+            <a:endParaRPr lang="en-US" dirty="0"/>
+          </a:p>
+        </p:txBody>
+      </p:sp>
+      <p:sp>
+        <p:nvSpPr>
+          <p:cNvPr id="3" name="Content Placeholder 2">
+            <a:extLst>
+              <a:ext uri="{FF2B5EF4-FFF2-40B4-BE49-F238E27FC236}">
+                <a16:creationId xmlns:a16="http://schemas.microsoft.com/office/drawing/2014/main" id="{EED5283E-6A29-2510-5E32-25A8422FA432}"/>
+              </a:ext>
+            </a:extLst>
+          </p:cNvPr>
+          <p:cNvSpPr>
+            <a:spLocks noGrp="1"/>
+          </p:cNvSpPr>
+          <p:nvPr>
+            <p:ph idx="1"/>
+          </p:nvPr>
+        </p:nvSpPr>
+        <p:spPr>
+          <a:xfrm>
+            <a:off x="838200" y="1825624"/>
+            <a:ext cx="10515600" cy="4556887"/>
+          </a:xfrm>
+        </p:spPr>
+        <p:txBody>
+          <a:bodyPr>
+            <a:normAutofit lnSpcReduction="10000"/>
+          </a:bodyPr>
+          <a:lstStyle/>
+          <a:p>
+            <a:r>
+              <a:rPr lang="en-US" dirty="0"/>
+              <a:t>Orchestrates Roslyn compilation and analyzer execution.</a:t>
+            </a:r>
+          </a:p>
+          <a:p>
+            <a:r>
+              <a:rPr lang="en-US" dirty="0"/>
+              <a:t>Provides async APIs</a:t>
+            </a:r>
+          </a:p>
+          <a:p>
+            <a:pPr lvl="1"/>
+            <a:r>
+              <a:rPr lang="en-US" dirty="0" err="1"/>
+              <a:t>AnalyzeSolutionAsync</a:t>
+            </a:r>
+            <a:r>
+              <a:rPr lang="en-US" dirty="0"/>
+              <a:t>: Opens the solution, loops through projects, runs analyzers.</a:t>
+            </a:r>
+          </a:p>
+          <a:p>
+            <a:pPr lvl="1"/>
+            <a:r>
+              <a:rPr lang="en-US" dirty="0" err="1"/>
+              <a:t>AnalyzeProjectAsync</a:t>
+            </a:r>
+            <a:r>
+              <a:rPr lang="en-US" dirty="0"/>
+              <a:t>: Same, but for one project file.</a:t>
+            </a:r>
+          </a:p>
+          <a:p>
+            <a:r>
+              <a:rPr lang="en-US" dirty="0"/>
+              <a:t>Collects raw Diagnostic objects from Roslyn.</a:t>
+            </a:r>
+          </a:p>
+          <a:p>
+            <a:r>
+              <a:rPr lang="en-US" dirty="0"/>
+              <a:t>Converts them into our custom </a:t>
+            </a:r>
+            <a:r>
+              <a:rPr lang="en-US" dirty="0" err="1"/>
+              <a:t>DiagnosticInfo</a:t>
+            </a:r>
+            <a:r>
+              <a:rPr lang="en-US" dirty="0"/>
+              <a:t> </a:t>
+            </a:r>
+          </a:p>
+          <a:p>
+            <a:pPr lvl="1"/>
+            <a:r>
+              <a:rPr lang="en-US" dirty="0"/>
+              <a:t>Analyzer ID, severity, message.</a:t>
+            </a:r>
+          </a:p>
+          <a:p>
+            <a:pPr lvl="1"/>
+            <a:r>
+              <a:rPr lang="en-US" dirty="0"/>
+              <a:t>Project/file info.</a:t>
+            </a:r>
+          </a:p>
+          <a:p>
+            <a:pPr lvl="1"/>
+            <a:r>
+              <a:rPr lang="en-US" dirty="0"/>
+              <a:t>Snippet with highlighted span.</a:t>
+            </a:r>
+          </a:p>
+          <a:p>
+            <a:pPr lvl="1"/>
+            <a:r>
+              <a:rPr lang="en-US" dirty="0"/>
+              <a:t>Optional suggestion from diagnostic properties.</a:t>
+            </a:r>
+          </a:p>
+        </p:txBody>
+      </p:sp>
+    </p:spTree>
+    <p:extLst>
+      <p:ext uri="{BB962C8B-B14F-4D97-AF65-F5344CB8AC3E}">
+        <p14:creationId xmlns:p14="http://schemas.microsoft.com/office/powerpoint/2010/main" val="2986037727"/>
+      </p:ext>
+    </p:extLst>
+  </p:cSld>
+  <p:clrMapOvr>
+    <a:masterClrMapping/>
+  </p:clrMapOvr>
+</p:sld>
+</file>
+
+<file path=ppt/slides/slide19.xml><?xml version="1.0" encoding="utf-8"?>
+<p:sld xmlns:a="http://schemas.openxmlformats.org/drawingml/2006/main" xmlns:r="http://schemas.openxmlformats.org/officeDocument/2006/relationships" xmlns:p="http://schemas.openxmlformats.org/presentationml/2006/main">
+  <p:cSld>
+    <p:spTree>
+      <p:nvGrpSpPr>
+        <p:cNvPr id="1" name=""/>
+        <p:cNvGrpSpPr/>
+        <p:nvPr/>
+      </p:nvGrpSpPr>
+      <p:grpSpPr>
+        <a:xfrm>
+          <a:off x="0" y="0"/>
+          <a:ext cx="0" cy="0"/>
+          <a:chOff x="0" y="0"/>
+          <a:chExt cx="0" cy="0"/>
+        </a:xfrm>
+      </p:grpSpPr>
+      <p:sp>
+        <p:nvSpPr>
+          <p:cNvPr id="2" name="Title 1">
+            <a:extLst>
+              <a:ext uri="{FF2B5EF4-FFF2-40B4-BE49-F238E27FC236}">
+                <a16:creationId xmlns:a16="http://schemas.microsoft.com/office/drawing/2014/main" id="{BBA2E269-39DE-802F-D318-82207DF1F596}"/>
+              </a:ext>
+            </a:extLst>
+          </p:cNvPr>
+          <p:cNvSpPr>
+            <a:spLocks noGrp="1"/>
+          </p:cNvSpPr>
+          <p:nvPr>
+            <p:ph type="title"/>
+          </p:nvPr>
+        </p:nvSpPr>
+        <p:spPr/>
+        <p:txBody>
+          <a:bodyPr/>
+          <a:lstStyle/>
+          <a:p>
+            <a:r>
+              <a:rPr lang="en-US" dirty="0"/>
+              <a:t>Tests</a:t>
+            </a:r>
           </a:p>
         </p:txBody>
       </p:sp>
@@ -4759,15 +5639,15 @@
           <p:cNvPr id="2" name="Title 1">
             <a:extLst>
               <a:ext uri="{FF2B5EF4-FFF2-40B4-BE49-F238E27FC236}">
-                <a16:creationId xmlns:a16="http://schemas.microsoft.com/office/drawing/2014/main" id="{AB6AB359-0333-93F1-B0B0-454CFC16B525}"/>
-              </a:ext>
-            </a:extLst>
-          </p:cNvPr>
-          <p:cNvSpPr>
-            <a:spLocks noGrp="1"/>
-          </p:cNvSpPr>
-          <p:nvPr>
-            <p:ph type="ctrTitle"/>
+                <a16:creationId xmlns:a16="http://schemas.microsoft.com/office/drawing/2014/main" id="{04F0122A-487F-B5F2-093E-7C34D19F71F9}"/>
+              </a:ext>
+            </a:extLst>
+          </p:cNvPr>
+          <p:cNvSpPr>
+            <a:spLocks noGrp="1"/>
+          </p:cNvSpPr>
+          <p:nvPr>
+            <p:ph type="title"/>
           </p:nvPr>
         </p:nvSpPr>
         <p:spPr/>
@@ -4777,40 +5657,535 @@
           <a:p>
             <a:r>
               <a:rPr lang="en-US" dirty="0"/>
-              <a:t>Analyzers</a:t>
-            </a:r>
-          </a:p>
-        </p:txBody>
-      </p:sp>
-      <p:sp>
-        <p:nvSpPr>
-          <p:cNvPr id="3" name="Subtitle 2">
-            <a:extLst>
-              <a:ext uri="{FF2B5EF4-FFF2-40B4-BE49-F238E27FC236}">
-                <a16:creationId xmlns:a16="http://schemas.microsoft.com/office/drawing/2014/main" id="{0B27D2D0-AC10-7C04-ACEB-1AD04C3F538E}"/>
-              </a:ext>
-            </a:extLst>
-          </p:cNvPr>
-          <p:cNvSpPr>
-            <a:spLocks noGrp="1"/>
-          </p:cNvSpPr>
-          <p:nvPr>
-            <p:ph type="subTitle" idx="1"/>
+              <a:t>Analyzer Flow</a:t>
+            </a:r>
+          </a:p>
+        </p:txBody>
+      </p:sp>
+      <p:sp>
+        <p:nvSpPr>
+          <p:cNvPr id="3" name="Content Placeholder 2">
+            <a:extLst>
+              <a:ext uri="{FF2B5EF4-FFF2-40B4-BE49-F238E27FC236}">
+                <a16:creationId xmlns:a16="http://schemas.microsoft.com/office/drawing/2014/main" id="{2347040C-6D0B-3788-8F95-2F43827ED848}"/>
+              </a:ext>
+            </a:extLst>
+          </p:cNvPr>
+          <p:cNvSpPr>
+            <a:spLocks noGrp="1"/>
+          </p:cNvSpPr>
+          <p:nvPr>
+            <p:ph idx="1"/>
           </p:nvPr>
         </p:nvSpPr>
         <p:spPr/>
         <p:txBody>
-          <a:bodyPr/>
+          <a:bodyPr>
+            <a:normAutofit lnSpcReduction="10000"/>
+          </a:bodyPr>
           <a:lstStyle/>
           <a:p>
-            <a:endParaRPr lang="en-US"/>
+            <a:pPr marL="514350" indent="-514350">
+              <a:buFont typeface="+mj-lt"/>
+              <a:buAutoNum type="arabicPeriod"/>
+            </a:pPr>
+            <a:r>
+              <a:rPr lang="en-US" sz="2000" dirty="0"/>
+              <a:t>SOLUTION / PROJECT</a:t>
+            </a:r>
+          </a:p>
+          <a:p>
+            <a:pPr marL="514350" indent="-514350">
+              <a:buFont typeface="+mj-lt"/>
+              <a:buAutoNum type="arabicPeriod"/>
+            </a:pPr>
+            <a:r>
+              <a:rPr lang="en-US" sz="2000" dirty="0"/>
+              <a:t>Roslyn Compilation</a:t>
+            </a:r>
+          </a:p>
+          <a:p>
+            <a:pPr marL="514350" indent="-514350">
+              <a:buFont typeface="+mj-lt"/>
+              <a:buAutoNum type="arabicPeriod"/>
+            </a:pPr>
+            <a:r>
+              <a:rPr lang="en-US" sz="2000" dirty="0" err="1"/>
+              <a:t>Analyzer.Initialize</a:t>
+            </a:r>
+            <a:r>
+              <a:rPr lang="en-US" sz="2000" dirty="0"/>
+              <a:t>()</a:t>
+            </a:r>
+          </a:p>
+          <a:p>
+            <a:pPr marL="514350" indent="-514350">
+              <a:buFont typeface="+mj-lt"/>
+              <a:buAutoNum type="arabicPeriod"/>
+            </a:pPr>
+            <a:r>
+              <a:rPr lang="en-US" sz="2000" dirty="0"/>
+              <a:t>Register Callbacks</a:t>
+            </a:r>
+          </a:p>
+          <a:p>
+            <a:pPr lvl="1"/>
+            <a:r>
+              <a:rPr lang="en-US" sz="2000" dirty="0" err="1"/>
+              <a:t>SyntaxNodeAction</a:t>
+            </a:r>
+            <a:endParaRPr lang="en-US" sz="2000" dirty="0"/>
+          </a:p>
+          <a:p>
+            <a:pPr lvl="1"/>
+            <a:r>
+              <a:rPr lang="en-US" sz="2000" dirty="0" err="1"/>
+              <a:t>OperationAction</a:t>
+            </a:r>
+            <a:endParaRPr lang="en-US" sz="2000" dirty="0"/>
+          </a:p>
+          <a:p>
+            <a:pPr lvl="1"/>
+            <a:r>
+              <a:rPr lang="en-US" sz="2000" dirty="0" err="1"/>
+              <a:t>SymbolAction</a:t>
+            </a:r>
+            <a:endParaRPr lang="en-US" sz="2000" dirty="0"/>
+          </a:p>
+          <a:p>
+            <a:pPr lvl="1"/>
+            <a:r>
+              <a:rPr lang="en-US" sz="2000" dirty="0" err="1"/>
+              <a:t>CompilationStartAction</a:t>
+            </a:r>
+            <a:endParaRPr lang="en-US" sz="2000" dirty="0"/>
+          </a:p>
+          <a:p>
+            <a:pPr marL="514350" indent="-514350">
+              <a:buFont typeface="+mj-lt"/>
+              <a:buAutoNum type="arabicPeriod"/>
+            </a:pPr>
+            <a:r>
+              <a:rPr lang="en-US" sz="2000" dirty="0"/>
+              <a:t>Analyzer runs on code</a:t>
+            </a:r>
+          </a:p>
+          <a:p>
+            <a:pPr marL="514350" indent="-514350">
+              <a:buFont typeface="+mj-lt"/>
+              <a:buAutoNum type="arabicPeriod"/>
+            </a:pPr>
+            <a:r>
+              <a:rPr lang="en-US" sz="2000" dirty="0" err="1"/>
+              <a:t>ReportDiagnostic</a:t>
+            </a:r>
+            <a:r>
+              <a:rPr lang="en-US" sz="2000" dirty="0"/>
+              <a:t>(...)</a:t>
+            </a:r>
+          </a:p>
+          <a:p>
+            <a:pPr marL="514350" indent="-514350">
+              <a:buFont typeface="+mj-lt"/>
+              <a:buAutoNum type="arabicPeriod"/>
+            </a:pPr>
+            <a:r>
+              <a:rPr lang="en-US" sz="2000" dirty="0" err="1"/>
+              <a:t>DiagnosticInfo</a:t>
+            </a:r>
+            <a:r>
+              <a:rPr lang="en-US" sz="2000" dirty="0"/>
+              <a:t> DTO</a:t>
+            </a:r>
+          </a:p>
+          <a:p>
+            <a:pPr marL="514350" indent="-514350">
+              <a:buFont typeface="+mj-lt"/>
+              <a:buAutoNum type="arabicPeriod"/>
+            </a:pPr>
+            <a:r>
+              <a:rPr lang="en-US" sz="2000" dirty="0"/>
+              <a:t>WPF UI Grid / Filters</a:t>
+            </a:r>
           </a:p>
         </p:txBody>
       </p:sp>
     </p:spTree>
     <p:extLst>
       <p:ext uri="{BB962C8B-B14F-4D97-AF65-F5344CB8AC3E}">
-        <p14:creationId xmlns:p14="http://schemas.microsoft.com/office/powerpoint/2010/main" val="3887658091"/>
+        <p14:creationId xmlns:p14="http://schemas.microsoft.com/office/powerpoint/2010/main" val="1158850214"/>
+      </p:ext>
+    </p:extLst>
+  </p:cSld>
+  <p:clrMapOvr>
+    <a:masterClrMapping/>
+  </p:clrMapOvr>
+</p:sld>
+</file>
+
+<file path=ppt/slides/slide20.xml><?xml version="1.0" encoding="utf-8"?>
+<p:sld xmlns:a="http://schemas.openxmlformats.org/drawingml/2006/main" xmlns:r="http://schemas.openxmlformats.org/officeDocument/2006/relationships" xmlns:p="http://schemas.openxmlformats.org/presentationml/2006/main">
+  <p:cSld>
+    <p:spTree>
+      <p:nvGrpSpPr>
+        <p:cNvPr id="1" name=""/>
+        <p:cNvGrpSpPr/>
+        <p:nvPr/>
+      </p:nvGrpSpPr>
+      <p:grpSpPr>
+        <a:xfrm>
+          <a:off x="0" y="0"/>
+          <a:ext cx="0" cy="0"/>
+          <a:chOff x="0" y="0"/>
+          <a:chExt cx="0" cy="0"/>
+        </a:xfrm>
+      </p:grpSpPr>
+      <p:sp>
+        <p:nvSpPr>
+          <p:cNvPr id="2" name="Title 1">
+            <a:extLst>
+              <a:ext uri="{FF2B5EF4-FFF2-40B4-BE49-F238E27FC236}">
+                <a16:creationId xmlns:a16="http://schemas.microsoft.com/office/drawing/2014/main" id="{4F128355-B11C-98F0-0954-398DC690040E}"/>
+              </a:ext>
+            </a:extLst>
+          </p:cNvPr>
+          <p:cNvSpPr>
+            <a:spLocks noGrp="1"/>
+          </p:cNvSpPr>
+          <p:nvPr>
+            <p:ph type="title"/>
+          </p:nvPr>
+        </p:nvSpPr>
+        <p:spPr/>
+        <p:txBody>
+          <a:bodyPr/>
+          <a:lstStyle/>
+          <a:p>
+            <a:r>
+              <a:rPr lang="en-US" dirty="0"/>
+              <a:t>UI</a:t>
+            </a:r>
+          </a:p>
+        </p:txBody>
+      </p:sp>
+      <p:sp>
+        <p:nvSpPr>
+          <p:cNvPr id="3" name="Content Placeholder 2">
+            <a:extLst>
+              <a:ext uri="{FF2B5EF4-FFF2-40B4-BE49-F238E27FC236}">
+                <a16:creationId xmlns:a16="http://schemas.microsoft.com/office/drawing/2014/main" id="{B49E011B-A55B-62BD-CF48-86D14C16FDFA}"/>
+              </a:ext>
+            </a:extLst>
+          </p:cNvPr>
+          <p:cNvSpPr>
+            <a:spLocks noGrp="1"/>
+          </p:cNvSpPr>
+          <p:nvPr>
+            <p:ph idx="1"/>
+          </p:nvPr>
+        </p:nvSpPr>
+        <p:spPr/>
+        <p:txBody>
+          <a:bodyPr/>
+          <a:lstStyle/>
+          <a:p>
+            <a:r>
+              <a:rPr lang="en-US" dirty="0"/>
+              <a:t>Browse &amp; select .</a:t>
+            </a:r>
+            <a:r>
+              <a:rPr lang="en-US" dirty="0" err="1"/>
+              <a:t>sln</a:t>
+            </a:r>
+            <a:r>
+              <a:rPr lang="en-US" dirty="0"/>
+              <a:t> / .</a:t>
+            </a:r>
+            <a:r>
+              <a:rPr lang="en-US" dirty="0" err="1"/>
+              <a:t>csproj</a:t>
+            </a:r>
+            <a:r>
+              <a:rPr lang="en-US" dirty="0"/>
+              <a:t>.</a:t>
+            </a:r>
+          </a:p>
+          <a:p>
+            <a:r>
+              <a:rPr lang="en-US" dirty="0"/>
+              <a:t>Run analyzers.</a:t>
+            </a:r>
+          </a:p>
+          <a:p>
+            <a:r>
+              <a:rPr lang="en-US" dirty="0"/>
+              <a:t>Results appear in grid with severity, ID, message.</a:t>
+            </a:r>
+          </a:p>
+          <a:p>
+            <a:r>
+              <a:rPr lang="en-US" dirty="0"/>
+              <a:t>Double-click to expand code snippet</a:t>
+            </a:r>
+          </a:p>
+        </p:txBody>
+      </p:sp>
+    </p:spTree>
+    <p:extLst>
+      <p:ext uri="{BB962C8B-B14F-4D97-AF65-F5344CB8AC3E}">
+        <p14:creationId xmlns:p14="http://schemas.microsoft.com/office/powerpoint/2010/main" val="1906123086"/>
+      </p:ext>
+    </p:extLst>
+  </p:cSld>
+  <p:clrMapOvr>
+    <a:masterClrMapping/>
+  </p:clrMapOvr>
+</p:sld>
+</file>
+
+<file path=ppt/slides/slide21.xml><?xml version="1.0" encoding="utf-8"?>
+<p:sld xmlns:a="http://schemas.openxmlformats.org/drawingml/2006/main" xmlns:r="http://schemas.openxmlformats.org/officeDocument/2006/relationships" xmlns:p="http://schemas.openxmlformats.org/presentationml/2006/main">
+  <p:cSld>
+    <p:spTree>
+      <p:nvGrpSpPr>
+        <p:cNvPr id="1" name=""/>
+        <p:cNvGrpSpPr/>
+        <p:nvPr/>
+      </p:nvGrpSpPr>
+      <p:grpSpPr>
+        <a:xfrm>
+          <a:off x="0" y="0"/>
+          <a:ext cx="0" cy="0"/>
+          <a:chOff x="0" y="0"/>
+          <a:chExt cx="0" cy="0"/>
+        </a:xfrm>
+      </p:grpSpPr>
+      <p:pic>
+        <p:nvPicPr>
+          <p:cNvPr id="5" name="Content Placeholder 4">
+            <a:extLst>
+              <a:ext uri="{FF2B5EF4-FFF2-40B4-BE49-F238E27FC236}">
+                <a16:creationId xmlns:a16="http://schemas.microsoft.com/office/drawing/2014/main" id="{313C31AE-877F-3376-FD55-19AF93AEB960}"/>
+              </a:ext>
+            </a:extLst>
+          </p:cNvPr>
+          <p:cNvPicPr>
+            <a:picLocks noGrp="1" noChangeAspect="1"/>
+          </p:cNvPicPr>
+          <p:nvPr>
+            <p:ph idx="1"/>
+          </p:nvPr>
+        </p:nvPicPr>
+        <p:blipFill>
+          <a:blip r:embed="rId2"/>
+          <a:stretch>
+            <a:fillRect/>
+          </a:stretch>
+        </p:blipFill>
+        <p:spPr>
+          <a:xfrm>
+            <a:off x="1036391" y="697134"/>
+            <a:ext cx="10119217" cy="5463731"/>
+          </a:xfrm>
+          <a:prstGeom prst="rect">
+            <a:avLst/>
+          </a:prstGeom>
+        </p:spPr>
+      </p:pic>
+    </p:spTree>
+    <p:extLst>
+      <p:ext uri="{BB962C8B-B14F-4D97-AF65-F5344CB8AC3E}">
+        <p14:creationId xmlns:p14="http://schemas.microsoft.com/office/powerpoint/2010/main" val="2056256978"/>
+      </p:ext>
+    </p:extLst>
+  </p:cSld>
+  <p:clrMapOvr>
+    <a:masterClrMapping/>
+  </p:clrMapOvr>
+</p:sld>
+</file>
+
+<file path=ppt/slides/slide22.xml><?xml version="1.0" encoding="utf-8"?>
+<p:sld xmlns:a="http://schemas.openxmlformats.org/drawingml/2006/main" xmlns:r="http://schemas.openxmlformats.org/officeDocument/2006/relationships" xmlns:p="http://schemas.openxmlformats.org/presentationml/2006/main">
+  <p:cSld>
+    <p:spTree>
+      <p:nvGrpSpPr>
+        <p:cNvPr id="1" name=""/>
+        <p:cNvGrpSpPr/>
+        <p:nvPr/>
+      </p:nvGrpSpPr>
+      <p:grpSpPr>
+        <a:xfrm>
+          <a:off x="0" y="0"/>
+          <a:ext cx="0" cy="0"/>
+          <a:chOff x="0" y="0"/>
+          <a:chExt cx="0" cy="0"/>
+        </a:xfrm>
+      </p:grpSpPr>
+      <p:sp>
+        <p:nvSpPr>
+          <p:cNvPr id="2" name="Title 1">
+            <a:extLst>
+              <a:ext uri="{FF2B5EF4-FFF2-40B4-BE49-F238E27FC236}">
+                <a16:creationId xmlns:a16="http://schemas.microsoft.com/office/drawing/2014/main" id="{C799913D-B33F-B61E-5503-354CEC75B22A}"/>
+              </a:ext>
+            </a:extLst>
+          </p:cNvPr>
+          <p:cNvSpPr>
+            <a:spLocks noGrp="1"/>
+          </p:cNvSpPr>
+          <p:nvPr>
+            <p:ph type="title"/>
+          </p:nvPr>
+        </p:nvSpPr>
+        <p:spPr/>
+        <p:txBody>
+          <a:bodyPr/>
+          <a:lstStyle/>
+          <a:p>
+            <a:r>
+              <a:rPr lang="en-US" dirty="0"/>
+              <a:t>UI Filter Settings</a:t>
+            </a:r>
+          </a:p>
+        </p:txBody>
+      </p:sp>
+      <p:sp>
+        <p:nvSpPr>
+          <p:cNvPr id="3" name="Content Placeholder 2">
+            <a:extLst>
+              <a:ext uri="{FF2B5EF4-FFF2-40B4-BE49-F238E27FC236}">
+                <a16:creationId xmlns:a16="http://schemas.microsoft.com/office/drawing/2014/main" id="{DE84601B-822E-8062-5615-109CA881D147}"/>
+              </a:ext>
+            </a:extLst>
+          </p:cNvPr>
+          <p:cNvSpPr>
+            <a:spLocks noGrp="1"/>
+          </p:cNvSpPr>
+          <p:nvPr>
+            <p:ph idx="1"/>
+          </p:nvPr>
+        </p:nvSpPr>
+        <p:spPr/>
+        <p:txBody>
+          <a:bodyPr/>
+          <a:lstStyle/>
+          <a:p>
+            <a:r>
+              <a:rPr lang="en-US" dirty="0"/>
+              <a:t>Lets users fine-tune the results shown in the UI.</a:t>
+            </a:r>
+          </a:p>
+          <a:p>
+            <a:r>
+              <a:rPr lang="en-US" dirty="0"/>
+              <a:t>Provides an easy way to:</a:t>
+            </a:r>
+          </a:p>
+          <a:p>
+            <a:pPr lvl="1"/>
+            <a:r>
+              <a:rPr lang="en-US" dirty="0"/>
+              <a:t>Include only specific rule IDs.</a:t>
+            </a:r>
+          </a:p>
+          <a:p>
+            <a:pPr lvl="1"/>
+            <a:r>
+              <a:rPr lang="en-US" dirty="0"/>
+              <a:t>Exclude unwanted rule IDs.</a:t>
+            </a:r>
+          </a:p>
+          <a:p>
+            <a:pPr lvl="1"/>
+            <a:r>
+              <a:rPr lang="en-US" dirty="0"/>
+              <a:t>Adjust severity filters (Info / Warning / Error).</a:t>
+            </a:r>
+          </a:p>
+          <a:p>
+            <a:pPr lvl="1"/>
+            <a:r>
+              <a:rPr lang="en-US" dirty="0"/>
+              <a:t>Bindings update the shared </a:t>
+            </a:r>
+            <a:r>
+              <a:rPr lang="en-US" dirty="0" err="1"/>
+              <a:t>FilterSettings</a:t>
+            </a:r>
+            <a:r>
+              <a:rPr lang="en-US" dirty="0"/>
+              <a:t> instantly.</a:t>
+            </a:r>
+          </a:p>
+        </p:txBody>
+      </p:sp>
+    </p:spTree>
+    <p:extLst>
+      <p:ext uri="{BB962C8B-B14F-4D97-AF65-F5344CB8AC3E}">
+        <p14:creationId xmlns:p14="http://schemas.microsoft.com/office/powerpoint/2010/main" val="3070115401"/>
+      </p:ext>
+    </p:extLst>
+  </p:cSld>
+  <p:clrMapOvr>
+    <a:masterClrMapping/>
+  </p:clrMapOvr>
+</p:sld>
+</file>
+
+<file path=ppt/slides/slide23.xml><?xml version="1.0" encoding="utf-8"?>
+<p:sld xmlns:a="http://schemas.openxmlformats.org/drawingml/2006/main" xmlns:r="http://schemas.openxmlformats.org/officeDocument/2006/relationships" xmlns:p="http://schemas.openxmlformats.org/presentationml/2006/main">
+  <p:cSld>
+    <p:spTree>
+      <p:nvGrpSpPr>
+        <p:cNvPr id="1" name=""/>
+        <p:cNvGrpSpPr/>
+        <p:nvPr/>
+      </p:nvGrpSpPr>
+      <p:grpSpPr>
+        <a:xfrm>
+          <a:off x="0" y="0"/>
+          <a:ext cx="0" cy="0"/>
+          <a:chOff x="0" y="0"/>
+          <a:chExt cx="0" cy="0"/>
+        </a:xfrm>
+      </p:grpSpPr>
+      <p:pic>
+        <p:nvPicPr>
+          <p:cNvPr id="5" name="Content Placeholder 4">
+            <a:extLst>
+              <a:ext uri="{FF2B5EF4-FFF2-40B4-BE49-F238E27FC236}">
+                <a16:creationId xmlns:a16="http://schemas.microsoft.com/office/drawing/2014/main" id="{A0350277-9948-CD90-F982-D58E2C1C5F1E}"/>
+              </a:ext>
+            </a:extLst>
+          </p:cNvPr>
+          <p:cNvPicPr>
+            <a:picLocks noGrp="1" noChangeAspect="1"/>
+          </p:cNvPicPr>
+          <p:nvPr>
+            <p:ph idx="1"/>
+          </p:nvPr>
+        </p:nvPicPr>
+        <p:blipFill>
+          <a:blip r:embed="rId2"/>
+          <a:stretch>
+            <a:fillRect/>
+          </a:stretch>
+        </p:blipFill>
+        <p:spPr>
+          <a:xfrm>
+            <a:off x="1969974" y="339771"/>
+            <a:ext cx="8252051" cy="6178458"/>
+          </a:xfrm>
+          <a:prstGeom prst="rect">
+            <a:avLst/>
+          </a:prstGeom>
+        </p:spPr>
+      </p:pic>
+    </p:spTree>
+    <p:extLst>
+      <p:ext uri="{BB962C8B-B14F-4D97-AF65-F5344CB8AC3E}">
+        <p14:creationId xmlns:p14="http://schemas.microsoft.com/office/powerpoint/2010/main" val="406271959"/>
       </p:ext>
     </p:extLst>
   </p:cSld>
@@ -4861,7 +6236,7 @@
         </p:spPr>
         <p:txBody>
           <a:bodyPr>
-            <a:normAutofit lnSpcReduction="10000"/>
+            <a:normAutofit/>
           </a:bodyPr>
           <a:lstStyle/>
           <a:p>
@@ -4907,20 +6282,9 @@
             </a:r>
           </a:p>
           <a:p>
-            <a:r>
-              <a:rPr lang="en-US" dirty="0"/>
-              <a:t>Solution/Project → Roslyn Compilation → Analyzers → Diagnostics → </a:t>
-            </a:r>
-            <a:r>
-              <a:rPr lang="en-US" dirty="0" err="1"/>
-              <a:t>DiagnosticInfo</a:t>
-            </a:r>
-            <a:r>
-              <a:rPr lang="en-US" dirty="0"/>
-              <a:t> → UI</a:t>
-            </a:r>
-          </a:p>
-          <a:p>
+            <a:pPr marL="0" indent="0">
+              <a:buNone/>
+            </a:pPr>
             <a:endParaRPr lang="en-US" dirty="0"/>
           </a:p>
         </p:txBody>
@@ -4947,8 +6311,8 @@
         </p:blipFill>
         <p:spPr>
           <a:xfrm>
-            <a:off x="2342388" y="3557060"/>
-            <a:ext cx="7507224" cy="3058498"/>
+            <a:off x="1848558" y="3163824"/>
+            <a:ext cx="8494884" cy="3460878"/>
           </a:xfrm>
           <a:prstGeom prst="rect">
             <a:avLst/>
@@ -5009,7 +6373,7 @@
         </p:spPr>
         <p:txBody>
           <a:bodyPr>
-            <a:normAutofit lnSpcReduction="10000"/>
+            <a:normAutofit/>
           </a:bodyPr>
           <a:lstStyle/>
           <a:p>
@@ -5041,10 +6405,6 @@
           </a:p>
           <a:p>
             <a:pPr lvl="1"/>
-            <a:r>
-              <a:rPr lang="en-US" dirty="0"/>
-              <a:t>Optionally use </a:t>
-            </a:r>
             <a:r>
               <a:rPr lang="en-US" dirty="0" err="1"/>
               <a:t>CompilationStartAction</a:t>
@@ -5289,138 +6649,1184 @@
       </p:grpSpPr>
       <p:sp>
         <p:nvSpPr>
-          <p:cNvPr id="2" name="Title 1">
-            <a:extLst>
-              <a:ext uri="{FF2B5EF4-FFF2-40B4-BE49-F238E27FC236}">
-                <a16:creationId xmlns:a16="http://schemas.microsoft.com/office/drawing/2014/main" id="{1ABEE9A0-793B-906D-08FF-DEC29168CB42}"/>
-              </a:ext>
-            </a:extLst>
-          </p:cNvPr>
-          <p:cNvSpPr>
-            <a:spLocks noGrp="1"/>
-          </p:cNvSpPr>
-          <p:nvPr>
-            <p:ph type="title"/>
-          </p:nvPr>
-        </p:nvSpPr>
-        <p:spPr/>
-        <p:txBody>
-          <a:bodyPr/>
+          <p:cNvPr id="3" name="Content Placeholder 2">
+            <a:extLst>
+              <a:ext uri="{FF2B5EF4-FFF2-40B4-BE49-F238E27FC236}">
+                <a16:creationId xmlns:a16="http://schemas.microsoft.com/office/drawing/2014/main" id="{2FDF5654-D025-BC80-AD7D-EDED9C179679}"/>
+              </a:ext>
+            </a:extLst>
+          </p:cNvPr>
+          <p:cNvSpPr>
+            <a:spLocks noGrp="1"/>
+          </p:cNvSpPr>
+          <p:nvPr>
+            <p:ph idx="1"/>
+          </p:nvPr>
+        </p:nvSpPr>
+        <p:spPr>
+          <a:xfrm>
+            <a:off x="838200" y="146304"/>
+            <a:ext cx="10515600" cy="6030659"/>
+          </a:xfrm>
+        </p:spPr>
+        <p:txBody>
+          <a:bodyPr>
+            <a:normAutofit fontScale="85000" lnSpcReduction="10000"/>
+          </a:bodyPr>
           <a:lstStyle/>
           <a:p>
-            <a:r>
-              <a:rPr lang="en-US" dirty="0"/>
-              <a:t>Decision flow</a:t>
-            </a:r>
-          </a:p>
-        </p:txBody>
-      </p:sp>
-      <p:sp>
-        <p:nvSpPr>
-          <p:cNvPr id="3" name="Content Placeholder 2">
-            <a:extLst>
-              <a:ext uri="{FF2B5EF4-FFF2-40B4-BE49-F238E27FC236}">
-                <a16:creationId xmlns:a16="http://schemas.microsoft.com/office/drawing/2014/main" id="{D28A5F11-F2E7-DDB5-BBD0-03DDA548E079}"/>
-              </a:ext>
-            </a:extLst>
-          </p:cNvPr>
-          <p:cNvSpPr>
-            <a:spLocks noGrp="1"/>
-          </p:cNvSpPr>
-          <p:nvPr>
-            <p:ph idx="1"/>
-          </p:nvPr>
-        </p:nvSpPr>
-        <p:spPr/>
-        <p:txBody>
-          <a:bodyPr/>
-          <a:lstStyle/>
-          <a:p>
-            <a:r>
-              <a:rPr lang="en-US" dirty="0"/>
-              <a:t>For methods and local functions:</a:t>
-            </a:r>
-          </a:p>
-          <a:p>
-            <a:pPr lvl="1"/>
-            <a:r>
-              <a:rPr lang="en-US" dirty="0"/>
-              <a:t>Check async modifier and void return type.</a:t>
-            </a:r>
-          </a:p>
-          <a:p>
-            <a:pPr lvl="1"/>
-            <a:r>
-              <a:rPr lang="en-US" dirty="0"/>
-              <a:t>Get </a:t>
-            </a:r>
-            <a:r>
-              <a:rPr lang="en-US" dirty="0" err="1"/>
-              <a:t>IMethodSymbol</a:t>
-            </a:r>
-            <a:r>
-              <a:rPr lang="en-US" dirty="0"/>
-              <a:t>. </a:t>
-            </a:r>
-          </a:p>
-          <a:p>
-            <a:pPr lvl="1"/>
-            <a:r>
-              <a:rPr lang="en-US" dirty="0"/>
-              <a:t>Skip anything that is not a normal method (constructors, operators).</a:t>
-            </a:r>
-          </a:p>
-          <a:p>
-            <a:pPr lvl="1"/>
-            <a:r>
-              <a:rPr lang="en-US" dirty="0"/>
-              <a:t>Skip overrides and explicit interface implementations since signature is fixed by a contract.</a:t>
-            </a:r>
-          </a:p>
-          <a:p>
-            <a:pPr lvl="1"/>
-            <a:r>
-              <a:rPr lang="en-US" dirty="0"/>
-              <a:t>Skip things that look like event handlers: (object sender, </a:t>
-            </a:r>
-            <a:r>
-              <a:rPr lang="en-US" dirty="0" err="1"/>
-              <a:t>EventArgs</a:t>
-            </a:r>
-            <a:r>
-              <a:rPr lang="en-US" dirty="0"/>
+            <a:pPr>
+              <a:lnSpc>
+                <a:spcPts val="1425"/>
+              </a:lnSpc>
+              <a:buNone/>
+            </a:pPr>
+            <a:endParaRPr lang="en-US" b="0" dirty="0">
+              <a:solidFill>
+                <a:srgbClr val="569CD6"/>
+              </a:solidFill>
+              <a:effectLst/>
+              <a:latin typeface="Consolas" panose="020B0609020204030204" pitchFamily="49" charset="0"/>
+            </a:endParaRPr>
+          </a:p>
+          <a:p>
+            <a:pPr>
+              <a:lnSpc>
+                <a:spcPts val="1425"/>
+              </a:lnSpc>
+              <a:buNone/>
+            </a:pPr>
+            <a:r>
+              <a:rPr lang="en-US" b="0" dirty="0">
+                <a:solidFill>
+                  <a:srgbClr val="569CD6"/>
+                </a:solidFill>
+                <a:effectLst/>
+                <a:latin typeface="Consolas" panose="020B0609020204030204" pitchFamily="49" charset="0"/>
+              </a:rPr>
+              <a:t>public</a:t>
+            </a:r>
+            <a:r>
+              <a:rPr lang="en-US" b="0" dirty="0">
+                <a:solidFill>
+                  <a:srgbClr val="CCCCCC"/>
+                </a:solidFill>
+                <a:effectLst/>
+                <a:latin typeface="Consolas" panose="020B0609020204030204" pitchFamily="49" charset="0"/>
+              </a:rPr>
               <a:t> </a:t>
             </a:r>
             <a:r>
-              <a:rPr lang="en-US" dirty="0" err="1"/>
-              <a:t>args</a:t>
-            </a:r>
-            <a:r>
-              <a:rPr lang="en-US" dirty="0"/>
-              <a:t>) or derived </a:t>
-            </a:r>
-            <a:r>
-              <a:rPr lang="en-US" dirty="0" err="1"/>
-              <a:t>EventArgs</a:t>
-            </a:r>
-            <a:r>
-              <a:rPr lang="en-US" dirty="0"/>
+              <a:rPr lang="en-US" b="0" dirty="0">
+                <a:solidFill>
+                  <a:srgbClr val="569CD6"/>
+                </a:solidFill>
+                <a:effectLst/>
+                <a:latin typeface="Consolas" panose="020B0609020204030204" pitchFamily="49" charset="0"/>
+              </a:rPr>
+              <a:t>async</a:t>
+            </a:r>
+            <a:r>
+              <a:rPr lang="en-US" b="0" dirty="0">
+                <a:solidFill>
+                  <a:srgbClr val="CCCCCC"/>
+                </a:solidFill>
+                <a:effectLst/>
+                <a:latin typeface="Consolas" panose="020B0609020204030204" pitchFamily="49" charset="0"/>
+              </a:rPr>
+              <a:t> </a:t>
+            </a:r>
+            <a:r>
+              <a:rPr lang="en-US" b="0" dirty="0">
+                <a:solidFill>
+                  <a:srgbClr val="569CD6"/>
+                </a:solidFill>
+                <a:effectLst/>
+                <a:latin typeface="Consolas" panose="020B0609020204030204" pitchFamily="49" charset="0"/>
+              </a:rPr>
+              <a:t>void</a:t>
+            </a:r>
+            <a:r>
+              <a:rPr lang="en-US" b="0" dirty="0">
+                <a:solidFill>
+                  <a:srgbClr val="CCCCCC"/>
+                </a:solidFill>
+                <a:effectLst/>
+                <a:latin typeface="Consolas" panose="020B0609020204030204" pitchFamily="49" charset="0"/>
+              </a:rPr>
+              <a:t> </a:t>
+            </a:r>
+            <a:r>
+              <a:rPr lang="en-US" b="0" dirty="0" err="1">
+                <a:solidFill>
+                  <a:srgbClr val="DCDCAA"/>
+                </a:solidFill>
+                <a:effectLst/>
+                <a:latin typeface="Consolas" panose="020B0609020204030204" pitchFamily="49" charset="0"/>
+              </a:rPr>
+              <a:t>DoWork</a:t>
+            </a:r>
+            <a:r>
+              <a:rPr lang="en-US" b="0" dirty="0">
+                <a:solidFill>
+                  <a:srgbClr val="CCCCCC"/>
+                </a:solidFill>
+                <a:effectLst/>
+                <a:latin typeface="Consolas" panose="020B0609020204030204" pitchFamily="49" charset="0"/>
+              </a:rPr>
+              <a:t>()</a:t>
+            </a:r>
+          </a:p>
+          <a:p>
+            <a:pPr>
+              <a:lnSpc>
+                <a:spcPts val="1425"/>
+              </a:lnSpc>
+              <a:buNone/>
+            </a:pPr>
+            <a:r>
+              <a:rPr lang="en-US" b="0" dirty="0">
+                <a:solidFill>
+                  <a:srgbClr val="CCCCCC"/>
+                </a:solidFill>
+                <a:effectLst/>
+                <a:latin typeface="Consolas" panose="020B0609020204030204" pitchFamily="49" charset="0"/>
+              </a:rPr>
+              <a:t>{</a:t>
+            </a:r>
+          </a:p>
+          <a:p>
+            <a:pPr>
+              <a:lnSpc>
+                <a:spcPts val="1425"/>
+              </a:lnSpc>
+              <a:buNone/>
+            </a:pPr>
+            <a:r>
+              <a:rPr lang="en-US" b="0" dirty="0">
+                <a:solidFill>
+                  <a:srgbClr val="CCCCCC"/>
+                </a:solidFill>
+                <a:effectLst/>
+                <a:latin typeface="Consolas" panose="020B0609020204030204" pitchFamily="49" charset="0"/>
+              </a:rPr>
+              <a:t>    </a:t>
+            </a:r>
+            <a:r>
+              <a:rPr lang="en-US" b="0" dirty="0">
+                <a:solidFill>
+                  <a:srgbClr val="C586C0"/>
+                </a:solidFill>
+                <a:effectLst/>
+                <a:latin typeface="Consolas" panose="020B0609020204030204" pitchFamily="49" charset="0"/>
+              </a:rPr>
+              <a:t>await</a:t>
+            </a:r>
+            <a:r>
+              <a:rPr lang="en-US" b="0" dirty="0">
+                <a:solidFill>
+                  <a:srgbClr val="CCCCCC"/>
+                </a:solidFill>
+                <a:effectLst/>
+                <a:latin typeface="Consolas" panose="020B0609020204030204" pitchFamily="49" charset="0"/>
+              </a:rPr>
+              <a:t> </a:t>
+            </a:r>
+            <a:r>
+              <a:rPr lang="en-US" b="0" dirty="0" err="1">
+                <a:solidFill>
+                  <a:srgbClr val="9CDCFE"/>
+                </a:solidFill>
+                <a:effectLst/>
+                <a:latin typeface="Consolas" panose="020B0609020204030204" pitchFamily="49" charset="0"/>
+              </a:rPr>
+              <a:t>Task</a:t>
+            </a:r>
+            <a:r>
+              <a:rPr lang="en-US" b="0" dirty="0" err="1">
+                <a:solidFill>
+                  <a:srgbClr val="D4D4D4"/>
+                </a:solidFill>
+                <a:effectLst/>
+                <a:latin typeface="Consolas" panose="020B0609020204030204" pitchFamily="49" charset="0"/>
+              </a:rPr>
               <a:t>.</a:t>
             </a:r>
-          </a:p>
-          <a:p>
-            <a:pPr lvl="1"/>
-            <a:r>
-              <a:rPr lang="en-US" dirty="0"/>
-              <a:t>Report at the void keyword with a message that recommends Task or Task&lt;T&gt; and attach a Suggestion property.</a:t>
-            </a:r>
+            <a:r>
+              <a:rPr lang="en-US" b="0" dirty="0" err="1">
+                <a:solidFill>
+                  <a:srgbClr val="9CDCFE"/>
+                </a:solidFill>
+                <a:effectLst/>
+                <a:latin typeface="Consolas" panose="020B0609020204030204" pitchFamily="49" charset="0"/>
+              </a:rPr>
+              <a:t>Delay</a:t>
+            </a:r>
+            <a:r>
+              <a:rPr lang="en-US" b="0" dirty="0">
+                <a:solidFill>
+                  <a:srgbClr val="CCCCCC"/>
+                </a:solidFill>
+                <a:effectLst/>
+                <a:latin typeface="Consolas" panose="020B0609020204030204" pitchFamily="49" charset="0"/>
+              </a:rPr>
+              <a:t>(</a:t>
+            </a:r>
+            <a:r>
+              <a:rPr lang="en-US" b="0" dirty="0">
+                <a:solidFill>
+                  <a:srgbClr val="B5CEA8"/>
+                </a:solidFill>
+                <a:effectLst/>
+                <a:latin typeface="Consolas" panose="020B0609020204030204" pitchFamily="49" charset="0"/>
+              </a:rPr>
+              <a:t>1000</a:t>
+            </a:r>
+            <a:r>
+              <a:rPr lang="en-US" b="0" dirty="0">
+                <a:solidFill>
+                  <a:srgbClr val="CCCCCC"/>
+                </a:solidFill>
+                <a:effectLst/>
+                <a:latin typeface="Consolas" panose="020B0609020204030204" pitchFamily="49" charset="0"/>
+              </a:rPr>
+              <a:t>);</a:t>
+            </a:r>
+          </a:p>
+          <a:p>
+            <a:pPr>
+              <a:lnSpc>
+                <a:spcPts val="1425"/>
+              </a:lnSpc>
+              <a:buNone/>
+            </a:pPr>
+            <a:r>
+              <a:rPr lang="en-US" b="0" dirty="0">
+                <a:solidFill>
+                  <a:srgbClr val="CCCCCC"/>
+                </a:solidFill>
+                <a:effectLst/>
+                <a:latin typeface="Consolas" panose="020B0609020204030204" pitchFamily="49" charset="0"/>
+              </a:rPr>
+              <a:t>    </a:t>
+            </a:r>
+            <a:r>
+              <a:rPr lang="en-US" b="0" dirty="0">
+                <a:solidFill>
+                  <a:srgbClr val="C586C0"/>
+                </a:solidFill>
+                <a:effectLst/>
+                <a:latin typeface="Consolas" panose="020B0609020204030204" pitchFamily="49" charset="0"/>
+              </a:rPr>
+              <a:t>throw</a:t>
+            </a:r>
+            <a:r>
+              <a:rPr lang="en-US" b="0" dirty="0">
+                <a:solidFill>
+                  <a:srgbClr val="CCCCCC"/>
+                </a:solidFill>
+                <a:effectLst/>
+                <a:latin typeface="Consolas" panose="020B0609020204030204" pitchFamily="49" charset="0"/>
+              </a:rPr>
+              <a:t> </a:t>
+            </a:r>
+            <a:r>
+              <a:rPr lang="en-US" b="0" dirty="0">
+                <a:solidFill>
+                  <a:srgbClr val="569CD6"/>
+                </a:solidFill>
+                <a:effectLst/>
+                <a:latin typeface="Consolas" panose="020B0609020204030204" pitchFamily="49" charset="0"/>
+              </a:rPr>
+              <a:t>new</a:t>
+            </a:r>
+            <a:r>
+              <a:rPr lang="en-US" b="0" dirty="0">
+                <a:solidFill>
+                  <a:srgbClr val="CCCCCC"/>
+                </a:solidFill>
+                <a:effectLst/>
+                <a:latin typeface="Consolas" panose="020B0609020204030204" pitchFamily="49" charset="0"/>
+              </a:rPr>
+              <a:t> </a:t>
+            </a:r>
+            <a:r>
+              <a:rPr lang="en-US" b="0" dirty="0">
+                <a:solidFill>
+                  <a:srgbClr val="9CDCFE"/>
+                </a:solidFill>
+                <a:effectLst/>
+                <a:latin typeface="Consolas" panose="020B0609020204030204" pitchFamily="49" charset="0"/>
+              </a:rPr>
+              <a:t>Exception</a:t>
+            </a:r>
+            <a:r>
+              <a:rPr lang="en-US" b="0" dirty="0">
+                <a:solidFill>
+                  <a:srgbClr val="CCCCCC"/>
+                </a:solidFill>
+                <a:effectLst/>
+                <a:latin typeface="Consolas" panose="020B0609020204030204" pitchFamily="49" charset="0"/>
+              </a:rPr>
+              <a:t>(</a:t>
+            </a:r>
+            <a:r>
+              <a:rPr lang="en-US" b="0" dirty="0">
+                <a:solidFill>
+                  <a:srgbClr val="CE9178"/>
+                </a:solidFill>
+                <a:effectLst/>
+                <a:latin typeface="Consolas" panose="020B0609020204030204" pitchFamily="49" charset="0"/>
+              </a:rPr>
+              <a:t>"Boom!"</a:t>
+            </a:r>
+            <a:r>
+              <a:rPr lang="en-US" b="0" dirty="0">
+                <a:solidFill>
+                  <a:srgbClr val="CCCCCC"/>
+                </a:solidFill>
+                <a:effectLst/>
+                <a:latin typeface="Consolas" panose="020B0609020204030204" pitchFamily="49" charset="0"/>
+              </a:rPr>
+              <a:t>);}</a:t>
+            </a:r>
+          </a:p>
+          <a:p>
+            <a:pPr>
+              <a:lnSpc>
+                <a:spcPts val="1425"/>
+              </a:lnSpc>
+              <a:buNone/>
+            </a:pPr>
+            <a:endParaRPr lang="en-US" dirty="0">
+              <a:solidFill>
+                <a:srgbClr val="569CD6"/>
+              </a:solidFill>
+              <a:latin typeface="Consolas" panose="020B0609020204030204" pitchFamily="49" charset="0"/>
+            </a:endParaRPr>
+          </a:p>
+          <a:p>
+            <a:pPr>
+              <a:lnSpc>
+                <a:spcPts val="1425"/>
+              </a:lnSpc>
+              <a:buNone/>
+            </a:pPr>
+            <a:endParaRPr lang="en-US" dirty="0">
+              <a:solidFill>
+                <a:srgbClr val="569CD6"/>
+              </a:solidFill>
+              <a:latin typeface="Consolas" panose="020B0609020204030204" pitchFamily="49" charset="0"/>
+            </a:endParaRPr>
+          </a:p>
+          <a:p>
+            <a:pPr>
+              <a:lnSpc>
+                <a:spcPts val="1425"/>
+              </a:lnSpc>
+              <a:buNone/>
+            </a:pPr>
+            <a:r>
+              <a:rPr lang="en-US" b="0" dirty="0">
+                <a:solidFill>
+                  <a:srgbClr val="569CD6"/>
+                </a:solidFill>
+                <a:effectLst/>
+                <a:latin typeface="Consolas" panose="020B0609020204030204" pitchFamily="49" charset="0"/>
+              </a:rPr>
+              <a:t>public</a:t>
+            </a:r>
+            <a:r>
+              <a:rPr lang="en-US" b="0" dirty="0">
+                <a:solidFill>
+                  <a:srgbClr val="CCCCCC"/>
+                </a:solidFill>
+                <a:effectLst/>
+                <a:latin typeface="Consolas" panose="020B0609020204030204" pitchFamily="49" charset="0"/>
+              </a:rPr>
+              <a:t> </a:t>
+            </a:r>
+            <a:r>
+              <a:rPr lang="en-US" b="0" dirty="0">
+                <a:solidFill>
+                  <a:srgbClr val="569CD6"/>
+                </a:solidFill>
+                <a:effectLst/>
+                <a:latin typeface="Consolas" panose="020B0609020204030204" pitchFamily="49" charset="0"/>
+              </a:rPr>
+              <a:t>async</a:t>
+            </a:r>
+            <a:r>
+              <a:rPr lang="en-US" b="0" dirty="0">
+                <a:solidFill>
+                  <a:srgbClr val="CCCCCC"/>
+                </a:solidFill>
+                <a:effectLst/>
+                <a:latin typeface="Consolas" panose="020B0609020204030204" pitchFamily="49" charset="0"/>
+              </a:rPr>
+              <a:t> </a:t>
+            </a:r>
+            <a:r>
+              <a:rPr lang="en-US" b="0" dirty="0">
+                <a:solidFill>
+                  <a:srgbClr val="9CDCFE"/>
+                </a:solidFill>
+                <a:effectLst/>
+                <a:latin typeface="Consolas" panose="020B0609020204030204" pitchFamily="49" charset="0"/>
+              </a:rPr>
+              <a:t>Task</a:t>
+            </a:r>
+            <a:r>
+              <a:rPr lang="en-US" b="0" dirty="0">
+                <a:solidFill>
+                  <a:srgbClr val="CCCCCC"/>
+                </a:solidFill>
+                <a:effectLst/>
+                <a:latin typeface="Consolas" panose="020B0609020204030204" pitchFamily="49" charset="0"/>
+              </a:rPr>
+              <a:t> </a:t>
+            </a:r>
+            <a:r>
+              <a:rPr lang="en-US" b="0" dirty="0" err="1">
+                <a:solidFill>
+                  <a:srgbClr val="DCDCAA"/>
+                </a:solidFill>
+                <a:effectLst/>
+                <a:latin typeface="Consolas" panose="020B0609020204030204" pitchFamily="49" charset="0"/>
+              </a:rPr>
+              <a:t>DoWorkAsync</a:t>
+            </a:r>
+            <a:r>
+              <a:rPr lang="en-US" b="0" dirty="0">
+                <a:solidFill>
+                  <a:srgbClr val="CCCCCC"/>
+                </a:solidFill>
+                <a:effectLst/>
+                <a:latin typeface="Consolas" panose="020B0609020204030204" pitchFamily="49" charset="0"/>
+              </a:rPr>
+              <a:t>()</a:t>
+            </a:r>
+          </a:p>
+          <a:p>
+            <a:pPr>
+              <a:lnSpc>
+                <a:spcPts val="1425"/>
+              </a:lnSpc>
+              <a:buNone/>
+            </a:pPr>
+            <a:r>
+              <a:rPr lang="en-US" b="0" dirty="0">
+                <a:solidFill>
+                  <a:srgbClr val="CCCCCC"/>
+                </a:solidFill>
+                <a:effectLst/>
+                <a:latin typeface="Consolas" panose="020B0609020204030204" pitchFamily="49" charset="0"/>
+              </a:rPr>
+              <a:t>{</a:t>
+            </a:r>
+          </a:p>
+          <a:p>
+            <a:pPr>
+              <a:lnSpc>
+                <a:spcPts val="1425"/>
+              </a:lnSpc>
+              <a:buNone/>
+            </a:pPr>
+            <a:r>
+              <a:rPr lang="en-US" b="0" dirty="0">
+                <a:solidFill>
+                  <a:srgbClr val="CCCCCC"/>
+                </a:solidFill>
+                <a:effectLst/>
+                <a:latin typeface="Consolas" panose="020B0609020204030204" pitchFamily="49" charset="0"/>
+              </a:rPr>
+              <a:t>    </a:t>
+            </a:r>
+            <a:r>
+              <a:rPr lang="en-US" b="0" dirty="0">
+                <a:solidFill>
+                  <a:srgbClr val="C586C0"/>
+                </a:solidFill>
+                <a:effectLst/>
+                <a:latin typeface="Consolas" panose="020B0609020204030204" pitchFamily="49" charset="0"/>
+              </a:rPr>
+              <a:t>await</a:t>
+            </a:r>
+            <a:r>
+              <a:rPr lang="en-US" b="0" dirty="0">
+                <a:solidFill>
+                  <a:srgbClr val="CCCCCC"/>
+                </a:solidFill>
+                <a:effectLst/>
+                <a:latin typeface="Consolas" panose="020B0609020204030204" pitchFamily="49" charset="0"/>
+              </a:rPr>
+              <a:t> </a:t>
+            </a:r>
+            <a:r>
+              <a:rPr lang="en-US" b="0" dirty="0" err="1">
+                <a:solidFill>
+                  <a:srgbClr val="9CDCFE"/>
+                </a:solidFill>
+                <a:effectLst/>
+                <a:latin typeface="Consolas" panose="020B0609020204030204" pitchFamily="49" charset="0"/>
+              </a:rPr>
+              <a:t>Task</a:t>
+            </a:r>
+            <a:r>
+              <a:rPr lang="en-US" b="0" dirty="0" err="1">
+                <a:solidFill>
+                  <a:srgbClr val="D4D4D4"/>
+                </a:solidFill>
+                <a:effectLst/>
+                <a:latin typeface="Consolas" panose="020B0609020204030204" pitchFamily="49" charset="0"/>
+              </a:rPr>
+              <a:t>.</a:t>
+            </a:r>
+            <a:r>
+              <a:rPr lang="en-US" b="0" dirty="0" err="1">
+                <a:solidFill>
+                  <a:srgbClr val="9CDCFE"/>
+                </a:solidFill>
+                <a:effectLst/>
+                <a:latin typeface="Consolas" panose="020B0609020204030204" pitchFamily="49" charset="0"/>
+              </a:rPr>
+              <a:t>Delay</a:t>
+            </a:r>
+            <a:r>
+              <a:rPr lang="en-US" b="0" dirty="0">
+                <a:solidFill>
+                  <a:srgbClr val="CCCCCC"/>
+                </a:solidFill>
+                <a:effectLst/>
+                <a:latin typeface="Consolas" panose="020B0609020204030204" pitchFamily="49" charset="0"/>
+              </a:rPr>
+              <a:t>(</a:t>
+            </a:r>
+            <a:r>
+              <a:rPr lang="en-US" b="0" dirty="0">
+                <a:solidFill>
+                  <a:srgbClr val="B5CEA8"/>
+                </a:solidFill>
+                <a:effectLst/>
+                <a:latin typeface="Consolas" panose="020B0609020204030204" pitchFamily="49" charset="0"/>
+              </a:rPr>
+              <a:t>1000</a:t>
+            </a:r>
+            <a:r>
+              <a:rPr lang="en-US" b="0" dirty="0">
+                <a:solidFill>
+                  <a:srgbClr val="CCCCCC"/>
+                </a:solidFill>
+                <a:effectLst/>
+                <a:latin typeface="Consolas" panose="020B0609020204030204" pitchFamily="49" charset="0"/>
+              </a:rPr>
+              <a:t>);</a:t>
+            </a:r>
+          </a:p>
+          <a:p>
+            <a:pPr>
+              <a:lnSpc>
+                <a:spcPts val="1425"/>
+              </a:lnSpc>
+              <a:buNone/>
+            </a:pPr>
+            <a:r>
+              <a:rPr lang="en-US" b="0" dirty="0">
+                <a:solidFill>
+                  <a:srgbClr val="CCCCCC"/>
+                </a:solidFill>
+                <a:effectLst/>
+                <a:latin typeface="Consolas" panose="020B0609020204030204" pitchFamily="49" charset="0"/>
+              </a:rPr>
+              <a:t>    </a:t>
+            </a:r>
+            <a:r>
+              <a:rPr lang="en-US" b="0" dirty="0">
+                <a:solidFill>
+                  <a:srgbClr val="C586C0"/>
+                </a:solidFill>
+                <a:effectLst/>
+                <a:latin typeface="Consolas" panose="020B0609020204030204" pitchFamily="49" charset="0"/>
+              </a:rPr>
+              <a:t>throw</a:t>
+            </a:r>
+            <a:r>
+              <a:rPr lang="en-US" b="0" dirty="0">
+                <a:solidFill>
+                  <a:srgbClr val="CCCCCC"/>
+                </a:solidFill>
+                <a:effectLst/>
+                <a:latin typeface="Consolas" panose="020B0609020204030204" pitchFamily="49" charset="0"/>
+              </a:rPr>
+              <a:t> </a:t>
+            </a:r>
+            <a:r>
+              <a:rPr lang="en-US" b="0" dirty="0">
+                <a:solidFill>
+                  <a:srgbClr val="569CD6"/>
+                </a:solidFill>
+                <a:effectLst/>
+                <a:latin typeface="Consolas" panose="020B0609020204030204" pitchFamily="49" charset="0"/>
+              </a:rPr>
+              <a:t>new</a:t>
+            </a:r>
+            <a:r>
+              <a:rPr lang="en-US" b="0" dirty="0">
+                <a:solidFill>
+                  <a:srgbClr val="CCCCCC"/>
+                </a:solidFill>
+                <a:effectLst/>
+                <a:latin typeface="Consolas" panose="020B0609020204030204" pitchFamily="49" charset="0"/>
+              </a:rPr>
+              <a:t> </a:t>
+            </a:r>
+            <a:r>
+              <a:rPr lang="en-US" b="0" dirty="0">
+                <a:solidFill>
+                  <a:srgbClr val="9CDCFE"/>
+                </a:solidFill>
+                <a:effectLst/>
+                <a:latin typeface="Consolas" panose="020B0609020204030204" pitchFamily="49" charset="0"/>
+              </a:rPr>
+              <a:t>Exception</a:t>
+            </a:r>
+            <a:r>
+              <a:rPr lang="en-US" b="0" dirty="0">
+                <a:solidFill>
+                  <a:srgbClr val="CCCCCC"/>
+                </a:solidFill>
+                <a:effectLst/>
+                <a:latin typeface="Consolas" panose="020B0609020204030204" pitchFamily="49" charset="0"/>
+              </a:rPr>
+              <a:t>(</a:t>
+            </a:r>
+            <a:r>
+              <a:rPr lang="en-US" b="0" dirty="0">
+                <a:solidFill>
+                  <a:srgbClr val="CE9178"/>
+                </a:solidFill>
+                <a:effectLst/>
+                <a:latin typeface="Consolas" panose="020B0609020204030204" pitchFamily="49" charset="0"/>
+              </a:rPr>
+              <a:t>"Handled by caller with try/catch"</a:t>
+            </a:r>
+            <a:r>
+              <a:rPr lang="en-US" b="0" dirty="0">
+                <a:solidFill>
+                  <a:srgbClr val="CCCCCC"/>
+                </a:solidFill>
+                <a:effectLst/>
+                <a:latin typeface="Consolas" panose="020B0609020204030204" pitchFamily="49" charset="0"/>
+              </a:rPr>
+              <a:t>);</a:t>
+            </a:r>
+          </a:p>
+          <a:p>
+            <a:pPr>
+              <a:lnSpc>
+                <a:spcPts val="1425"/>
+              </a:lnSpc>
+              <a:buNone/>
+            </a:pPr>
+            <a:r>
+              <a:rPr lang="en-US" b="0" dirty="0">
+                <a:solidFill>
+                  <a:srgbClr val="CCCCCC"/>
+                </a:solidFill>
+                <a:effectLst/>
+                <a:latin typeface="Consolas" panose="020B0609020204030204" pitchFamily="49" charset="0"/>
+              </a:rPr>
+              <a:t>}</a:t>
+            </a:r>
+          </a:p>
+          <a:p>
+            <a:pPr>
+              <a:lnSpc>
+                <a:spcPts val="1425"/>
+              </a:lnSpc>
+              <a:buNone/>
+            </a:pPr>
+            <a:endParaRPr lang="en-US" b="0" dirty="0">
+              <a:solidFill>
+                <a:srgbClr val="CCCCCC"/>
+              </a:solidFill>
+              <a:effectLst/>
+              <a:latin typeface="Consolas" panose="020B0609020204030204" pitchFamily="49" charset="0"/>
+            </a:endParaRPr>
+          </a:p>
+          <a:p>
+            <a:pPr>
+              <a:lnSpc>
+                <a:spcPts val="1425"/>
+              </a:lnSpc>
+              <a:buNone/>
+            </a:pPr>
+            <a:endParaRPr lang="en-US" b="0" dirty="0">
+              <a:solidFill>
+                <a:srgbClr val="9CDCFE"/>
+              </a:solidFill>
+              <a:effectLst/>
+              <a:latin typeface="Consolas" panose="020B0609020204030204" pitchFamily="49" charset="0"/>
+            </a:endParaRPr>
+          </a:p>
+          <a:p>
+            <a:pPr>
+              <a:lnSpc>
+                <a:spcPts val="1425"/>
+              </a:lnSpc>
+              <a:buNone/>
+            </a:pPr>
+            <a:r>
+              <a:rPr lang="en-US" b="0" dirty="0">
+                <a:solidFill>
+                  <a:srgbClr val="9CDCFE"/>
+                </a:solidFill>
+                <a:effectLst/>
+                <a:latin typeface="Consolas" panose="020B0609020204030204" pitchFamily="49" charset="0"/>
+              </a:rPr>
+              <a:t>Action</a:t>
+            </a:r>
+            <a:r>
+              <a:rPr lang="en-US" b="0" dirty="0">
+                <a:solidFill>
+                  <a:srgbClr val="CCCCCC"/>
+                </a:solidFill>
+                <a:effectLst/>
+                <a:latin typeface="Consolas" panose="020B0609020204030204" pitchFamily="49" charset="0"/>
+              </a:rPr>
+              <a:t> </a:t>
+            </a:r>
+            <a:r>
+              <a:rPr lang="en-US" b="0" dirty="0">
+                <a:solidFill>
+                  <a:srgbClr val="9CDCFE"/>
+                </a:solidFill>
+                <a:effectLst/>
+                <a:latin typeface="Consolas" panose="020B0609020204030204" pitchFamily="49" charset="0"/>
+              </a:rPr>
+              <a:t>a</a:t>
+            </a:r>
+            <a:r>
+              <a:rPr lang="en-US" b="0" dirty="0">
+                <a:solidFill>
+                  <a:srgbClr val="CCCCCC"/>
+                </a:solidFill>
+                <a:effectLst/>
+                <a:latin typeface="Consolas" panose="020B0609020204030204" pitchFamily="49" charset="0"/>
+              </a:rPr>
+              <a:t> </a:t>
+            </a:r>
+            <a:r>
+              <a:rPr lang="en-US" b="0" dirty="0">
+                <a:solidFill>
+                  <a:srgbClr val="D4D4D4"/>
+                </a:solidFill>
+                <a:effectLst/>
+                <a:latin typeface="Consolas" panose="020B0609020204030204" pitchFamily="49" charset="0"/>
+              </a:rPr>
+              <a:t>=</a:t>
+            </a:r>
+            <a:r>
+              <a:rPr lang="en-US" b="0" dirty="0">
+                <a:solidFill>
+                  <a:srgbClr val="CCCCCC"/>
+                </a:solidFill>
+                <a:effectLst/>
+                <a:latin typeface="Consolas" panose="020B0609020204030204" pitchFamily="49" charset="0"/>
+              </a:rPr>
+              <a:t> </a:t>
+            </a:r>
+            <a:r>
+              <a:rPr lang="en-US" b="0" dirty="0">
+                <a:solidFill>
+                  <a:srgbClr val="569CD6"/>
+                </a:solidFill>
+                <a:effectLst/>
+                <a:latin typeface="Consolas" panose="020B0609020204030204" pitchFamily="49" charset="0"/>
+              </a:rPr>
+              <a:t>async</a:t>
+            </a:r>
+            <a:r>
+              <a:rPr lang="en-US" b="0" dirty="0">
+                <a:solidFill>
+                  <a:srgbClr val="CCCCCC"/>
+                </a:solidFill>
+                <a:effectLst/>
+                <a:latin typeface="Consolas" panose="020B0609020204030204" pitchFamily="49" charset="0"/>
+              </a:rPr>
+              <a:t> () </a:t>
+            </a:r>
+            <a:r>
+              <a:rPr lang="en-US" b="0" dirty="0">
+                <a:solidFill>
+                  <a:srgbClr val="D4D4D4"/>
+                </a:solidFill>
+                <a:effectLst/>
+                <a:latin typeface="Consolas" panose="020B0609020204030204" pitchFamily="49" charset="0"/>
+              </a:rPr>
+              <a:t>=&gt;</a:t>
+            </a:r>
+            <a:r>
+              <a:rPr lang="en-US" b="0" dirty="0">
+                <a:solidFill>
+                  <a:srgbClr val="CCCCCC"/>
+                </a:solidFill>
+                <a:effectLst/>
+                <a:latin typeface="Consolas" panose="020B0609020204030204" pitchFamily="49" charset="0"/>
+              </a:rPr>
+              <a:t> </a:t>
+            </a:r>
+            <a:r>
+              <a:rPr lang="en-US" b="0" dirty="0">
+                <a:solidFill>
+                  <a:srgbClr val="C586C0"/>
+                </a:solidFill>
+                <a:effectLst/>
+                <a:latin typeface="Consolas" panose="020B0609020204030204" pitchFamily="49" charset="0"/>
+              </a:rPr>
+              <a:t>await</a:t>
+            </a:r>
+            <a:r>
+              <a:rPr lang="en-US" b="0" dirty="0">
+                <a:solidFill>
+                  <a:srgbClr val="CCCCCC"/>
+                </a:solidFill>
+                <a:effectLst/>
+                <a:latin typeface="Consolas" panose="020B0609020204030204" pitchFamily="49" charset="0"/>
+              </a:rPr>
+              <a:t> </a:t>
+            </a:r>
+            <a:r>
+              <a:rPr lang="en-US" b="0" dirty="0" err="1">
+                <a:solidFill>
+                  <a:srgbClr val="9CDCFE"/>
+                </a:solidFill>
+                <a:effectLst/>
+                <a:latin typeface="Consolas" panose="020B0609020204030204" pitchFamily="49" charset="0"/>
+              </a:rPr>
+              <a:t>Task</a:t>
+            </a:r>
+            <a:r>
+              <a:rPr lang="en-US" b="0" dirty="0" err="1">
+                <a:solidFill>
+                  <a:srgbClr val="D4D4D4"/>
+                </a:solidFill>
+                <a:effectLst/>
+                <a:latin typeface="Consolas" panose="020B0609020204030204" pitchFamily="49" charset="0"/>
+              </a:rPr>
+              <a:t>.</a:t>
+            </a:r>
+            <a:r>
+              <a:rPr lang="en-US" b="0" dirty="0" err="1">
+                <a:solidFill>
+                  <a:srgbClr val="9CDCFE"/>
+                </a:solidFill>
+                <a:effectLst/>
+                <a:latin typeface="Consolas" panose="020B0609020204030204" pitchFamily="49" charset="0"/>
+              </a:rPr>
+              <a:t>Delay</a:t>
+            </a:r>
+            <a:r>
+              <a:rPr lang="en-US" b="0" dirty="0">
+                <a:solidFill>
+                  <a:srgbClr val="CCCCCC"/>
+                </a:solidFill>
+                <a:effectLst/>
+                <a:latin typeface="Consolas" panose="020B0609020204030204" pitchFamily="49" charset="0"/>
+              </a:rPr>
+              <a:t>(</a:t>
+            </a:r>
+            <a:r>
+              <a:rPr lang="en-US" b="0" dirty="0">
+                <a:solidFill>
+                  <a:srgbClr val="B5CEA8"/>
+                </a:solidFill>
+                <a:effectLst/>
+                <a:latin typeface="Consolas" panose="020B0609020204030204" pitchFamily="49" charset="0"/>
+              </a:rPr>
+              <a:t>1000</a:t>
+            </a:r>
+            <a:r>
+              <a:rPr lang="en-US" b="0" dirty="0">
+                <a:solidFill>
+                  <a:srgbClr val="CCCCCC"/>
+                </a:solidFill>
+                <a:effectLst/>
+                <a:latin typeface="Consolas" panose="020B0609020204030204" pitchFamily="49" charset="0"/>
+              </a:rPr>
+              <a:t>); </a:t>
+            </a:r>
+          </a:p>
+          <a:p>
+            <a:pPr>
+              <a:lnSpc>
+                <a:spcPts val="1425"/>
+              </a:lnSpc>
+              <a:buNone/>
+            </a:pPr>
+            <a:endParaRPr lang="en-US" dirty="0">
+              <a:solidFill>
+                <a:srgbClr val="9CDCFE"/>
+              </a:solidFill>
+              <a:latin typeface="Consolas" panose="020B0609020204030204" pitchFamily="49" charset="0"/>
+            </a:endParaRPr>
+          </a:p>
+          <a:p>
+            <a:pPr>
+              <a:lnSpc>
+                <a:spcPts val="1425"/>
+              </a:lnSpc>
+              <a:buNone/>
+            </a:pPr>
+            <a:endParaRPr lang="en-US" b="0" dirty="0">
+              <a:solidFill>
+                <a:srgbClr val="9CDCFE"/>
+              </a:solidFill>
+              <a:effectLst/>
+              <a:latin typeface="Consolas" panose="020B0609020204030204" pitchFamily="49" charset="0"/>
+            </a:endParaRPr>
+          </a:p>
+          <a:p>
+            <a:pPr>
+              <a:lnSpc>
+                <a:spcPts val="1425"/>
+              </a:lnSpc>
+              <a:buNone/>
+            </a:pPr>
+            <a:r>
+              <a:rPr lang="en-US" b="0" dirty="0">
+                <a:solidFill>
+                  <a:srgbClr val="9CDCFE"/>
+                </a:solidFill>
+                <a:effectLst/>
+                <a:latin typeface="Consolas" panose="020B0609020204030204" pitchFamily="49" charset="0"/>
+              </a:rPr>
+              <a:t>Func</a:t>
+            </a:r>
+            <a:r>
+              <a:rPr lang="en-US" b="0" dirty="0">
+                <a:solidFill>
+                  <a:srgbClr val="CCCCCC"/>
+                </a:solidFill>
+                <a:effectLst/>
+                <a:latin typeface="Consolas" panose="020B0609020204030204" pitchFamily="49" charset="0"/>
+              </a:rPr>
+              <a:t>&lt;</a:t>
+            </a:r>
+            <a:r>
+              <a:rPr lang="en-US" b="0" dirty="0">
+                <a:solidFill>
+                  <a:srgbClr val="9CDCFE"/>
+                </a:solidFill>
+                <a:effectLst/>
+                <a:latin typeface="Consolas" panose="020B0609020204030204" pitchFamily="49" charset="0"/>
+              </a:rPr>
+              <a:t>Task</a:t>
+            </a:r>
+            <a:r>
+              <a:rPr lang="en-US" b="0" dirty="0">
+                <a:solidFill>
+                  <a:srgbClr val="CCCCCC"/>
+                </a:solidFill>
+                <a:effectLst/>
+                <a:latin typeface="Consolas" panose="020B0609020204030204" pitchFamily="49" charset="0"/>
+              </a:rPr>
+              <a:t>&gt; </a:t>
+            </a:r>
+            <a:r>
+              <a:rPr lang="en-US" b="0" dirty="0">
+                <a:solidFill>
+                  <a:srgbClr val="9CDCFE"/>
+                </a:solidFill>
+                <a:effectLst/>
+                <a:latin typeface="Consolas" panose="020B0609020204030204" pitchFamily="49" charset="0"/>
+              </a:rPr>
+              <a:t>a</a:t>
+            </a:r>
+            <a:r>
+              <a:rPr lang="en-US" b="0" dirty="0">
+                <a:solidFill>
+                  <a:srgbClr val="CCCCCC"/>
+                </a:solidFill>
+                <a:effectLst/>
+                <a:latin typeface="Consolas" panose="020B0609020204030204" pitchFamily="49" charset="0"/>
+              </a:rPr>
+              <a:t> </a:t>
+            </a:r>
+            <a:r>
+              <a:rPr lang="en-US" b="0" dirty="0">
+                <a:solidFill>
+                  <a:srgbClr val="D4D4D4"/>
+                </a:solidFill>
+                <a:effectLst/>
+                <a:latin typeface="Consolas" panose="020B0609020204030204" pitchFamily="49" charset="0"/>
+              </a:rPr>
+              <a:t>=</a:t>
+            </a:r>
+            <a:r>
+              <a:rPr lang="en-US" b="0" dirty="0">
+                <a:solidFill>
+                  <a:srgbClr val="CCCCCC"/>
+                </a:solidFill>
+                <a:effectLst/>
+                <a:latin typeface="Consolas" panose="020B0609020204030204" pitchFamily="49" charset="0"/>
+              </a:rPr>
+              <a:t> </a:t>
+            </a:r>
+            <a:r>
+              <a:rPr lang="en-US" b="0" dirty="0">
+                <a:solidFill>
+                  <a:srgbClr val="569CD6"/>
+                </a:solidFill>
+                <a:effectLst/>
+                <a:latin typeface="Consolas" panose="020B0609020204030204" pitchFamily="49" charset="0"/>
+              </a:rPr>
+              <a:t>async</a:t>
+            </a:r>
+            <a:r>
+              <a:rPr lang="en-US" b="0" dirty="0">
+                <a:solidFill>
+                  <a:srgbClr val="CCCCCC"/>
+                </a:solidFill>
+                <a:effectLst/>
+                <a:latin typeface="Consolas" panose="020B0609020204030204" pitchFamily="49" charset="0"/>
+              </a:rPr>
+              <a:t> () </a:t>
+            </a:r>
+            <a:r>
+              <a:rPr lang="en-US" b="0" dirty="0">
+                <a:solidFill>
+                  <a:srgbClr val="D4D4D4"/>
+                </a:solidFill>
+                <a:effectLst/>
+                <a:latin typeface="Consolas" panose="020B0609020204030204" pitchFamily="49" charset="0"/>
+              </a:rPr>
+              <a:t>=&gt;</a:t>
+            </a:r>
+            <a:r>
+              <a:rPr lang="en-US" b="0" dirty="0">
+                <a:solidFill>
+                  <a:srgbClr val="CCCCCC"/>
+                </a:solidFill>
+                <a:effectLst/>
+                <a:latin typeface="Consolas" panose="020B0609020204030204" pitchFamily="49" charset="0"/>
+              </a:rPr>
+              <a:t> </a:t>
+            </a:r>
+            <a:r>
+              <a:rPr lang="en-US" b="0" dirty="0">
+                <a:solidFill>
+                  <a:srgbClr val="C586C0"/>
+                </a:solidFill>
+                <a:effectLst/>
+                <a:latin typeface="Consolas" panose="020B0609020204030204" pitchFamily="49" charset="0"/>
+              </a:rPr>
+              <a:t>await</a:t>
+            </a:r>
+            <a:r>
+              <a:rPr lang="en-US" b="0" dirty="0">
+                <a:solidFill>
+                  <a:srgbClr val="CCCCCC"/>
+                </a:solidFill>
+                <a:effectLst/>
+                <a:latin typeface="Consolas" panose="020B0609020204030204" pitchFamily="49" charset="0"/>
+              </a:rPr>
+              <a:t> </a:t>
+            </a:r>
+            <a:r>
+              <a:rPr lang="en-US" b="0" dirty="0" err="1">
+                <a:solidFill>
+                  <a:srgbClr val="9CDCFE"/>
+                </a:solidFill>
+                <a:effectLst/>
+                <a:latin typeface="Consolas" panose="020B0609020204030204" pitchFamily="49" charset="0"/>
+              </a:rPr>
+              <a:t>Task</a:t>
+            </a:r>
+            <a:r>
+              <a:rPr lang="en-US" b="0" dirty="0" err="1">
+                <a:solidFill>
+                  <a:srgbClr val="D4D4D4"/>
+                </a:solidFill>
+                <a:effectLst/>
+                <a:latin typeface="Consolas" panose="020B0609020204030204" pitchFamily="49" charset="0"/>
+              </a:rPr>
+              <a:t>.</a:t>
+            </a:r>
+            <a:r>
+              <a:rPr lang="en-US" b="0" dirty="0" err="1">
+                <a:solidFill>
+                  <a:srgbClr val="9CDCFE"/>
+                </a:solidFill>
+                <a:effectLst/>
+                <a:latin typeface="Consolas" panose="020B0609020204030204" pitchFamily="49" charset="0"/>
+              </a:rPr>
+              <a:t>Delay</a:t>
+            </a:r>
+            <a:r>
+              <a:rPr lang="en-US" b="0" dirty="0">
+                <a:solidFill>
+                  <a:srgbClr val="CCCCCC"/>
+                </a:solidFill>
+                <a:effectLst/>
+                <a:latin typeface="Consolas" panose="020B0609020204030204" pitchFamily="49" charset="0"/>
+              </a:rPr>
+              <a:t>(</a:t>
+            </a:r>
+            <a:r>
+              <a:rPr lang="en-US" b="0" dirty="0">
+                <a:solidFill>
+                  <a:srgbClr val="B5CEA8"/>
+                </a:solidFill>
+                <a:effectLst/>
+                <a:latin typeface="Consolas" panose="020B0609020204030204" pitchFamily="49" charset="0"/>
+              </a:rPr>
+              <a:t>1000</a:t>
+            </a:r>
+            <a:r>
+              <a:rPr lang="en-US" b="0" dirty="0">
+                <a:solidFill>
+                  <a:srgbClr val="CCCCCC"/>
+                </a:solidFill>
+                <a:effectLst/>
+                <a:latin typeface="Consolas" panose="020B0609020204030204" pitchFamily="49" charset="0"/>
+              </a:rPr>
+              <a:t>);</a:t>
+            </a:r>
+          </a:p>
+          <a:p>
+            <a:pPr>
+              <a:lnSpc>
+                <a:spcPts val="1425"/>
+              </a:lnSpc>
+              <a:buNone/>
+            </a:pPr>
+            <a:br>
+              <a:rPr lang="en-US" b="0" dirty="0">
+                <a:solidFill>
+                  <a:srgbClr val="CCCCCC"/>
+                </a:solidFill>
+                <a:effectLst/>
+                <a:latin typeface="Consolas" panose="020B0609020204030204" pitchFamily="49" charset="0"/>
+              </a:rPr>
+            </a:br>
+            <a:endParaRPr lang="en-US" b="0" dirty="0">
+              <a:solidFill>
+                <a:srgbClr val="CCCCCC"/>
+              </a:solidFill>
+              <a:effectLst/>
+              <a:latin typeface="Consolas" panose="020B0609020204030204" pitchFamily="49" charset="0"/>
+            </a:endParaRPr>
+          </a:p>
+          <a:p>
+            <a:endParaRPr lang="en-US" dirty="0"/>
           </a:p>
         </p:txBody>
       </p:sp>
     </p:spTree>
     <p:extLst>
       <p:ext uri="{BB962C8B-B14F-4D97-AF65-F5344CB8AC3E}">
-        <p14:creationId xmlns:p14="http://schemas.microsoft.com/office/powerpoint/2010/main" val="2004291141"/>
+        <p14:creationId xmlns:p14="http://schemas.microsoft.com/office/powerpoint/2010/main" val="3524843108"/>
       </p:ext>
     </p:extLst>
   </p:cSld>
@@ -5452,7 +7858,7 @@
           <p:cNvPr id="2" name="Title 1">
             <a:extLst>
               <a:ext uri="{FF2B5EF4-FFF2-40B4-BE49-F238E27FC236}">
-                <a16:creationId xmlns:a16="http://schemas.microsoft.com/office/drawing/2014/main" id="{A46CC479-A5DF-3310-278E-EB5750668934}"/>
+                <a16:creationId xmlns:a16="http://schemas.microsoft.com/office/drawing/2014/main" id="{1ABEE9A0-793B-906D-08FF-DEC29168CB42}"/>
               </a:ext>
             </a:extLst>
           </p:cNvPr>
@@ -5468,7 +7874,10 @@
           <a:bodyPr/>
           <a:lstStyle/>
           <a:p>
-            <a:endParaRPr lang="en-US"/>
+            <a:r>
+              <a:rPr lang="en-US" dirty="0"/>
+              <a:t>Decision flow</a:t>
+            </a:r>
           </a:p>
         </p:txBody>
       </p:sp>
@@ -5477,7 +7886,7 @@
           <p:cNvPr id="3" name="Content Placeholder 2">
             <a:extLst>
               <a:ext uri="{FF2B5EF4-FFF2-40B4-BE49-F238E27FC236}">
-                <a16:creationId xmlns:a16="http://schemas.microsoft.com/office/drawing/2014/main" id="{B68F9227-C404-12C5-E0DB-3684CC5EFA4C}"/>
+                <a16:creationId xmlns:a16="http://schemas.microsoft.com/office/drawing/2014/main" id="{D28A5F11-F2E7-DDB5-BBD0-03DDA548E079}"/>
               </a:ext>
             </a:extLst>
           </p:cNvPr>
@@ -5495,26 +7904,70 @@
           <a:p>
             <a:r>
               <a:rPr lang="en-US" dirty="0"/>
-              <a:t>For async lambdas assigned to void delegates:</a:t>
+              <a:t>For methods and local functions:</a:t>
             </a:r>
           </a:p>
           <a:p>
             <a:pPr lvl="1"/>
             <a:r>
               <a:rPr lang="en-US" dirty="0"/>
-              <a:t>Look at </a:t>
+              <a:t>Check async modifier and void return type.</a:t>
+            </a:r>
+          </a:p>
+          <a:p>
+            <a:pPr lvl="1"/>
+            <a:r>
+              <a:rPr lang="en-US" dirty="0"/>
+              <a:t>Get </a:t>
             </a:r>
             <a:r>
               <a:rPr lang="en-US" dirty="0" err="1"/>
-              <a:t>IConversionOperation</a:t>
-            </a:r>
-            <a:r>
-              <a:rPr lang="en-US" dirty="0"/>
-              <a:t> and </a:t>
+              <a:t>IMethodSymbol</a:t>
+            </a:r>
+            <a:r>
+              <a:rPr lang="en-US" dirty="0"/>
+              <a:t>. </a:t>
+            </a:r>
+          </a:p>
+          <a:p>
+            <a:pPr lvl="1"/>
+            <a:r>
+              <a:rPr lang="en-US" dirty="0"/>
+              <a:t>Skip anything that is not a normal method (constructors, operators).</a:t>
+            </a:r>
+          </a:p>
+          <a:p>
+            <a:pPr lvl="1"/>
+            <a:r>
+              <a:rPr lang="en-US" dirty="0"/>
+              <a:t>Skip overrides and explicit interface implementations since signature is fixed by a contract.</a:t>
+            </a:r>
+          </a:p>
+          <a:p>
+            <a:pPr lvl="1"/>
+            <a:r>
+              <a:rPr lang="en-US" dirty="0"/>
+              <a:t>Skip things that look like event handlers: (object sender, </a:t>
             </a:r>
             <a:r>
               <a:rPr lang="en-US" dirty="0" err="1"/>
-              <a:t>IDelegateCreationOperation</a:t>
+              <a:t>EventArgs</a:t>
+            </a:r>
+            <a:r>
+              <a:rPr lang="en-US" dirty="0"/>
+              <a:t> </a:t>
+            </a:r>
+            <a:r>
+              <a:rPr lang="en-US" dirty="0" err="1"/>
+              <a:t>args</a:t>
+            </a:r>
+            <a:r>
+              <a:rPr lang="en-US" dirty="0"/>
+              <a:t>) or derived </a:t>
+            </a:r>
+            <a:r>
+              <a:rPr lang="en-US" dirty="0" err="1"/>
+              <a:t>EventArgs</a:t>
             </a:r>
             <a:r>
               <a:rPr lang="en-US" dirty="0"/>
@@ -5525,21 +7978,7 @@
             <a:pPr lvl="1"/>
             <a:r>
               <a:rPr lang="en-US" dirty="0"/>
-              <a:t>If the target delegate returns void and the lambda syntax has async, this is an async void lambda.</a:t>
-            </a:r>
-          </a:p>
-          <a:p>
-            <a:pPr lvl="1"/>
-            <a:r>
-              <a:rPr lang="en-US" dirty="0"/>
-              <a:t>Skip delegates that match the event handler pattern.</a:t>
-            </a:r>
-          </a:p>
-          <a:p>
-            <a:pPr lvl="1"/>
-            <a:r>
-              <a:rPr lang="en-US" dirty="0"/>
-              <a:t>Report at the lambda location with the same recommendation.</a:t>
+              <a:t>Report at the void keyword with a message that recommends Task or Task&lt;T&gt; and attach a Suggestion property.</a:t>
             </a:r>
           </a:p>
         </p:txBody>
@@ -5547,7 +7986,7 @@
     </p:spTree>
     <p:extLst>
       <p:ext uri="{BB962C8B-B14F-4D97-AF65-F5344CB8AC3E}">
-        <p14:creationId xmlns:p14="http://schemas.microsoft.com/office/powerpoint/2010/main" val="3686007156"/>
+        <p14:creationId xmlns:p14="http://schemas.microsoft.com/office/powerpoint/2010/main" val="2004291141"/>
       </p:ext>
     </p:extLst>
   </p:cSld>
@@ -5579,7 +8018,7 @@
           <p:cNvPr id="2" name="Title 1">
             <a:extLst>
               <a:ext uri="{FF2B5EF4-FFF2-40B4-BE49-F238E27FC236}">
-                <a16:creationId xmlns:a16="http://schemas.microsoft.com/office/drawing/2014/main" id="{16CD57C0-BDFF-AEA2-40E5-5F671454B228}"/>
+                <a16:creationId xmlns:a16="http://schemas.microsoft.com/office/drawing/2014/main" id="{A46CC479-A5DF-3310-278E-EB5750668934}"/>
               </a:ext>
             </a:extLst>
           </p:cNvPr>
@@ -5595,10 +8034,7 @@
           <a:bodyPr/>
           <a:lstStyle/>
           <a:p>
-            <a:r>
-              <a:rPr lang="en-US" dirty="0"/>
-              <a:t>MNA0004 Weak variable names</a:t>
-            </a:r>
+            <a:endParaRPr lang="en-US"/>
           </a:p>
         </p:txBody>
       </p:sp>
@@ -5607,7 +8043,7 @@
           <p:cNvPr id="3" name="Content Placeholder 2">
             <a:extLst>
               <a:ext uri="{FF2B5EF4-FFF2-40B4-BE49-F238E27FC236}">
-                <a16:creationId xmlns:a16="http://schemas.microsoft.com/office/drawing/2014/main" id="{87951CDA-93CD-83DA-19DF-9F8272A77CA7}"/>
+                <a16:creationId xmlns:a16="http://schemas.microsoft.com/office/drawing/2014/main" id="{B68F9227-C404-12C5-E0DB-3684CC5EFA4C}"/>
               </a:ext>
             </a:extLst>
           </p:cNvPr>
@@ -5620,153 +8056,64 @@
         </p:nvSpPr>
         <p:spPr/>
         <p:txBody>
-          <a:bodyPr>
-            <a:normAutofit fontScale="92500" lnSpcReduction="20000"/>
-          </a:bodyPr>
+          <a:bodyPr/>
           <a:lstStyle/>
           <a:p>
             <a:r>
               <a:rPr lang="en-US" dirty="0"/>
-              <a:t>Goal </a:t>
+              <a:t>For async lambdas assigned to void delegates:</a:t>
             </a:r>
           </a:p>
           <a:p>
             <a:pPr lvl="1"/>
             <a:r>
               <a:rPr lang="en-US" dirty="0"/>
-              <a:t>Help readability by discouraging names that are too short or too generic.</a:t>
-            </a:r>
-          </a:p>
-          <a:p>
-            <a:r>
-              <a:rPr lang="en-US" dirty="0"/>
-              <a:t>Key registrations:</a:t>
+              <a:t>Look at </a:t>
+            </a:r>
+            <a:r>
+              <a:rPr lang="en-US" dirty="0" err="1"/>
+              <a:t>IConversionOperation</a:t>
+            </a:r>
+            <a:r>
+              <a:rPr lang="en-US" dirty="0"/>
+              <a:t> and </a:t>
+            </a:r>
+            <a:r>
+              <a:rPr lang="en-US" dirty="0" err="1"/>
+              <a:t>IDelegateCreationOperation</a:t>
+            </a:r>
+            <a:r>
+              <a:rPr lang="en-US" dirty="0"/>
+              <a:t>.</a:t>
             </a:r>
           </a:p>
           <a:p>
             <a:pPr lvl="1"/>
             <a:r>
-              <a:rPr lang="en-US" dirty="0" err="1"/>
-              <a:t>RegisterCompilationStartAction</a:t>
-            </a:r>
-            <a:r>
-              <a:rPr lang="en-US" dirty="0"/>
-              <a:t> to resolve and cache well known types once, for example </a:t>
-            </a:r>
-            <a:r>
-              <a:rPr lang="en-US" dirty="0" err="1"/>
-              <a:t>IEnumerable</a:t>
-            </a:r>
-            <a:r>
-              <a:rPr lang="en-US" dirty="0"/>
-              <a:t>&lt;T&gt; and </a:t>
-            </a:r>
-            <a:r>
-              <a:rPr lang="en-US" dirty="0" err="1"/>
-              <a:t>EventArgs</a:t>
-            </a:r>
-            <a:r>
-              <a:rPr lang="en-US" dirty="0"/>
-              <a:t>.</a:t>
+              <a:rPr lang="en-US" dirty="0"/>
+              <a:t>If the target delegate returns void and the lambda syntax has async, this is an async void lambda.</a:t>
             </a:r>
           </a:p>
           <a:p>
             <a:pPr lvl="1"/>
             <a:r>
               <a:rPr lang="en-US" dirty="0"/>
-              <a:t>Within that start action:</a:t>
-            </a:r>
-          </a:p>
-          <a:p>
-            <a:pPr lvl="2"/>
-            <a:r>
-              <a:rPr lang="en-US" dirty="0" err="1"/>
-              <a:t>RegisterSyntaxNodeAction</a:t>
-            </a:r>
-            <a:r>
-              <a:rPr lang="en-US" dirty="0"/>
-              <a:t> for </a:t>
-            </a:r>
-            <a:r>
-              <a:rPr lang="en-US" dirty="0" err="1"/>
-              <a:t>VariableDeclarator</a:t>
-            </a:r>
-            <a:r>
-              <a:rPr lang="en-US" dirty="0"/>
-              <a:t> to catch locals and fields.</a:t>
-            </a:r>
-          </a:p>
-          <a:p>
-            <a:pPr lvl="2"/>
-            <a:r>
-              <a:rPr lang="en-US" dirty="0" err="1"/>
-              <a:t>RegisterSymbolAction</a:t>
-            </a:r>
-            <a:r>
-              <a:rPr lang="en-US" dirty="0"/>
-              <a:t> for parameters.</a:t>
-            </a:r>
-          </a:p>
-          <a:p>
-            <a:pPr lvl="2"/>
-            <a:r>
-              <a:rPr lang="en-US" dirty="0" err="1"/>
-              <a:t>RegisterSyntaxNodeAction</a:t>
-            </a:r>
-            <a:r>
-              <a:rPr lang="en-US" dirty="0"/>
-              <a:t> for </a:t>
-            </a:r>
-            <a:r>
-              <a:rPr lang="en-US" dirty="0" err="1"/>
-              <a:t>SingleVariableDesignation</a:t>
-            </a:r>
-            <a:r>
-              <a:rPr lang="en-US" dirty="0"/>
-              <a:t> to catch foreach (var x in ...).</a:t>
-            </a:r>
-          </a:p>
-          <a:p>
-            <a:r>
-              <a:rPr lang="en-US" dirty="0"/>
-              <a:t>Scope covered:</a:t>
+              <a:t>Skip delegates that match the event handler pattern.</a:t>
             </a:r>
           </a:p>
           <a:p>
             <a:pPr lvl="1"/>
             <a:r>
               <a:rPr lang="en-US" dirty="0"/>
-              <a:t>Locals and fields (fields only when not const).</a:t>
-            </a:r>
-          </a:p>
-          <a:p>
-            <a:pPr lvl="1"/>
-            <a:r>
-              <a:rPr lang="en-US" dirty="0"/>
-              <a:t>Parameters.</a:t>
-            </a:r>
-          </a:p>
-          <a:p>
-            <a:pPr lvl="1"/>
-            <a:r>
-              <a:rPr lang="en-US" dirty="0"/>
-              <a:t>Foreach variable designations (configurable).</a:t>
-            </a:r>
-          </a:p>
-          <a:p>
-            <a:pPr lvl="1"/>
-            <a:endParaRPr lang="en-US" dirty="0"/>
-          </a:p>
-          <a:p>
-            <a:pPr lvl="1"/>
-            <a:endParaRPr lang="en-US" dirty="0"/>
+              <a:t>Report at the lambda location with the same recommendation.</a:t>
+            </a:r>
           </a:p>
         </p:txBody>
       </p:sp>
     </p:spTree>
     <p:extLst>
       <p:ext uri="{BB962C8B-B14F-4D97-AF65-F5344CB8AC3E}">
-        <p14:creationId xmlns:p14="http://schemas.microsoft.com/office/powerpoint/2010/main" val="2001230619"/>
+        <p14:creationId xmlns:p14="http://schemas.microsoft.com/office/powerpoint/2010/main" val="3686007156"/>
       </p:ext>
     </p:extLst>
   </p:cSld>
@@ -5795,10 +8142,38 @@
       </p:grpSpPr>
       <p:sp>
         <p:nvSpPr>
+          <p:cNvPr id="2" name="Title 1">
+            <a:extLst>
+              <a:ext uri="{FF2B5EF4-FFF2-40B4-BE49-F238E27FC236}">
+                <a16:creationId xmlns:a16="http://schemas.microsoft.com/office/drawing/2014/main" id="{16CD57C0-BDFF-AEA2-40E5-5F671454B228}"/>
+              </a:ext>
+            </a:extLst>
+          </p:cNvPr>
+          <p:cNvSpPr>
+            <a:spLocks noGrp="1"/>
+          </p:cNvSpPr>
+          <p:nvPr>
+            <p:ph type="title"/>
+          </p:nvPr>
+        </p:nvSpPr>
+        <p:spPr/>
+        <p:txBody>
+          <a:bodyPr/>
+          <a:lstStyle/>
+          <a:p>
+            <a:r>
+              <a:rPr lang="en-US" dirty="0"/>
+              <a:t>MNA0004 Weak variable names</a:t>
+            </a:r>
+          </a:p>
+        </p:txBody>
+      </p:sp>
+      <p:sp>
+        <p:nvSpPr>
           <p:cNvPr id="3" name="Content Placeholder 2">
             <a:extLst>
               <a:ext uri="{FF2B5EF4-FFF2-40B4-BE49-F238E27FC236}">
-                <a16:creationId xmlns:a16="http://schemas.microsoft.com/office/drawing/2014/main" id="{360D7208-BC39-768C-6B0B-125C6C27E5C4}"/>
+                <a16:creationId xmlns:a16="http://schemas.microsoft.com/office/drawing/2014/main" id="{87951CDA-93CD-83DA-19DF-9F8272A77CA7}"/>
               </a:ext>
             </a:extLst>
           </p:cNvPr>
@@ -5809,83 +8184,48 @@
             <p:ph idx="1"/>
           </p:nvPr>
         </p:nvSpPr>
-        <p:spPr>
-          <a:xfrm>
-            <a:off x="838200" y="758952"/>
-            <a:ext cx="10515600" cy="5418011"/>
-          </a:xfrm>
-        </p:spPr>
+        <p:spPr/>
         <p:txBody>
           <a:bodyPr>
-            <a:normAutofit/>
+            <a:normAutofit fontScale="92500" lnSpcReduction="20000"/>
           </a:bodyPr>
           <a:lstStyle/>
           <a:p>
-            <a:endParaRPr lang="en-US" dirty="0"/>
-          </a:p>
-          <a:p>
-            <a:r>
-              <a:rPr lang="en-US" dirty="0"/>
-              <a:t>Rules applied:</a:t>
+            <a:r>
+              <a:rPr lang="en-US" dirty="0"/>
+              <a:t>Goal </a:t>
             </a:r>
           </a:p>
           <a:p>
             <a:pPr lvl="1"/>
             <a:r>
               <a:rPr lang="en-US" dirty="0"/>
-              <a:t>Minimum length rule with an allow list for common short names like id, </a:t>
-            </a:r>
+              <a:t>Help readability by discouraging names that are too short or too generic.</a:t>
+            </a:r>
+          </a:p>
+          <a:p>
+            <a:r>
+              <a:rPr lang="en-US" dirty="0"/>
+              <a:t>Key registrations:</a:t>
+            </a:r>
+          </a:p>
+          <a:p>
+            <a:pPr lvl="1"/>
             <a:r>
               <a:rPr lang="en-US" dirty="0" err="1"/>
-              <a:t>ct</a:t>
-            </a:r>
-            <a:r>
-              <a:rPr lang="en-US" dirty="0"/>
-              <a:t>, ok.</a:t>
-            </a:r>
-          </a:p>
-          <a:p>
-            <a:pPr lvl="1"/>
-            <a:r>
-              <a:rPr lang="en-US" dirty="0"/>
-              <a:t>Token rule for common weak names such as </a:t>
+              <a:t>RegisterCompilationStartAction</a:t>
+            </a:r>
+            <a:r>
+              <a:rPr lang="en-US" dirty="0"/>
+              <a:t> to resolve and cache well known types once, for example </a:t>
             </a:r>
             <a:r>
               <a:rPr lang="en-US" dirty="0" err="1"/>
-              <a:t>tmp</a:t>
-            </a:r>
-            <a:r>
-              <a:rPr lang="en-US" dirty="0"/>
-              <a:t>, data, foo.</a:t>
-            </a:r>
-          </a:p>
-          <a:p>
-            <a:pPr lvl="1"/>
-            <a:r>
-              <a:rPr lang="en-US" dirty="0"/>
-              <a:t>Discard _ is ignored.</a:t>
-            </a:r>
-          </a:p>
-          <a:p>
-            <a:pPr lvl="1"/>
-            <a:r>
-              <a:rPr lang="en-US" dirty="0"/>
-              <a:t>Classic for counters </a:t>
-            </a:r>
-            <a:r>
-              <a:rPr lang="en-US" dirty="0" err="1"/>
-              <a:t>i</a:t>
-            </a:r>
-            <a:r>
-              <a:rPr lang="en-US" dirty="0"/>
-              <a:t>, j, k allowed only when declared in the for initializer.</a:t>
-            </a:r>
-          </a:p>
-          <a:p>
-            <a:pPr lvl="1"/>
-            <a:r>
-              <a:rPr lang="en-US" dirty="0"/>
-              <a:t>Special case for parameters named e when the type derives from </a:t>
+              <a:t>IEnumerable</a:t>
+            </a:r>
+            <a:r>
+              <a:rPr lang="en-US" dirty="0"/>
+              <a:t>&lt;T&gt; and </a:t>
             </a:r>
             <a:r>
               <a:rPr lang="en-US" dirty="0" err="1"/>
@@ -5897,37 +8237,94 @@
             </a:r>
           </a:p>
           <a:p>
-            <a:r>
-              <a:rPr lang="en-US" dirty="0"/>
-              <a:t>Type aware suggestions</a:t>
-            </a:r>
-          </a:p>
-          <a:p>
             <a:pPr lvl="1"/>
             <a:r>
               <a:rPr lang="en-US" dirty="0"/>
-              <a:t>If the type is bool, suggest a name starting with is, has, or can.</a:t>
+              <a:t>Within that start action:</a:t>
+            </a:r>
+          </a:p>
+          <a:p>
+            <a:pPr lvl="2"/>
+            <a:r>
+              <a:rPr lang="en-US" dirty="0" err="1"/>
+              <a:t>RegisterSyntaxNodeAction</a:t>
+            </a:r>
+            <a:r>
+              <a:rPr lang="en-US" dirty="0"/>
+              <a:t> for </a:t>
+            </a:r>
+            <a:r>
+              <a:rPr lang="en-US" dirty="0" err="1"/>
+              <a:t>VariableDeclarator</a:t>
+            </a:r>
+            <a:r>
+              <a:rPr lang="en-US" dirty="0"/>
+              <a:t> to catch locals and fields.</a:t>
+            </a:r>
+          </a:p>
+          <a:p>
+            <a:pPr lvl="2"/>
+            <a:r>
+              <a:rPr lang="en-US" dirty="0" err="1"/>
+              <a:t>RegisterSymbolAction</a:t>
+            </a:r>
+            <a:r>
+              <a:rPr lang="en-US" dirty="0"/>
+              <a:t> for parameters.</a:t>
+            </a:r>
+          </a:p>
+          <a:p>
+            <a:pPr lvl="2"/>
+            <a:r>
+              <a:rPr lang="en-US" dirty="0" err="1"/>
+              <a:t>RegisterSyntaxNodeAction</a:t>
+            </a:r>
+            <a:r>
+              <a:rPr lang="en-US" dirty="0"/>
+              <a:t> for </a:t>
+            </a:r>
+            <a:r>
+              <a:rPr lang="en-US" dirty="0" err="1"/>
+              <a:t>SingleVariableDesignation</a:t>
+            </a:r>
+            <a:r>
+              <a:rPr lang="en-US" dirty="0"/>
+              <a:t> to catch foreach (var x in ...).</a:t>
+            </a:r>
+          </a:p>
+          <a:p>
+            <a:r>
+              <a:rPr lang="en-US" dirty="0"/>
+              <a:t>Scope covered:</a:t>
             </a:r>
           </a:p>
           <a:p>
             <a:pPr lvl="1"/>
             <a:r>
               <a:rPr lang="en-US" dirty="0"/>
-              <a:t>If the type is a collection or implements </a:t>
-            </a:r>
-            <a:r>
-              <a:rPr lang="en-US" dirty="0" err="1"/>
-              <a:t>IEnumerable</a:t>
-            </a:r>
-            <a:r>
-              <a:rPr lang="en-US" dirty="0"/>
-              <a:t>&lt;T&gt;, suggest a plural form.</a:t>
-            </a:r>
-          </a:p>
-          <a:p>
-            <a:pPr marL="457200" lvl="1" indent="0">
-              <a:buNone/>
-            </a:pPr>
+              <a:t>Locals and fields (fields only when not const).</a:t>
+            </a:r>
+          </a:p>
+          <a:p>
+            <a:pPr lvl="1"/>
+            <a:r>
+              <a:rPr lang="en-US" dirty="0"/>
+              <a:t>Parameters.</a:t>
+            </a:r>
+          </a:p>
+          <a:p>
+            <a:pPr lvl="1"/>
+            <a:r>
+              <a:rPr lang="en-US" dirty="0"/>
+              <a:t>Foreach variable designations (configurable).</a:t>
+            </a:r>
+          </a:p>
+          <a:p>
+            <a:pPr lvl="1"/>
+            <a:endParaRPr lang="en-US" dirty="0"/>
+          </a:p>
+          <a:p>
+            <a:pPr lvl="1"/>
             <a:endParaRPr lang="en-US" dirty="0"/>
           </a:p>
         </p:txBody>
@@ -5935,7 +8332,7 @@
     </p:spTree>
     <p:extLst>
       <p:ext uri="{BB962C8B-B14F-4D97-AF65-F5344CB8AC3E}">
-        <p14:creationId xmlns:p14="http://schemas.microsoft.com/office/powerpoint/2010/main" val="3378335537"/>
+        <p14:creationId xmlns:p14="http://schemas.microsoft.com/office/powerpoint/2010/main" val="2001230619"/>
       </p:ext>
     </p:extLst>
   </p:cSld>
@@ -5946,6 +8343,321 @@
 </file>
 
 <file path=ppt/theme/theme1.xml><?xml version="1.0" encoding="utf-8"?>
+<a:theme xmlns:a="http://schemas.openxmlformats.org/drawingml/2006/main" name="Office Theme">
+  <a:themeElements>
+    <a:clrScheme name="Office">
+      <a:dk1>
+        <a:sysClr val="windowText" lastClr="000000"/>
+      </a:dk1>
+      <a:lt1>
+        <a:sysClr val="window" lastClr="FFFFFF"/>
+      </a:lt1>
+      <a:dk2>
+        <a:srgbClr val="0E2841"/>
+      </a:dk2>
+      <a:lt2>
+        <a:srgbClr val="E8E8E8"/>
+      </a:lt2>
+      <a:accent1>
+        <a:srgbClr val="156082"/>
+      </a:accent1>
+      <a:accent2>
+        <a:srgbClr val="E97132"/>
+      </a:accent2>
+      <a:accent3>
+        <a:srgbClr val="196B24"/>
+      </a:accent3>
+      <a:accent4>
+        <a:srgbClr val="0F9ED5"/>
+      </a:accent4>
+      <a:accent5>
+        <a:srgbClr val="A02B93"/>
+      </a:accent5>
+      <a:accent6>
+        <a:srgbClr val="4EA72E"/>
+      </a:accent6>
+      <a:hlink>
+        <a:srgbClr val="467886"/>
+      </a:hlink>
+      <a:folHlink>
+        <a:srgbClr val="96607D"/>
+      </a:folHlink>
+    </a:clrScheme>
+    <a:fontScheme name="Office">
+      <a:majorFont>
+        <a:latin typeface="Aptos Display" panose="02110004020202020204"/>
+        <a:ea typeface=""/>
+        <a:cs typeface=""/>
+        <a:font script="Jpan" typeface="游ゴシック Light"/>
+        <a:font script="Hang" typeface="맑은 고딕"/>
+        <a:font script="Hans" typeface="等线 Light"/>
+        <a:font script="Hant" typeface="新細明體"/>
+        <a:font script="Arab" typeface="Times New Roman"/>
+        <a:font script="Hebr" typeface="Times New Roman"/>
+        <a:font script="Thai" typeface="Angsana New"/>
+        <a:font script="Ethi" typeface="Nyala"/>
+        <a:font script="Beng" typeface="Vrinda"/>
+        <a:font script="Gujr" typeface="Shruti"/>
+        <a:font script="Khmr" typeface="MoolBoran"/>
+        <a:font script="Knda" typeface="Tunga"/>
+        <a:font script="Guru" typeface="Raavi"/>
+        <a:font script="Cans" typeface="Euphemia"/>
+        <a:font script="Cher" typeface="Plantagenet Cherokee"/>
+        <a:font script="Yiii" typeface="Microsoft Yi Baiti"/>
+        <a:font script="Tibt" typeface="Microsoft Himalaya"/>
+        <a:font script="Thaa" typeface="MV Boli"/>
+        <a:font script="Deva" typeface="Mangal"/>
+        <a:font script="Telu" typeface="Gautami"/>
+        <a:font script="Taml" typeface="Latha"/>
+        <a:font script="Syrc" typeface="Estrangelo Edessa"/>
+        <a:font script="Orya" typeface="Kalinga"/>
+        <a:font script="Mlym" typeface="Kartika"/>
+        <a:font script="Laoo" typeface="DokChampa"/>
+        <a:font script="Sinh" typeface="Iskoola Pota"/>
+        <a:font script="Mong" typeface="Mongolian Baiti"/>
+        <a:font script="Viet" typeface="Times New Roman"/>
+        <a:font script="Uigh" typeface="Microsoft Uighur"/>
+        <a:font script="Geor" typeface="Sylfaen"/>
+        <a:font script="Armn" typeface="Arial"/>
+        <a:font script="Bugi" typeface="Leelawadee UI"/>
+        <a:font script="Bopo" typeface="Microsoft JhengHei"/>
+        <a:font script="Java" typeface="Javanese Text"/>
+        <a:font script="Lisu" typeface="Segoe UI"/>
+        <a:font script="Mymr" typeface="Myanmar Text"/>
+        <a:font script="Nkoo" typeface="Ebrima"/>
+        <a:font script="Olck" typeface="Nirmala UI"/>
+        <a:font script="Osma" typeface="Ebrima"/>
+        <a:font script="Phag" typeface="Phagspa"/>
+        <a:font script="Syrn" typeface="Estrangelo Edessa"/>
+        <a:font script="Syrj" typeface="Estrangelo Edessa"/>
+        <a:font script="Syre" typeface="Estrangelo Edessa"/>
+        <a:font script="Sora" typeface="Nirmala UI"/>
+        <a:font script="Tale" typeface="Microsoft Tai Le"/>
+        <a:font script="Talu" typeface="Microsoft New Tai Lue"/>
+        <a:font script="Tfng" typeface="Ebrima"/>
+      </a:majorFont>
+      <a:minorFont>
+        <a:latin typeface="Aptos" panose="02110004020202020204"/>
+        <a:ea typeface=""/>
+        <a:cs typeface=""/>
+        <a:font script="Jpan" typeface="游ゴシック"/>
+        <a:font script="Hang" typeface="맑은 고딕"/>
+        <a:font script="Hans" typeface="等线"/>
+        <a:font script="Hant" typeface="新細明體"/>
+        <a:font script="Arab" typeface="Arial"/>
+        <a:font script="Hebr" typeface="Arial"/>
+        <a:font script="Thai" typeface="Cordia New"/>
+        <a:font script="Ethi" typeface="Nyala"/>
+        <a:font script="Beng" typeface="Vrinda"/>
+        <a:font script="Gujr" typeface="Shruti"/>
+        <a:font script="Khmr" typeface="DaunPenh"/>
+        <a:font script="Knda" typeface="Tunga"/>
+        <a:font script="Guru" typeface="Raavi"/>
+        <a:font script="Cans" typeface="Euphemia"/>
+        <a:font script="Cher" typeface="Plantagenet Cherokee"/>
+        <a:font script="Yiii" typeface="Microsoft Yi Baiti"/>
+        <a:font script="Tibt" typeface="Microsoft Himalaya"/>
+        <a:font script="Thaa" typeface="MV Boli"/>
+        <a:font script="Deva" typeface="Mangal"/>
+        <a:font script="Telu" typeface="Gautami"/>
+        <a:font script="Taml" typeface="Latha"/>
+        <a:font script="Syrc" typeface="Estrangelo Edessa"/>
+        <a:font script="Orya" typeface="Kalinga"/>
+        <a:font script="Mlym" typeface="Kartika"/>
+        <a:font script="Laoo" typeface="DokChampa"/>
+        <a:font script="Sinh" typeface="Iskoola Pota"/>
+        <a:font script="Mong" typeface="Mongolian Baiti"/>
+        <a:font script="Viet" typeface="Arial"/>
+        <a:font script="Uigh" typeface="Microsoft Uighur"/>
+        <a:font script="Geor" typeface="Sylfaen"/>
+        <a:font script="Armn" typeface="Arial"/>
+        <a:font script="Bugi" typeface="Leelawadee UI"/>
+        <a:font script="Bopo" typeface="Microsoft JhengHei"/>
+        <a:font script="Java" typeface="Javanese Text"/>
+        <a:font script="Lisu" typeface="Segoe UI"/>
+        <a:font script="Mymr" typeface="Myanmar Text"/>
+        <a:font script="Nkoo" typeface="Ebrima"/>
+        <a:font script="Olck" typeface="Nirmala UI"/>
+        <a:font script="Osma" typeface="Ebrima"/>
+        <a:font script="Phag" typeface="Phagspa"/>
+        <a:font script="Syrn" typeface="Estrangelo Edessa"/>
+        <a:font script="Syrj" typeface="Estrangelo Edessa"/>
+        <a:font script="Syre" typeface="Estrangelo Edessa"/>
+        <a:font script="Sora" typeface="Nirmala UI"/>
+        <a:font script="Tale" typeface="Microsoft Tai Le"/>
+        <a:font script="Talu" typeface="Microsoft New Tai Lue"/>
+        <a:font script="Tfng" typeface="Ebrima"/>
+      </a:minorFont>
+    </a:fontScheme>
+    <a:fmtScheme name="Office">
+      <a:fillStyleLst>
+        <a:solidFill>
+          <a:schemeClr val="phClr"/>
+        </a:solidFill>
+        <a:gradFill rotWithShape="1">
+          <a:gsLst>
+            <a:gs pos="0">
+              <a:schemeClr val="phClr">
+                <a:lumMod val="110000"/>
+                <a:satMod val="105000"/>
+                <a:tint val="67000"/>
+              </a:schemeClr>
+            </a:gs>
+            <a:gs pos="50000">
+              <a:schemeClr val="phClr">
+                <a:lumMod val="105000"/>
+                <a:satMod val="103000"/>
+                <a:tint val="73000"/>
+              </a:schemeClr>
+            </a:gs>
+            <a:gs pos="100000">
+              <a:schemeClr val="phClr">
+                <a:lumMod val="105000"/>
+                <a:satMod val="109000"/>
+                <a:tint val="81000"/>
+              </a:schemeClr>
+            </a:gs>
+          </a:gsLst>
+          <a:lin ang="5400000" scaled="0"/>
+        </a:gradFill>
+        <a:gradFill rotWithShape="1">
+          <a:gsLst>
+            <a:gs pos="0">
+              <a:schemeClr val="phClr">
+                <a:satMod val="103000"/>
+                <a:lumMod val="102000"/>
+                <a:tint val="94000"/>
+              </a:schemeClr>
+            </a:gs>
+            <a:gs pos="50000">
+              <a:schemeClr val="phClr">
+                <a:satMod val="110000"/>
+                <a:lumMod val="100000"/>
+                <a:shade val="100000"/>
+              </a:schemeClr>
+            </a:gs>
+            <a:gs pos="100000">
+              <a:schemeClr val="phClr">
+                <a:lumMod val="99000"/>
+                <a:satMod val="120000"/>
+                <a:shade val="78000"/>
+              </a:schemeClr>
+            </a:gs>
+          </a:gsLst>
+          <a:lin ang="5400000" scaled="0"/>
+        </a:gradFill>
+      </a:fillStyleLst>
+      <a:lnStyleLst>
+        <a:ln w="12700" cap="flat" cmpd="sng" algn="ctr">
+          <a:solidFill>
+            <a:schemeClr val="phClr"/>
+          </a:solidFill>
+          <a:prstDash val="solid"/>
+          <a:miter lim="800000"/>
+        </a:ln>
+        <a:ln w="19050" cap="flat" cmpd="sng" algn="ctr">
+          <a:solidFill>
+            <a:schemeClr val="phClr"/>
+          </a:solidFill>
+          <a:prstDash val="solid"/>
+          <a:miter lim="800000"/>
+        </a:ln>
+        <a:ln w="25400" cap="flat" cmpd="sng" algn="ctr">
+          <a:solidFill>
+            <a:schemeClr val="phClr"/>
+          </a:solidFill>
+          <a:prstDash val="solid"/>
+          <a:miter lim="800000"/>
+        </a:ln>
+      </a:lnStyleLst>
+      <a:effectStyleLst>
+        <a:effectStyle>
+          <a:effectLst/>
+        </a:effectStyle>
+        <a:effectStyle>
+          <a:effectLst/>
+        </a:effectStyle>
+        <a:effectStyle>
+          <a:effectLst>
+            <a:outerShdw blurRad="57150" dist="19050" dir="5400000" algn="ctr" rotWithShape="0">
+              <a:srgbClr val="000000">
+                <a:alpha val="63000"/>
+              </a:srgbClr>
+            </a:outerShdw>
+          </a:effectLst>
+        </a:effectStyle>
+      </a:effectStyleLst>
+      <a:bgFillStyleLst>
+        <a:solidFill>
+          <a:schemeClr val="phClr"/>
+        </a:solidFill>
+        <a:solidFill>
+          <a:schemeClr val="phClr">
+            <a:tint val="95000"/>
+            <a:satMod val="170000"/>
+          </a:schemeClr>
+        </a:solidFill>
+        <a:gradFill rotWithShape="1">
+          <a:gsLst>
+            <a:gs pos="0">
+              <a:schemeClr val="phClr">
+                <a:tint val="93000"/>
+                <a:satMod val="150000"/>
+                <a:shade val="98000"/>
+                <a:lumMod val="102000"/>
+              </a:schemeClr>
+            </a:gs>
+            <a:gs pos="50000">
+              <a:schemeClr val="phClr">
+                <a:tint val="98000"/>
+                <a:satMod val="130000"/>
+                <a:shade val="90000"/>
+                <a:lumMod val="103000"/>
+              </a:schemeClr>
+            </a:gs>
+            <a:gs pos="100000">
+              <a:schemeClr val="phClr">
+                <a:shade val="63000"/>
+                <a:satMod val="120000"/>
+              </a:schemeClr>
+            </a:gs>
+          </a:gsLst>
+          <a:lin ang="5400000" scaled="0"/>
+        </a:gradFill>
+      </a:bgFillStyleLst>
+    </a:fmtScheme>
+  </a:themeElements>
+  <a:objectDefaults>
+    <a:lnDef>
+      <a:spPr/>
+      <a:bodyPr/>
+      <a:lstStyle/>
+      <a:style>
+        <a:lnRef idx="2">
+          <a:schemeClr val="accent1"/>
+        </a:lnRef>
+        <a:fillRef idx="0">
+          <a:schemeClr val="accent1"/>
+        </a:fillRef>
+        <a:effectRef idx="1">
+          <a:schemeClr val="accent1"/>
+        </a:effectRef>
+        <a:fontRef idx="minor">
+          <a:schemeClr val="tx1"/>
+        </a:fontRef>
+      </a:style>
+    </a:lnDef>
+  </a:objectDefaults>
+  <a:extraClrSchemeLst/>
+  <a:extLst>
+    <a:ext uri="{05A4C25C-085E-4340-85A3-A5531E510DB2}">
+      <thm15:themeFamily xmlns:thm15="http://schemas.microsoft.com/office/thememl/2012/main" name="Office Theme" id="{2E142A2C-CD16-42D6-873A-C26D2A0506FA}" vid="{1BDDFF52-6CD6-40A5-AB3C-68EB2F1E4D0A}"/>
+    </a:ext>
+  </a:extLst>
+</a:theme>
+</file>
+
+<file path=ppt/theme/theme2.xml><?xml version="1.0" encoding="utf-8"?>
 <a:theme xmlns:a="http://schemas.openxmlformats.org/drawingml/2006/main" name="Office Theme">
   <a:themeElements>
     <a:clrScheme name="Office">
